--- a/spring12/slidesS12/predicate-logic3.pptx
+++ b/spring12/slidesS12/predicate-logic3.pptx
@@ -5,26 +5,31 @@
     <p:sldMasterId id="2147483650" r:id="rId1"/>
   </p:sldMasterIdLst>
   <p:notesMasterIdLst>
-    <p:notesMasterId r:id="rId11"/>
+    <p:notesMasterId r:id="rId16"/>
   </p:notesMasterIdLst>
   <p:handoutMasterIdLst>
-    <p:handoutMasterId r:id="rId12"/>
+    <p:handoutMasterId r:id="rId17"/>
   </p:handoutMasterIdLst>
   <p:sldIdLst>
     <p:sldId id="256" r:id="rId2"/>
-    <p:sldId id="273" r:id="rId3"/>
-    <p:sldId id="339" r:id="rId4"/>
-    <p:sldId id="296" r:id="rId5"/>
-    <p:sldId id="297" r:id="rId6"/>
-    <p:sldId id="298" r:id="rId7"/>
-    <p:sldId id="299" r:id="rId8"/>
-    <p:sldId id="300" r:id="rId9"/>
-    <p:sldId id="328" r:id="rId10"/>
+    <p:sldId id="340" r:id="rId3"/>
+    <p:sldId id="341" r:id="rId4"/>
+    <p:sldId id="342" r:id="rId5"/>
+    <p:sldId id="343" r:id="rId6"/>
+    <p:sldId id="344" r:id="rId7"/>
+    <p:sldId id="345" r:id="rId8"/>
+    <p:sldId id="339" r:id="rId9"/>
+    <p:sldId id="296" r:id="rId10"/>
+    <p:sldId id="297" r:id="rId11"/>
+    <p:sldId id="298" r:id="rId12"/>
+    <p:sldId id="299" r:id="rId13"/>
+    <p:sldId id="300" r:id="rId14"/>
+    <p:sldId id="328" r:id="rId15"/>
   </p:sldIdLst>
   <p:sldSz cx="9144000" cy="6858000" type="screen4x3"/>
   <p:notesSz cx="7315200" cy="9601200"/>
   <p:custDataLst>
-    <p:tags r:id="rId14"/>
+    <p:tags r:id="rId19"/>
   </p:custDataLst>
   <p:defaultTextStyle>
     <a:defPPr>
@@ -887,6 +892,421 @@
 </p:notes>
 </file>
 
+<file path=ppt/notesSlides/notesSlide10.xml><?xml version="1.0" encoding="utf-8"?>
+<p:notes xmlns:a="http://schemas.openxmlformats.org/drawingml/2006/main" xmlns:r="http://schemas.openxmlformats.org/officeDocument/2006/relationships" xmlns:p="http://schemas.openxmlformats.org/presentationml/2006/main">
+  <p:cSld>
+    <p:spTree>
+      <p:nvGrpSpPr>
+        <p:cNvPr id="1" name=""/>
+        <p:cNvGrpSpPr/>
+        <p:nvPr/>
+      </p:nvGrpSpPr>
+      <p:grpSpPr>
+        <a:xfrm>
+          <a:off x="0" y="0"/>
+          <a:ext cx="0" cy="0"/>
+          <a:chOff x="0" y="0"/>
+          <a:chExt cx="0" cy="0"/>
+        </a:xfrm>
+      </p:grpSpPr>
+      <p:sp>
+        <p:nvSpPr>
+          <p:cNvPr id="2" name="Slide Image Placeholder 1"/>
+          <p:cNvSpPr>
+            <a:spLocks noGrp="1" noRot="1" noChangeAspect="1"/>
+          </p:cNvSpPr>
+          <p:nvPr>
+            <p:ph type="sldImg"/>
+          </p:nvPr>
+        </p:nvSpPr>
+        <p:spPr/>
+      </p:sp>
+      <p:sp>
+        <p:nvSpPr>
+          <p:cNvPr id="3" name="Notes Placeholder 2"/>
+          <p:cNvSpPr>
+            <a:spLocks noGrp="1"/>
+          </p:cNvSpPr>
+          <p:nvPr>
+            <p:ph type="body" idx="1"/>
+          </p:nvPr>
+        </p:nvSpPr>
+        <p:spPr/>
+        <p:txBody>
+          <a:bodyPr>
+            <a:normAutofit/>
+          </a:bodyPr>
+          <a:lstStyle/>
+          <a:p>
+            <a:endParaRPr lang="en-US"/>
+          </a:p>
+        </p:txBody>
+      </p:sp>
+      <p:sp>
+        <p:nvSpPr>
+          <p:cNvPr id="4" name="Slide Number Placeholder 3"/>
+          <p:cNvSpPr>
+            <a:spLocks noGrp="1"/>
+          </p:cNvSpPr>
+          <p:nvPr>
+            <p:ph type="sldNum" sz="quarter" idx="10"/>
+          </p:nvPr>
+        </p:nvSpPr>
+        <p:spPr/>
+        <p:txBody>
+          <a:bodyPr/>
+          <a:lstStyle/>
+          <a:p>
+            <a:fld id="{E2E5D870-E2E4-4BD1-9265-CA8EFFF0A491}" type="slidenum">
+              <a:rPr lang="en-US" smtClean="0"/>
+              <a:pPr/>
+              <a:t>10</a:t>
+            </a:fld>
+            <a:endParaRPr lang="en-US"/>
+          </a:p>
+        </p:txBody>
+      </p:sp>
+    </p:spTree>
+  </p:cSld>
+  <p:clrMapOvr>
+    <a:masterClrMapping/>
+  </p:clrMapOvr>
+</p:notes>
+</file>
+
+<file path=ppt/notesSlides/notesSlide11.xml><?xml version="1.0" encoding="utf-8"?>
+<p:notes xmlns:a="http://schemas.openxmlformats.org/drawingml/2006/main" xmlns:r="http://schemas.openxmlformats.org/officeDocument/2006/relationships" xmlns:p="http://schemas.openxmlformats.org/presentationml/2006/main">
+  <p:cSld>
+    <p:spTree>
+      <p:nvGrpSpPr>
+        <p:cNvPr id="1" name=""/>
+        <p:cNvGrpSpPr/>
+        <p:nvPr/>
+      </p:nvGrpSpPr>
+      <p:grpSpPr>
+        <a:xfrm>
+          <a:off x="0" y="0"/>
+          <a:ext cx="0" cy="0"/>
+          <a:chOff x="0" y="0"/>
+          <a:chExt cx="0" cy="0"/>
+        </a:xfrm>
+      </p:grpSpPr>
+      <p:sp>
+        <p:nvSpPr>
+          <p:cNvPr id="2" name="Slide Image Placeholder 1"/>
+          <p:cNvSpPr>
+            <a:spLocks noGrp="1" noRot="1" noChangeAspect="1"/>
+          </p:cNvSpPr>
+          <p:nvPr>
+            <p:ph type="sldImg"/>
+          </p:nvPr>
+        </p:nvSpPr>
+        <p:spPr/>
+      </p:sp>
+      <p:sp>
+        <p:nvSpPr>
+          <p:cNvPr id="3" name="Notes Placeholder 2"/>
+          <p:cNvSpPr>
+            <a:spLocks noGrp="1"/>
+          </p:cNvSpPr>
+          <p:nvPr>
+            <p:ph type="body" idx="1"/>
+          </p:nvPr>
+        </p:nvSpPr>
+        <p:spPr/>
+        <p:txBody>
+          <a:bodyPr>
+            <a:normAutofit/>
+          </a:bodyPr>
+          <a:lstStyle/>
+          <a:p>
+            <a:endParaRPr lang="en-US"/>
+          </a:p>
+        </p:txBody>
+      </p:sp>
+      <p:sp>
+        <p:nvSpPr>
+          <p:cNvPr id="4" name="Slide Number Placeholder 3"/>
+          <p:cNvSpPr>
+            <a:spLocks noGrp="1"/>
+          </p:cNvSpPr>
+          <p:nvPr>
+            <p:ph type="sldNum" sz="quarter" idx="10"/>
+          </p:nvPr>
+        </p:nvSpPr>
+        <p:spPr/>
+        <p:txBody>
+          <a:bodyPr/>
+          <a:lstStyle/>
+          <a:p>
+            <a:fld id="{E2E5D870-E2E4-4BD1-9265-CA8EFFF0A491}" type="slidenum">
+              <a:rPr lang="en-US" smtClean="0"/>
+              <a:pPr/>
+              <a:t>11</a:t>
+            </a:fld>
+            <a:endParaRPr lang="en-US"/>
+          </a:p>
+        </p:txBody>
+      </p:sp>
+    </p:spTree>
+  </p:cSld>
+  <p:clrMapOvr>
+    <a:masterClrMapping/>
+  </p:clrMapOvr>
+</p:notes>
+</file>
+
+<file path=ppt/notesSlides/notesSlide12.xml><?xml version="1.0" encoding="utf-8"?>
+<p:notes xmlns:a="http://schemas.openxmlformats.org/drawingml/2006/main" xmlns:r="http://schemas.openxmlformats.org/officeDocument/2006/relationships" xmlns:p="http://schemas.openxmlformats.org/presentationml/2006/main">
+  <p:cSld>
+    <p:spTree>
+      <p:nvGrpSpPr>
+        <p:cNvPr id="1" name=""/>
+        <p:cNvGrpSpPr/>
+        <p:nvPr/>
+      </p:nvGrpSpPr>
+      <p:grpSpPr>
+        <a:xfrm>
+          <a:off x="0" y="0"/>
+          <a:ext cx="0" cy="0"/>
+          <a:chOff x="0" y="0"/>
+          <a:chExt cx="0" cy="0"/>
+        </a:xfrm>
+      </p:grpSpPr>
+      <p:sp>
+        <p:nvSpPr>
+          <p:cNvPr id="2" name="Slide Image Placeholder 1"/>
+          <p:cNvSpPr>
+            <a:spLocks noGrp="1" noRot="1" noChangeAspect="1"/>
+          </p:cNvSpPr>
+          <p:nvPr>
+            <p:ph type="sldImg"/>
+          </p:nvPr>
+        </p:nvSpPr>
+        <p:spPr/>
+      </p:sp>
+      <p:sp>
+        <p:nvSpPr>
+          <p:cNvPr id="3" name="Notes Placeholder 2"/>
+          <p:cNvSpPr>
+            <a:spLocks noGrp="1"/>
+          </p:cNvSpPr>
+          <p:nvPr>
+            <p:ph type="body" idx="1"/>
+          </p:nvPr>
+        </p:nvSpPr>
+        <p:spPr/>
+        <p:txBody>
+          <a:bodyPr>
+            <a:normAutofit/>
+          </a:bodyPr>
+          <a:lstStyle/>
+          <a:p>
+            <a:endParaRPr lang="en-US"/>
+          </a:p>
+        </p:txBody>
+      </p:sp>
+      <p:sp>
+        <p:nvSpPr>
+          <p:cNvPr id="4" name="Slide Number Placeholder 3"/>
+          <p:cNvSpPr>
+            <a:spLocks noGrp="1"/>
+          </p:cNvSpPr>
+          <p:nvPr>
+            <p:ph type="sldNum" sz="quarter" idx="10"/>
+          </p:nvPr>
+        </p:nvSpPr>
+        <p:spPr/>
+        <p:txBody>
+          <a:bodyPr/>
+          <a:lstStyle/>
+          <a:p>
+            <a:fld id="{E2E5D870-E2E4-4BD1-9265-CA8EFFF0A491}" type="slidenum">
+              <a:rPr lang="en-US" smtClean="0"/>
+              <a:pPr/>
+              <a:t>12</a:t>
+            </a:fld>
+            <a:endParaRPr lang="en-US"/>
+          </a:p>
+        </p:txBody>
+      </p:sp>
+    </p:spTree>
+  </p:cSld>
+  <p:clrMapOvr>
+    <a:masterClrMapping/>
+  </p:clrMapOvr>
+</p:notes>
+</file>
+
+<file path=ppt/notesSlides/notesSlide13.xml><?xml version="1.0" encoding="utf-8"?>
+<p:notes xmlns:a="http://schemas.openxmlformats.org/drawingml/2006/main" xmlns:r="http://schemas.openxmlformats.org/officeDocument/2006/relationships" xmlns:p="http://schemas.openxmlformats.org/presentationml/2006/main">
+  <p:cSld>
+    <p:spTree>
+      <p:nvGrpSpPr>
+        <p:cNvPr id="1" name=""/>
+        <p:cNvGrpSpPr/>
+        <p:nvPr/>
+      </p:nvGrpSpPr>
+      <p:grpSpPr>
+        <a:xfrm>
+          <a:off x="0" y="0"/>
+          <a:ext cx="0" cy="0"/>
+          <a:chOff x="0" y="0"/>
+          <a:chExt cx="0" cy="0"/>
+        </a:xfrm>
+      </p:grpSpPr>
+      <p:sp>
+        <p:nvSpPr>
+          <p:cNvPr id="2" name="Slide Image Placeholder 1"/>
+          <p:cNvSpPr>
+            <a:spLocks noGrp="1" noRot="1" noChangeAspect="1"/>
+          </p:cNvSpPr>
+          <p:nvPr>
+            <p:ph type="sldImg"/>
+          </p:nvPr>
+        </p:nvSpPr>
+        <p:spPr/>
+      </p:sp>
+      <p:sp>
+        <p:nvSpPr>
+          <p:cNvPr id="3" name="Notes Placeholder 2"/>
+          <p:cNvSpPr>
+            <a:spLocks noGrp="1"/>
+          </p:cNvSpPr>
+          <p:nvPr>
+            <p:ph type="body" idx="1"/>
+          </p:nvPr>
+        </p:nvSpPr>
+        <p:spPr/>
+        <p:txBody>
+          <a:bodyPr>
+            <a:normAutofit/>
+          </a:bodyPr>
+          <a:lstStyle/>
+          <a:p>
+            <a:endParaRPr lang="en-US"/>
+          </a:p>
+        </p:txBody>
+      </p:sp>
+      <p:sp>
+        <p:nvSpPr>
+          <p:cNvPr id="4" name="Slide Number Placeholder 3"/>
+          <p:cNvSpPr>
+            <a:spLocks noGrp="1"/>
+          </p:cNvSpPr>
+          <p:nvPr>
+            <p:ph type="sldNum" sz="quarter" idx="10"/>
+          </p:nvPr>
+        </p:nvSpPr>
+        <p:spPr/>
+        <p:txBody>
+          <a:bodyPr/>
+          <a:lstStyle/>
+          <a:p>
+            <a:fld id="{E2E5D870-E2E4-4BD1-9265-CA8EFFF0A491}" type="slidenum">
+              <a:rPr lang="en-US" smtClean="0"/>
+              <a:pPr/>
+              <a:t>13</a:t>
+            </a:fld>
+            <a:endParaRPr lang="en-US"/>
+          </a:p>
+        </p:txBody>
+      </p:sp>
+    </p:spTree>
+  </p:cSld>
+  <p:clrMapOvr>
+    <a:masterClrMapping/>
+  </p:clrMapOvr>
+</p:notes>
+</file>
+
+<file path=ppt/notesSlides/notesSlide14.xml><?xml version="1.0" encoding="utf-8"?>
+<p:notes xmlns:a="http://schemas.openxmlformats.org/drawingml/2006/main" xmlns:r="http://schemas.openxmlformats.org/officeDocument/2006/relationships" xmlns:p="http://schemas.openxmlformats.org/presentationml/2006/main">
+  <p:cSld>
+    <p:spTree>
+      <p:nvGrpSpPr>
+        <p:cNvPr id="1" name=""/>
+        <p:cNvGrpSpPr/>
+        <p:nvPr/>
+      </p:nvGrpSpPr>
+      <p:grpSpPr>
+        <a:xfrm>
+          <a:off x="0" y="0"/>
+          <a:ext cx="0" cy="0"/>
+          <a:chOff x="0" y="0"/>
+          <a:chExt cx="0" cy="0"/>
+        </a:xfrm>
+      </p:grpSpPr>
+      <p:sp>
+        <p:nvSpPr>
+          <p:cNvPr id="72706" name="Rectangle 7"/>
+          <p:cNvSpPr>
+            <a:spLocks noGrp="1" noChangeArrowheads="1"/>
+          </p:cNvSpPr>
+          <p:nvPr>
+            <p:ph type="sldNum" sz="quarter" idx="5"/>
+          </p:nvPr>
+        </p:nvSpPr>
+        <p:spPr>
+          <a:noFill/>
+        </p:spPr>
+        <p:txBody>
+          <a:bodyPr/>
+          <a:lstStyle/>
+          <a:p>
+            <a:fld id="{6653F924-F418-411E-8C35-24F3766CE997}" type="slidenum">
+              <a:rPr lang="en-US" smtClean="0"/>
+              <a:pPr/>
+              <a:t>14</a:t>
+            </a:fld>
+            <a:endParaRPr lang="en-US" smtClean="0"/>
+          </a:p>
+        </p:txBody>
+      </p:sp>
+      <p:sp>
+        <p:nvSpPr>
+          <p:cNvPr id="72707" name="Rectangle 2"/>
+          <p:cNvSpPr>
+            <a:spLocks noGrp="1" noRot="1" noChangeAspect="1" noChangeArrowheads="1" noTextEdit="1"/>
+          </p:cNvSpPr>
+          <p:nvPr>
+            <p:ph type="sldImg"/>
+          </p:nvPr>
+        </p:nvSpPr>
+        <p:spPr>
+          <a:ln/>
+        </p:spPr>
+      </p:sp>
+      <p:sp>
+        <p:nvSpPr>
+          <p:cNvPr id="72708" name="Rectangle 3"/>
+          <p:cNvSpPr>
+            <a:spLocks noGrp="1" noChangeArrowheads="1"/>
+          </p:cNvSpPr>
+          <p:nvPr>
+            <p:ph type="body" idx="1"/>
+          </p:nvPr>
+        </p:nvSpPr>
+        <p:spPr>
+          <a:noFill/>
+          <a:ln/>
+        </p:spPr>
+        <p:txBody>
+          <a:bodyPr/>
+          <a:lstStyle/>
+          <a:p>
+            <a:endParaRPr lang="en-US" smtClean="0"/>
+          </a:p>
+        </p:txBody>
+      </p:sp>
+    </p:spTree>
+  </p:cSld>
+  <p:clrMapOvr>
+    <a:masterClrMapping/>
+  </p:clrMapOvr>
+</p:notes>
+</file>
+
 <file path=ppt/notesSlides/notesSlide2.xml><?xml version="1.0" encoding="utf-8"?>
 <p:notes xmlns:a="http://schemas.openxmlformats.org/drawingml/2006/main" xmlns:r="http://schemas.openxmlformats.org/officeDocument/2006/relationships" xmlns:p="http://schemas.openxmlformats.org/presentationml/2006/main">
   <p:cSld>
@@ -921,7 +1341,7 @@
           <a:bodyPr/>
           <a:lstStyle/>
           <a:p>
-            <a:fld id="{4FF67D94-BFF2-4AD9-90F7-E8828E4D2849}" type="slidenum">
+            <a:fld id="{833C7274-FB04-47AC-AEB8-A29E6EEEE470}" type="slidenum">
               <a:rPr lang="en-US"/>
               <a:pPr/>
               <a:t>2</a:t>
@@ -932,7 +1352,7 @@
       </p:sp>
       <p:sp>
         <p:nvSpPr>
-          <p:cNvPr id="110594" name="Rectangle 2"/>
+          <p:cNvPr id="106498" name="Rectangle 2"/>
           <p:cNvSpPr>
             <a:spLocks noGrp="1" noRot="1" noChangeAspect="1" noChangeArrowheads="1" noTextEdit="1"/>
           </p:cNvSpPr>
@@ -946,7 +1366,7 @@
       </p:sp>
       <p:sp>
         <p:nvSpPr>
-          <p:cNvPr id="110595" name="Rectangle 3"/>
+          <p:cNvPr id="106499" name="Rectangle 3"/>
           <p:cNvSpPr>
             <a:spLocks noGrp="1" noChangeArrowheads="1"/>
           </p:cNvSpPr>
@@ -990,45 +1410,52 @@
       </p:grpSpPr>
       <p:sp>
         <p:nvSpPr>
-          <p:cNvPr id="2" name="Slide Image Placeholder 1"/>
+          <p:cNvPr id="7" name="Rectangle 7"/>
           <p:cNvSpPr>
-            <a:spLocks noGrp="1" noRot="1" noChangeAspect="1"/>
+            <a:spLocks noGrp="1" noChangeArrowheads="1"/>
+          </p:cNvSpPr>
+          <p:nvPr>
+            <p:ph type="sldNum" sz="quarter" idx="5"/>
+          </p:nvPr>
+        </p:nvSpPr>
+        <p:spPr>
+          <a:ln/>
+        </p:spPr>
+        <p:txBody>
+          <a:bodyPr/>
+          <a:lstStyle/>
+          <a:p>
+            <a:fld id="{833C7274-FB04-47AC-AEB8-A29E6EEEE470}" type="slidenum">
+              <a:rPr lang="en-US"/>
+              <a:pPr/>
+              <a:t>3</a:t>
+            </a:fld>
+            <a:endParaRPr lang="en-US"/>
+          </a:p>
+        </p:txBody>
+      </p:sp>
+      <p:sp>
+        <p:nvSpPr>
+          <p:cNvPr id="106498" name="Rectangle 2"/>
+          <p:cNvSpPr>
+            <a:spLocks noGrp="1" noRot="1" noChangeAspect="1" noChangeArrowheads="1" noTextEdit="1"/>
           </p:cNvSpPr>
           <p:nvPr>
             <p:ph type="sldImg"/>
           </p:nvPr>
         </p:nvSpPr>
-        <p:spPr/>
-      </p:sp>
-      <p:sp>
-        <p:nvSpPr>
-          <p:cNvPr id="3" name="Notes Placeholder 2"/>
+        <p:spPr>
+          <a:ln/>
+        </p:spPr>
+      </p:sp>
+      <p:sp>
+        <p:nvSpPr>
+          <p:cNvPr id="106499" name="Rectangle 3"/>
           <p:cNvSpPr>
-            <a:spLocks noGrp="1"/>
+            <a:spLocks noGrp="1" noChangeArrowheads="1"/>
           </p:cNvSpPr>
           <p:nvPr>
             <p:ph type="body" idx="1"/>
-          </p:nvPr>
-        </p:nvSpPr>
-        <p:spPr/>
-        <p:txBody>
-          <a:bodyPr>
-            <a:normAutofit/>
-          </a:bodyPr>
-          <a:lstStyle/>
-          <a:p>
-            <a:endParaRPr lang="en-US"/>
-          </a:p>
-        </p:txBody>
-      </p:sp>
-      <p:sp>
-        <p:nvSpPr>
-          <p:cNvPr id="4" name="Slide Number Placeholder 3"/>
-          <p:cNvSpPr>
-            <a:spLocks noGrp="1"/>
-          </p:cNvSpPr>
-          <p:nvPr>
-            <p:ph type="sldNum" sz="quarter" idx="10"/>
           </p:nvPr>
         </p:nvSpPr>
         <p:spPr/>
@@ -1036,11 +1463,6 @@
           <a:bodyPr/>
           <a:lstStyle/>
           <a:p>
-            <a:fld id="{E2E5D870-E2E4-4BD1-9265-CA8EFFF0A491}" type="slidenum">
-              <a:rPr lang="en-US" smtClean="0"/>
-              <a:pPr/>
-              <a:t>3</a:t>
-            </a:fld>
             <a:endParaRPr lang="en-US"/>
           </a:p>
         </p:txBody>
@@ -1072,45 +1494,52 @@
       </p:grpSpPr>
       <p:sp>
         <p:nvSpPr>
-          <p:cNvPr id="2" name="Slide Image Placeholder 1"/>
+          <p:cNvPr id="7" name="Rectangle 7"/>
           <p:cNvSpPr>
-            <a:spLocks noGrp="1" noRot="1" noChangeAspect="1"/>
+            <a:spLocks noGrp="1" noChangeArrowheads="1"/>
+          </p:cNvSpPr>
+          <p:nvPr>
+            <p:ph type="sldNum" sz="quarter" idx="5"/>
+          </p:nvPr>
+        </p:nvSpPr>
+        <p:spPr>
+          <a:ln/>
+        </p:spPr>
+        <p:txBody>
+          <a:bodyPr/>
+          <a:lstStyle/>
+          <a:p>
+            <a:fld id="{B376A9E3-A38A-49E0-ABC2-D720399ABDBE}" type="slidenum">
+              <a:rPr lang="en-US"/>
+              <a:pPr/>
+              <a:t>4</a:t>
+            </a:fld>
+            <a:endParaRPr lang="en-US"/>
+          </a:p>
+        </p:txBody>
+      </p:sp>
+      <p:sp>
+        <p:nvSpPr>
+          <p:cNvPr id="108546" name="Rectangle 2"/>
+          <p:cNvSpPr>
+            <a:spLocks noGrp="1" noRot="1" noChangeAspect="1" noChangeArrowheads="1" noTextEdit="1"/>
           </p:cNvSpPr>
           <p:nvPr>
             <p:ph type="sldImg"/>
           </p:nvPr>
         </p:nvSpPr>
-        <p:spPr/>
-      </p:sp>
-      <p:sp>
-        <p:nvSpPr>
-          <p:cNvPr id="3" name="Notes Placeholder 2"/>
+        <p:spPr>
+          <a:ln/>
+        </p:spPr>
+      </p:sp>
+      <p:sp>
+        <p:nvSpPr>
+          <p:cNvPr id="108547" name="Rectangle 3"/>
           <p:cNvSpPr>
-            <a:spLocks noGrp="1"/>
+            <a:spLocks noGrp="1" noChangeArrowheads="1"/>
           </p:cNvSpPr>
           <p:nvPr>
             <p:ph type="body" idx="1"/>
-          </p:nvPr>
-        </p:nvSpPr>
-        <p:spPr/>
-        <p:txBody>
-          <a:bodyPr>
-            <a:normAutofit/>
-          </a:bodyPr>
-          <a:lstStyle/>
-          <a:p>
-            <a:endParaRPr lang="en-US"/>
-          </a:p>
-        </p:txBody>
-      </p:sp>
-      <p:sp>
-        <p:nvSpPr>
-          <p:cNvPr id="4" name="Slide Number Placeholder 3"/>
-          <p:cNvSpPr>
-            <a:spLocks noGrp="1"/>
-          </p:cNvSpPr>
-          <p:nvPr>
-            <p:ph type="sldNum" sz="quarter" idx="10"/>
           </p:nvPr>
         </p:nvSpPr>
         <p:spPr/>
@@ -1118,11 +1547,6 @@
           <a:bodyPr/>
           <a:lstStyle/>
           <a:p>
-            <a:fld id="{E2E5D870-E2E4-4BD1-9265-CA8EFFF0A491}" type="slidenum">
-              <a:rPr lang="en-US" smtClean="0"/>
-              <a:pPr/>
-              <a:t>4</a:t>
-            </a:fld>
             <a:endParaRPr lang="en-US"/>
           </a:p>
         </p:txBody>
@@ -1154,45 +1578,52 @@
       </p:grpSpPr>
       <p:sp>
         <p:nvSpPr>
-          <p:cNvPr id="2" name="Slide Image Placeholder 1"/>
+          <p:cNvPr id="7" name="Rectangle 7"/>
           <p:cNvSpPr>
-            <a:spLocks noGrp="1" noRot="1" noChangeAspect="1"/>
+            <a:spLocks noGrp="1" noChangeArrowheads="1"/>
+          </p:cNvSpPr>
+          <p:nvPr>
+            <p:ph type="sldNum" sz="quarter" idx="5"/>
+          </p:nvPr>
+        </p:nvSpPr>
+        <p:spPr>
+          <a:ln/>
+        </p:spPr>
+        <p:txBody>
+          <a:bodyPr/>
+          <a:lstStyle/>
+          <a:p>
+            <a:fld id="{B376A9E3-A38A-49E0-ABC2-D720399ABDBE}" type="slidenum">
+              <a:rPr lang="en-US"/>
+              <a:pPr/>
+              <a:t>5</a:t>
+            </a:fld>
+            <a:endParaRPr lang="en-US"/>
+          </a:p>
+        </p:txBody>
+      </p:sp>
+      <p:sp>
+        <p:nvSpPr>
+          <p:cNvPr id="108546" name="Rectangle 2"/>
+          <p:cNvSpPr>
+            <a:spLocks noGrp="1" noRot="1" noChangeAspect="1" noChangeArrowheads="1" noTextEdit="1"/>
           </p:cNvSpPr>
           <p:nvPr>
             <p:ph type="sldImg"/>
           </p:nvPr>
         </p:nvSpPr>
-        <p:spPr/>
-      </p:sp>
-      <p:sp>
-        <p:nvSpPr>
-          <p:cNvPr id="3" name="Notes Placeholder 2"/>
+        <p:spPr>
+          <a:ln/>
+        </p:spPr>
+      </p:sp>
+      <p:sp>
+        <p:nvSpPr>
+          <p:cNvPr id="108547" name="Rectangle 3"/>
           <p:cNvSpPr>
-            <a:spLocks noGrp="1"/>
+            <a:spLocks noGrp="1" noChangeArrowheads="1"/>
           </p:cNvSpPr>
           <p:nvPr>
             <p:ph type="body" idx="1"/>
-          </p:nvPr>
-        </p:nvSpPr>
-        <p:spPr/>
-        <p:txBody>
-          <a:bodyPr>
-            <a:normAutofit/>
-          </a:bodyPr>
-          <a:lstStyle/>
-          <a:p>
-            <a:endParaRPr lang="en-US"/>
-          </a:p>
-        </p:txBody>
-      </p:sp>
-      <p:sp>
-        <p:nvSpPr>
-          <p:cNvPr id="4" name="Slide Number Placeholder 3"/>
-          <p:cNvSpPr>
-            <a:spLocks noGrp="1"/>
-          </p:cNvSpPr>
-          <p:nvPr>
-            <p:ph type="sldNum" sz="quarter" idx="10"/>
           </p:nvPr>
         </p:nvSpPr>
         <p:spPr/>
@@ -1200,11 +1631,6 @@
           <a:bodyPr/>
           <a:lstStyle/>
           <a:p>
-            <a:fld id="{E2E5D870-E2E4-4BD1-9265-CA8EFFF0A491}" type="slidenum">
-              <a:rPr lang="en-US" smtClean="0"/>
-              <a:pPr/>
-              <a:t>5</a:t>
-            </a:fld>
             <a:endParaRPr lang="en-US"/>
           </a:p>
         </p:txBody>
@@ -1236,45 +1662,52 @@
       </p:grpSpPr>
       <p:sp>
         <p:nvSpPr>
-          <p:cNvPr id="2" name="Slide Image Placeholder 1"/>
+          <p:cNvPr id="7" name="Rectangle 7"/>
           <p:cNvSpPr>
-            <a:spLocks noGrp="1" noRot="1" noChangeAspect="1"/>
+            <a:spLocks noGrp="1" noChangeArrowheads="1"/>
+          </p:cNvSpPr>
+          <p:nvPr>
+            <p:ph type="sldNum" sz="quarter" idx="5"/>
+          </p:nvPr>
+        </p:nvSpPr>
+        <p:spPr>
+          <a:ln/>
+        </p:spPr>
+        <p:txBody>
+          <a:bodyPr/>
+          <a:lstStyle/>
+          <a:p>
+            <a:fld id="{B376A9E3-A38A-49E0-ABC2-D720399ABDBE}" type="slidenum">
+              <a:rPr lang="en-US"/>
+              <a:pPr/>
+              <a:t>6</a:t>
+            </a:fld>
+            <a:endParaRPr lang="en-US"/>
+          </a:p>
+        </p:txBody>
+      </p:sp>
+      <p:sp>
+        <p:nvSpPr>
+          <p:cNvPr id="108546" name="Rectangle 2"/>
+          <p:cNvSpPr>
+            <a:spLocks noGrp="1" noRot="1" noChangeAspect="1" noChangeArrowheads="1" noTextEdit="1"/>
           </p:cNvSpPr>
           <p:nvPr>
             <p:ph type="sldImg"/>
           </p:nvPr>
         </p:nvSpPr>
-        <p:spPr/>
-      </p:sp>
-      <p:sp>
-        <p:nvSpPr>
-          <p:cNvPr id="3" name="Notes Placeholder 2"/>
+        <p:spPr>
+          <a:ln/>
+        </p:spPr>
+      </p:sp>
+      <p:sp>
+        <p:nvSpPr>
+          <p:cNvPr id="108547" name="Rectangle 3"/>
           <p:cNvSpPr>
-            <a:spLocks noGrp="1"/>
+            <a:spLocks noGrp="1" noChangeArrowheads="1"/>
           </p:cNvSpPr>
           <p:nvPr>
             <p:ph type="body" idx="1"/>
-          </p:nvPr>
-        </p:nvSpPr>
-        <p:spPr/>
-        <p:txBody>
-          <a:bodyPr>
-            <a:normAutofit/>
-          </a:bodyPr>
-          <a:lstStyle/>
-          <a:p>
-            <a:endParaRPr lang="en-US"/>
-          </a:p>
-        </p:txBody>
-      </p:sp>
-      <p:sp>
-        <p:nvSpPr>
-          <p:cNvPr id="4" name="Slide Number Placeholder 3"/>
-          <p:cNvSpPr>
-            <a:spLocks noGrp="1"/>
-          </p:cNvSpPr>
-          <p:nvPr>
-            <p:ph type="sldNum" sz="quarter" idx="10"/>
           </p:nvPr>
         </p:nvSpPr>
         <p:spPr/>
@@ -1282,11 +1715,6 @@
           <a:bodyPr/>
           <a:lstStyle/>
           <a:p>
-            <a:fld id="{E2E5D870-E2E4-4BD1-9265-CA8EFFF0A491}" type="slidenum">
-              <a:rPr lang="en-US" smtClean="0"/>
-              <a:pPr/>
-              <a:t>6</a:t>
-            </a:fld>
             <a:endParaRPr lang="en-US"/>
           </a:p>
         </p:txBody>
@@ -1318,45 +1746,52 @@
       </p:grpSpPr>
       <p:sp>
         <p:nvSpPr>
-          <p:cNvPr id="2" name="Slide Image Placeholder 1"/>
+          <p:cNvPr id="7" name="Rectangle 7"/>
           <p:cNvSpPr>
-            <a:spLocks noGrp="1" noRot="1" noChangeAspect="1"/>
+            <a:spLocks noGrp="1" noChangeArrowheads="1"/>
+          </p:cNvSpPr>
+          <p:nvPr>
+            <p:ph type="sldNum" sz="quarter" idx="5"/>
+          </p:nvPr>
+        </p:nvSpPr>
+        <p:spPr>
+          <a:ln/>
+        </p:spPr>
+        <p:txBody>
+          <a:bodyPr/>
+          <a:lstStyle/>
+          <a:p>
+            <a:fld id="{B376A9E3-A38A-49E0-ABC2-D720399ABDBE}" type="slidenum">
+              <a:rPr lang="en-US"/>
+              <a:pPr/>
+              <a:t>7</a:t>
+            </a:fld>
+            <a:endParaRPr lang="en-US"/>
+          </a:p>
+        </p:txBody>
+      </p:sp>
+      <p:sp>
+        <p:nvSpPr>
+          <p:cNvPr id="108546" name="Rectangle 2"/>
+          <p:cNvSpPr>
+            <a:spLocks noGrp="1" noRot="1" noChangeAspect="1" noChangeArrowheads="1" noTextEdit="1"/>
           </p:cNvSpPr>
           <p:nvPr>
             <p:ph type="sldImg"/>
           </p:nvPr>
         </p:nvSpPr>
-        <p:spPr/>
-      </p:sp>
-      <p:sp>
-        <p:nvSpPr>
-          <p:cNvPr id="3" name="Notes Placeholder 2"/>
+        <p:spPr>
+          <a:ln/>
+        </p:spPr>
+      </p:sp>
+      <p:sp>
+        <p:nvSpPr>
+          <p:cNvPr id="108547" name="Rectangle 3"/>
           <p:cNvSpPr>
-            <a:spLocks noGrp="1"/>
+            <a:spLocks noGrp="1" noChangeArrowheads="1"/>
           </p:cNvSpPr>
           <p:nvPr>
             <p:ph type="body" idx="1"/>
-          </p:nvPr>
-        </p:nvSpPr>
-        <p:spPr/>
-        <p:txBody>
-          <a:bodyPr>
-            <a:normAutofit/>
-          </a:bodyPr>
-          <a:lstStyle/>
-          <a:p>
-            <a:endParaRPr lang="en-US"/>
-          </a:p>
-        </p:txBody>
-      </p:sp>
-      <p:sp>
-        <p:nvSpPr>
-          <p:cNvPr id="4" name="Slide Number Placeholder 3"/>
-          <p:cNvSpPr>
-            <a:spLocks noGrp="1"/>
-          </p:cNvSpPr>
-          <p:nvPr>
-            <p:ph type="sldNum" sz="quarter" idx="10"/>
           </p:nvPr>
         </p:nvSpPr>
         <p:spPr/>
@@ -1364,11 +1799,6 @@
           <a:bodyPr/>
           <a:lstStyle/>
           <a:p>
-            <a:fld id="{E2E5D870-E2E4-4BD1-9265-CA8EFFF0A491}" type="slidenum">
-              <a:rPr lang="en-US" smtClean="0"/>
-              <a:pPr/>
-              <a:t>7</a:t>
-            </a:fld>
             <a:endParaRPr lang="en-US"/>
           </a:p>
         </p:txBody>
@@ -1482,63 +1912,58 @@
       </p:grpSpPr>
       <p:sp>
         <p:nvSpPr>
-          <p:cNvPr id="72706" name="Rectangle 7"/>
+          <p:cNvPr id="2" name="Slide Image Placeholder 1"/>
           <p:cNvSpPr>
-            <a:spLocks noGrp="1" noChangeArrowheads="1"/>
+            <a:spLocks noGrp="1" noRot="1" noChangeAspect="1"/>
           </p:cNvSpPr>
           <p:nvPr>
-            <p:ph type="sldNum" sz="quarter" idx="5"/>
+            <p:ph type="sldImg"/>
           </p:nvPr>
         </p:nvSpPr>
-        <p:spPr>
-          <a:noFill/>
-        </p:spPr>
+        <p:spPr/>
+      </p:sp>
+      <p:sp>
+        <p:nvSpPr>
+          <p:cNvPr id="3" name="Notes Placeholder 2"/>
+          <p:cNvSpPr>
+            <a:spLocks noGrp="1"/>
+          </p:cNvSpPr>
+          <p:nvPr>
+            <p:ph type="body" idx="1"/>
+          </p:nvPr>
+        </p:nvSpPr>
+        <p:spPr/>
+        <p:txBody>
+          <a:bodyPr>
+            <a:normAutofit/>
+          </a:bodyPr>
+          <a:lstStyle/>
+          <a:p>
+            <a:endParaRPr lang="en-US"/>
+          </a:p>
+        </p:txBody>
+      </p:sp>
+      <p:sp>
+        <p:nvSpPr>
+          <p:cNvPr id="4" name="Slide Number Placeholder 3"/>
+          <p:cNvSpPr>
+            <a:spLocks noGrp="1"/>
+          </p:cNvSpPr>
+          <p:nvPr>
+            <p:ph type="sldNum" sz="quarter" idx="10"/>
+          </p:nvPr>
+        </p:nvSpPr>
+        <p:spPr/>
         <p:txBody>
           <a:bodyPr/>
           <a:lstStyle/>
           <a:p>
-            <a:fld id="{6653F924-F418-411E-8C35-24F3766CE997}" type="slidenum">
+            <a:fld id="{E2E5D870-E2E4-4BD1-9265-CA8EFFF0A491}" type="slidenum">
               <a:rPr lang="en-US" smtClean="0"/>
               <a:pPr/>
               <a:t>9</a:t>
             </a:fld>
-            <a:endParaRPr lang="en-US" smtClean="0"/>
-          </a:p>
-        </p:txBody>
-      </p:sp>
-      <p:sp>
-        <p:nvSpPr>
-          <p:cNvPr id="72707" name="Rectangle 2"/>
-          <p:cNvSpPr>
-            <a:spLocks noGrp="1" noRot="1" noChangeAspect="1" noChangeArrowheads="1" noTextEdit="1"/>
-          </p:cNvSpPr>
-          <p:nvPr>
-            <p:ph type="sldImg"/>
-          </p:nvPr>
-        </p:nvSpPr>
-        <p:spPr>
-          <a:ln/>
-        </p:spPr>
-      </p:sp>
-      <p:sp>
-        <p:nvSpPr>
-          <p:cNvPr id="72708" name="Rectangle 3"/>
-          <p:cNvSpPr>
-            <a:spLocks noGrp="1" noChangeArrowheads="1"/>
-          </p:cNvSpPr>
-          <p:nvPr>
-            <p:ph type="body" idx="1"/>
-          </p:nvPr>
-        </p:nvSpPr>
-        <p:spPr>
-          <a:noFill/>
-          <a:ln/>
-        </p:spPr>
-        <p:txBody>
-          <a:bodyPr/>
-          <a:lstStyle/>
-          <a:p>
-            <a:endParaRPr lang="en-US" smtClean="0"/>
+            <a:endParaRPr lang="en-US"/>
           </a:p>
         </p:txBody>
       </p:sp>
@@ -1991,6 +2416,267 @@
 </p:sldLayout>
 </file>
 
+<file path=ppt/slideLayouts/slideLayout6.xml><?xml version="1.0" encoding="utf-8"?>
+<p:sldLayout xmlns:a="http://schemas.openxmlformats.org/drawingml/2006/main" xmlns:r="http://schemas.openxmlformats.org/officeDocument/2006/relationships" xmlns:p="http://schemas.openxmlformats.org/presentationml/2006/main" type="txAndTwoObj">
+  <p:cSld name="Title, Text, and 2 Content">
+    <p:spTree>
+      <p:nvGrpSpPr>
+        <p:cNvPr id="1" name=""/>
+        <p:cNvGrpSpPr/>
+        <p:nvPr/>
+      </p:nvGrpSpPr>
+      <p:grpSpPr>
+        <a:xfrm>
+          <a:off x="0" y="0"/>
+          <a:ext cx="0" cy="0"/>
+          <a:chOff x="0" y="0"/>
+          <a:chExt cx="0" cy="0"/>
+        </a:xfrm>
+      </p:grpSpPr>
+      <p:sp>
+        <p:nvSpPr>
+          <p:cNvPr id="2" name="Title 1"/>
+          <p:cNvSpPr>
+            <a:spLocks noGrp="1"/>
+          </p:cNvSpPr>
+          <p:nvPr>
+            <p:ph type="title"/>
+          </p:nvPr>
+        </p:nvSpPr>
+        <p:spPr>
+          <a:xfrm>
+            <a:off x="685800" y="228600"/>
+            <a:ext cx="7772400" cy="1143000"/>
+          </a:xfrm>
+        </p:spPr>
+        <p:txBody>
+          <a:bodyPr/>
+          <a:lstStyle/>
+          <a:p>
+            <a:r>
+              <a:rPr lang="en-US" smtClean="0"/>
+              <a:t>Click to edit Master title style</a:t>
+            </a:r>
+            <a:endParaRPr lang="en-US"/>
+          </a:p>
+        </p:txBody>
+      </p:sp>
+      <p:sp>
+        <p:nvSpPr>
+          <p:cNvPr id="3" name="Text Placeholder 2"/>
+          <p:cNvSpPr>
+            <a:spLocks noGrp="1"/>
+          </p:cNvSpPr>
+          <p:nvPr>
+            <p:ph type="body" sz="half" idx="1"/>
+          </p:nvPr>
+        </p:nvSpPr>
+        <p:spPr>
+          <a:xfrm>
+            <a:off x="685800" y="1981200"/>
+            <a:ext cx="3810000" cy="4114800"/>
+          </a:xfrm>
+        </p:spPr>
+        <p:txBody>
+          <a:bodyPr/>
+          <a:lstStyle/>
+          <a:p>
+            <a:pPr lvl="0"/>
+            <a:r>
+              <a:rPr lang="en-US" smtClean="0"/>
+              <a:t>Click to edit Master text styles</a:t>
+            </a:r>
+          </a:p>
+          <a:p>
+            <a:pPr lvl="1"/>
+            <a:r>
+              <a:rPr lang="en-US" smtClean="0"/>
+              <a:t>Second level</a:t>
+            </a:r>
+          </a:p>
+          <a:p>
+            <a:pPr lvl="2"/>
+            <a:r>
+              <a:rPr lang="en-US" smtClean="0"/>
+              <a:t>Third level</a:t>
+            </a:r>
+          </a:p>
+          <a:p>
+            <a:pPr lvl="3"/>
+            <a:r>
+              <a:rPr lang="en-US" smtClean="0"/>
+              <a:t>Fourth level</a:t>
+            </a:r>
+          </a:p>
+          <a:p>
+            <a:pPr lvl="4"/>
+            <a:r>
+              <a:rPr lang="en-US" smtClean="0"/>
+              <a:t>Fifth level</a:t>
+            </a:r>
+            <a:endParaRPr lang="en-US"/>
+          </a:p>
+        </p:txBody>
+      </p:sp>
+      <p:sp>
+        <p:nvSpPr>
+          <p:cNvPr id="4" name="Content Placeholder 3"/>
+          <p:cNvSpPr>
+            <a:spLocks noGrp="1"/>
+          </p:cNvSpPr>
+          <p:nvPr>
+            <p:ph sz="quarter" idx="2"/>
+          </p:nvPr>
+        </p:nvSpPr>
+        <p:spPr>
+          <a:xfrm>
+            <a:off x="4648200" y="1981200"/>
+            <a:ext cx="3810000" cy="1981200"/>
+          </a:xfrm>
+        </p:spPr>
+        <p:txBody>
+          <a:bodyPr/>
+          <a:lstStyle>
+            <a:lvl1pPr>
+              <a:defRPr sz="1800"/>
+            </a:lvl1pPr>
+            <a:lvl2pPr>
+              <a:defRPr sz="1800"/>
+            </a:lvl2pPr>
+            <a:lvl3pPr>
+              <a:defRPr sz="1800"/>
+            </a:lvl3pPr>
+            <a:lvl4pPr>
+              <a:defRPr sz="1800"/>
+            </a:lvl4pPr>
+            <a:lvl5pPr>
+              <a:defRPr sz="1800"/>
+            </a:lvl5pPr>
+          </a:lstStyle>
+          <a:p>
+            <a:pPr lvl="0"/>
+            <a:r>
+              <a:rPr lang="en-US" dirty="0" smtClean="0"/>
+              <a:t>Click to edit Master text styles</a:t>
+            </a:r>
+          </a:p>
+          <a:p>
+            <a:pPr lvl="1"/>
+            <a:r>
+              <a:rPr lang="en-US" dirty="0" smtClean="0"/>
+              <a:t>Second level</a:t>
+            </a:r>
+          </a:p>
+          <a:p>
+            <a:pPr lvl="2"/>
+            <a:r>
+              <a:rPr lang="en-US" dirty="0" smtClean="0"/>
+              <a:t>Third level</a:t>
+            </a:r>
+          </a:p>
+          <a:p>
+            <a:pPr lvl="3"/>
+            <a:r>
+              <a:rPr lang="en-US" dirty="0" smtClean="0"/>
+              <a:t>Fourth level</a:t>
+            </a:r>
+          </a:p>
+          <a:p>
+            <a:pPr lvl="4"/>
+            <a:r>
+              <a:rPr lang="en-US" dirty="0" smtClean="0"/>
+              <a:t>Fifth level</a:t>
+            </a:r>
+            <a:endParaRPr lang="en-US" dirty="0"/>
+          </a:p>
+        </p:txBody>
+      </p:sp>
+      <p:sp>
+        <p:nvSpPr>
+          <p:cNvPr id="5" name="Content Placeholder 4"/>
+          <p:cNvSpPr>
+            <a:spLocks noGrp="1"/>
+          </p:cNvSpPr>
+          <p:nvPr>
+            <p:ph sz="quarter" idx="3"/>
+          </p:nvPr>
+        </p:nvSpPr>
+        <p:spPr>
+          <a:xfrm>
+            <a:off x="4648200" y="4114800"/>
+            <a:ext cx="3810000" cy="1981200"/>
+          </a:xfrm>
+        </p:spPr>
+        <p:txBody>
+          <a:bodyPr/>
+          <a:lstStyle>
+            <a:lvl1pPr>
+              <a:defRPr sz="2400"/>
+            </a:lvl1pPr>
+            <a:lvl2pPr>
+              <a:defRPr sz="2000"/>
+            </a:lvl2pPr>
+            <a:lvl3pPr>
+              <a:defRPr sz="1800"/>
+            </a:lvl3pPr>
+            <a:lvl4pPr>
+              <a:defRPr sz="1600"/>
+            </a:lvl4pPr>
+            <a:lvl5pPr>
+              <a:defRPr sz="1600"/>
+            </a:lvl5pPr>
+          </a:lstStyle>
+          <a:p>
+            <a:pPr lvl="0"/>
+            <a:r>
+              <a:rPr lang="en-US" dirty="0" smtClean="0"/>
+              <a:t>Click to edit Master text styles</a:t>
+            </a:r>
+          </a:p>
+          <a:p>
+            <a:pPr lvl="1"/>
+            <a:r>
+              <a:rPr lang="en-US" dirty="0" smtClean="0"/>
+              <a:t>Second level</a:t>
+            </a:r>
+          </a:p>
+          <a:p>
+            <a:pPr lvl="2"/>
+            <a:r>
+              <a:rPr lang="en-US" dirty="0" smtClean="0"/>
+              <a:t>Third level</a:t>
+            </a:r>
+          </a:p>
+          <a:p>
+            <a:pPr lvl="3"/>
+            <a:r>
+              <a:rPr lang="en-US" dirty="0" smtClean="0"/>
+              <a:t>Fourth level</a:t>
+            </a:r>
+          </a:p>
+          <a:p>
+            <a:pPr lvl="4"/>
+            <a:r>
+              <a:rPr lang="en-US" dirty="0" smtClean="0"/>
+              <a:t>Fifth level</a:t>
+            </a:r>
+            <a:endParaRPr lang="en-US" dirty="0"/>
+          </a:p>
+        </p:txBody>
+      </p:sp>
+    </p:spTree>
+    <p:extLst>
+      <p:ext uri="{BB962C8B-B14F-4D97-AF65-F5344CB8AC3E}">
+        <p14:creationId xmlns:p14="http://schemas.microsoft.com/office/powerpoint/2010/main" val="2014979421"/>
+      </p:ext>
+    </p:extLst>
+  </p:cSld>
+  <p:clrMapOvr>
+    <a:masterClrMapping/>
+  </p:clrMapOvr>
+</p:sldLayout>
+</file>
+
 <file path=ppt/slideMasters/slideMaster1.xml><?xml version="1.0" encoding="utf-8"?>
 <p:sldMaster xmlns:a="http://schemas.openxmlformats.org/drawingml/2006/main" xmlns:r="http://schemas.openxmlformats.org/officeDocument/2006/relationships" xmlns:p="http://schemas.openxmlformats.org/presentationml/2006/main">
   <p:cSld>
@@ -2114,7 +2800,7 @@
           <p:nvPr userDrawn="1"/>
         </p:nvPicPr>
         <p:blipFill>
-          <a:blip r:embed="rId7"/>
+          <a:blip r:embed="rId8"/>
           <a:srcRect/>
           <a:stretch>
             <a:fillRect/>
@@ -2277,7 +2963,7 @@
           <p:nvPr userDrawn="1"/>
         </p:nvPicPr>
         <p:blipFill>
-          <a:blip r:embed="rId8"/>
+          <a:blip r:embed="rId9"/>
           <a:stretch>
             <a:fillRect/>
           </a:stretch>
@@ -2301,6 +2987,7 @@
     <p:sldLayoutId id="2147483653" r:id="rId3"/>
     <p:sldLayoutId id="2147483656" r:id="rId4"/>
     <p:sldLayoutId id="2147483657" r:id="rId5"/>
+    <p:sldLayoutId id="2147483658" r:id="rId6"/>
   </p:sldLayoutIdLst>
   <p:timing>
     <p:tnLst>
@@ -2723,8 +3410,8 @@
         </p:nvSpPr>
         <p:spPr>
           <a:xfrm>
-            <a:off x="368491" y="1693688"/>
-            <a:ext cx="8349021" cy="3519751"/>
+            <a:off x="627729" y="1693289"/>
+            <a:ext cx="7883072" cy="1547315"/>
           </a:xfrm>
         </p:spPr>
         <p:txBody>
@@ -2742,22 +3429,11 @@
             </a:r>
             <a:r>
               <a:rPr lang="en-US" sz="6000" b="0" dirty="0" err="1" smtClean="0"/>
-              <a:t>Logic,III</a:t>
-            </a:r>
-            <a:r>
-              <a:rPr lang="en-US" sz="6000" b="0"/>
-              <a:t/>
-            </a:r>
-            <a:br>
-              <a:rPr lang="en-US" sz="6000" b="0"/>
-            </a:br>
-            <a:r>
-              <a:rPr lang="en-US" sz="6000" b="0" smtClean="0"/>
-              <a:t>Two Meta</a:t>
-            </a:r>
-            <a:r>
-              <a:rPr lang="en-US" sz="6000" b="0" dirty="0" smtClean="0"/>
-              <a:t>-Theorems</a:t>
+              <a:t>Logic,</a:t>
+            </a:r>
+            <a:r>
+              <a:rPr lang="en-US" sz="6000" b="0" dirty="0" err="1" smtClean="0"/>
+              <a:t>III</a:t>
             </a:r>
             <a:endParaRPr lang="en-US" sz="6000" dirty="0">
               <a:solidFill>
@@ -2853,18 +3529,14 @@
       </p:sp>
       <p:sp>
         <p:nvSpPr>
-          <p:cNvPr id="7" name="TextBox 6"/>
+          <p:cNvPr id="2" name="TextBox 1"/>
           <p:cNvSpPr txBox="1"/>
-          <p:nvPr>
-            <p:custDataLst>
-              <p:tags r:id="rId1"/>
-            </p:custDataLst>
-          </p:nvPr>
+          <p:nvPr/>
         </p:nvSpPr>
         <p:spPr>
-          <a:xfrm>
-            <a:off x="0" y="7112000"/>
-            <a:ext cx="9144000" cy="830997"/>
+          <a:xfrm flipH="1">
+            <a:off x="717019" y="3057525"/>
+            <a:ext cx="7709961" cy="2246769"/>
           </a:xfrm>
           <a:prstGeom prst="rect">
             <a:avLst/>
@@ -2872,86 +3544,91 @@
           <a:noFill/>
         </p:spPr>
         <p:txBody>
-          <a:bodyPr vert="horz" rtlCol="0">
+          <a:bodyPr wrap="square" rtlCol="0">
             <a:spAutoFit/>
           </a:bodyPr>
           <a:lstStyle/>
           <a:p>
-            <a:r>
-              <a:rPr lang="en-US" dirty="0" err="1" smtClean="0"/>
-              <a:t>TexPoint</a:t>
-            </a:r>
-            <a:r>
-              <a:rPr lang="en-US" dirty="0" smtClean="0"/>
-              <a:t> fonts used in EMF. </a:t>
-            </a:r>
-          </a:p>
-          <a:p>
-            <a:r>
-              <a:rPr lang="en-US" dirty="0" smtClean="0"/>
-              <a:t>Read the </a:t>
-            </a:r>
-            <a:r>
-              <a:rPr lang="en-US" dirty="0" err="1" smtClean="0"/>
-              <a:t>TexPoint</a:t>
-            </a:r>
-            <a:r>
-              <a:rPr lang="en-US" dirty="0" smtClean="0"/>
-              <a:t> manual before you delete this box.: </a:t>
-            </a:r>
-            <a:r>
-              <a:rPr lang="en-US" dirty="0" smtClean="0">
-                <a:latin typeface="EUSM10"/>
+            <a:pPr algn="ctr"/>
+            <a:r>
+              <a:rPr lang="en-US" sz="8000" b="1" kern="0" dirty="0" smtClean="0">
+                <a:solidFill>
+                  <a:srgbClr val="0000FF"/>
+                </a:solidFill>
+                <a:latin typeface="Euclid Symbol" charset="2"/>
+                <a:cs typeface="Euclid Symbol" charset="2"/>
               </a:rPr>
-              <a:t>A</a:t>
-            </a:r>
-            <a:r>
-              <a:rPr lang="en-US" dirty="0" smtClean="0">
-                <a:latin typeface="EUFM10"/>
+              <a:t>∀</a:t>
+            </a:r>
+            <a:r>
+              <a:rPr lang="en-US" sz="8000" b="1" kern="0" dirty="0" smtClean="0">
+                <a:solidFill>
+                  <a:srgbClr val="000000"/>
+                </a:solidFill>
+                <a:latin typeface="Euclid Symbol" charset="2"/>
+                <a:cs typeface="Euclid Symbol" charset="2"/>
               </a:rPr>
-              <a:t>A</a:t>
-            </a:r>
-            <a:r>
-              <a:rPr lang="en-US" dirty="0" smtClean="0">
-                <a:latin typeface="HELVETICA"/>
+              <a:t> </a:t>
+            </a:r>
+            <a:r>
+              <a:rPr lang="en-US" sz="8000" b="1" kern="0" dirty="0" smtClean="0">
+                <a:solidFill>
+                  <a:srgbClr val="0000FF"/>
+                </a:solidFill>
+                <a:latin typeface="Euclid Symbol" charset="2"/>
+                <a:ea typeface="+mj-ea"/>
+                <a:cs typeface="Euclid Symbol" charset="2"/>
               </a:rPr>
-              <a:t>A</a:t>
-            </a:r>
-            <a:r>
-              <a:rPr lang="en-US" dirty="0" smtClean="0">
-                <a:latin typeface="Euclid Math Two" charset="2"/>
+              <a:t>∃</a:t>
+            </a:r>
+            <a:r>
+              <a:rPr lang="en-US" sz="8000" kern="0" dirty="0" smtClean="0">
+                <a:solidFill>
+                  <a:srgbClr val="0000FF"/>
+                </a:solidFill>
+                <a:latin typeface="Comic Sans MS" pitchFamily="66" charset="0"/>
+                <a:ea typeface="+mj-ea"/>
               </a:rPr>
-              <a:t>A</a:t>
-            </a:r>
-            <a:r>
-              <a:rPr lang="en-US" dirty="0" smtClean="0">
-                <a:latin typeface="EURM10"/>
+              <a:t> </a:t>
+            </a:r>
+            <a:r>
+              <a:rPr lang="en-US" sz="6000" kern="0" dirty="0" smtClean="0">
+                <a:latin typeface="Comic Sans MS" pitchFamily="66" charset="0"/>
+                <a:ea typeface="+mj-ea"/>
               </a:rPr>
-              <a:t>A</a:t>
-            </a:r>
-            <a:r>
-              <a:rPr lang="en-US" dirty="0" smtClean="0">
-                <a:latin typeface="Euclid Symbol" charset="2"/>
+              <a:t>in English</a:t>
+            </a:r>
+          </a:p>
+          <a:p>
+            <a:r>
+              <a:rPr lang="en-US" sz="6000" kern="0" dirty="0" smtClean="0">
+                <a:solidFill>
+                  <a:srgbClr val="000000"/>
+                </a:solidFill>
+                <a:latin typeface="Comic Sans MS" pitchFamily="66" charset="0"/>
+                <a:ea typeface="+mj-ea"/>
               </a:rPr>
-              <a:t>A</a:t>
-            </a:r>
-            <a:r>
-              <a:rPr lang="en-US" dirty="0" smtClean="0">
-                <a:latin typeface="COURIER"/>
+              <a:t>Two </a:t>
+            </a:r>
+            <a:r>
+              <a:rPr lang="en-US" sz="6000" kern="0" dirty="0">
+                <a:solidFill>
+                  <a:srgbClr val="000000"/>
+                </a:solidFill>
+                <a:latin typeface="Comic Sans MS" pitchFamily="66" charset="0"/>
+                <a:ea typeface="+mj-ea"/>
               </a:rPr>
-              <a:t>A</a:t>
-            </a:r>
-            <a:r>
-              <a:rPr lang="en-US" dirty="0" smtClean="0">
-                <a:latin typeface="Euclid Symbol" charset="2"/>
+              <a:t>Meta-</a:t>
+            </a:r>
+            <a:r>
+              <a:rPr lang="en-US" sz="6000" kern="0" dirty="0" smtClean="0">
+                <a:solidFill>
+                  <a:srgbClr val="000000"/>
+                </a:solidFill>
+                <a:latin typeface="Comic Sans MS" pitchFamily="66" charset="0"/>
+                <a:ea typeface="+mj-ea"/>
               </a:rPr>
-              <a:t>A</a:t>
-            </a:r>
-            <a:r>
-              <a:rPr lang="en-US" dirty="0" smtClean="0">
-                <a:latin typeface="Euclid Math Two" charset="2"/>
-              </a:rPr>
-              <a:t>A</a:t>
+              <a:t>Theorems</a:t>
             </a:r>
             <a:endParaRPr lang="en-US" dirty="0"/>
           </a:p>
@@ -2962,6 +3639,282 @@
   <p:clrMapOvr>
     <a:masterClrMapping/>
   </p:clrMapOvr>
+  <p:timing>
+    <p:tnLst>
+      <p:par>
+        <p:cTn xmlns:p14="http://schemas.microsoft.com/office/powerpoint/2010/main" id="1" dur="indefinite" restart="never" nodeType="tmRoot">
+          <p:childTnLst>
+            <p:seq concurrent="1" nextAc="seek">
+              <p:cTn id="2" dur="indefinite" nodeType="mainSeq">
+                <p:childTnLst>
+                  <p:par>
+                    <p:cTn id="3" fill="hold">
+                      <p:stCondLst>
+                        <p:cond delay="indefinite"/>
+                      </p:stCondLst>
+                      <p:childTnLst>
+                        <p:par>
+                          <p:cTn id="4" fill="hold">
+                            <p:stCondLst>
+                              <p:cond delay="0"/>
+                            </p:stCondLst>
+                            <p:childTnLst>
+                              <p:par>
+                                <p:cTn id="5" presetID="9" presetClass="entr" presetSubtype="0" fill="hold" grpId="0" nodeType="clickEffect">
+                                  <p:stCondLst>
+                                    <p:cond delay="0"/>
+                                  </p:stCondLst>
+                                  <p:childTnLst>
+                                    <p:set>
+                                      <p:cBhvr>
+                                        <p:cTn id="6" dur="1" fill="hold">
+                                          <p:stCondLst>
+                                            <p:cond delay="0"/>
+                                          </p:stCondLst>
+                                        </p:cTn>
+                                        <p:tgtEl>
+                                          <p:spTgt spid="2">
+                                            <p:txEl>
+                                              <p:pRg st="0" end="0"/>
+                                            </p:txEl>
+                                          </p:spTgt>
+                                        </p:tgtEl>
+                                        <p:attrNameLst>
+                                          <p:attrName>style.visibility</p:attrName>
+                                        </p:attrNameLst>
+                                      </p:cBhvr>
+                                      <p:to>
+                                        <p:strVal val="visible"/>
+                                      </p:to>
+                                    </p:set>
+                                    <p:animEffect transition="in" filter="dissolve">
+                                      <p:cBhvr>
+                                        <p:cTn id="7" dur="500"/>
+                                        <p:tgtEl>
+                                          <p:spTgt spid="2">
+                                            <p:txEl>
+                                              <p:pRg st="0" end="0"/>
+                                            </p:txEl>
+                                          </p:spTgt>
+                                        </p:tgtEl>
+                                      </p:cBhvr>
+                                    </p:animEffect>
+                                  </p:childTnLst>
+                                </p:cTn>
+                              </p:par>
+                            </p:childTnLst>
+                          </p:cTn>
+                        </p:par>
+                      </p:childTnLst>
+                    </p:cTn>
+                  </p:par>
+                  <p:par>
+                    <p:cTn id="8" fill="hold">
+                      <p:stCondLst>
+                        <p:cond delay="indefinite"/>
+                      </p:stCondLst>
+                      <p:childTnLst>
+                        <p:par>
+                          <p:cTn id="9" fill="hold">
+                            <p:stCondLst>
+                              <p:cond delay="0"/>
+                            </p:stCondLst>
+                            <p:childTnLst>
+                              <p:par>
+                                <p:cTn id="10" presetID="9" presetClass="entr" presetSubtype="0" fill="hold" grpId="0" nodeType="clickEffect">
+                                  <p:stCondLst>
+                                    <p:cond delay="0"/>
+                                  </p:stCondLst>
+                                  <p:childTnLst>
+                                    <p:set>
+                                      <p:cBhvr>
+                                        <p:cTn id="11" dur="1" fill="hold">
+                                          <p:stCondLst>
+                                            <p:cond delay="0"/>
+                                          </p:stCondLst>
+                                        </p:cTn>
+                                        <p:tgtEl>
+                                          <p:spTgt spid="2">
+                                            <p:txEl>
+                                              <p:pRg st="1" end="1"/>
+                                            </p:txEl>
+                                          </p:spTgt>
+                                        </p:tgtEl>
+                                        <p:attrNameLst>
+                                          <p:attrName>style.visibility</p:attrName>
+                                        </p:attrNameLst>
+                                      </p:cBhvr>
+                                      <p:to>
+                                        <p:strVal val="visible"/>
+                                      </p:to>
+                                    </p:set>
+                                    <p:animEffect transition="in" filter="dissolve">
+                                      <p:cBhvr>
+                                        <p:cTn id="12" dur="500"/>
+                                        <p:tgtEl>
+                                          <p:spTgt spid="2">
+                                            <p:txEl>
+                                              <p:pRg st="1" end="1"/>
+                                            </p:txEl>
+                                          </p:spTgt>
+                                        </p:tgtEl>
+                                      </p:cBhvr>
+                                    </p:animEffect>
+                                  </p:childTnLst>
+                                </p:cTn>
+                              </p:par>
+                            </p:childTnLst>
+                          </p:cTn>
+                        </p:par>
+                      </p:childTnLst>
+                    </p:cTn>
+                  </p:par>
+                </p:childTnLst>
+              </p:cTn>
+              <p:prevCondLst>
+                <p:cond evt="onPrev" delay="0">
+                  <p:tgtEl>
+                    <p:sldTgt/>
+                  </p:tgtEl>
+                </p:cond>
+              </p:prevCondLst>
+              <p:nextCondLst>
+                <p:cond evt="onNext" delay="0">
+                  <p:tgtEl>
+                    <p:sldTgt/>
+                  </p:tgtEl>
+                </p:cond>
+              </p:nextCondLst>
+            </p:seq>
+          </p:childTnLst>
+        </p:cTn>
+      </p:par>
+    </p:tnLst>
+    <p:bldLst>
+      <p:bldP spid="2" grpId="0" uiExpand="1" build="p"/>
+    </p:bldLst>
+  </p:timing>
+</p:sld>
+</file>
+
+<file path=ppt/slides/slide10.xml><?xml version="1.0" encoding="utf-8"?>
+<p:sld xmlns:a="http://schemas.openxmlformats.org/drawingml/2006/main" xmlns:r="http://schemas.openxmlformats.org/officeDocument/2006/relationships" xmlns:p="http://schemas.openxmlformats.org/presentationml/2006/main">
+  <p:cSld>
+    <p:spTree>
+      <p:nvGrpSpPr>
+        <p:cNvPr id="1" name=""/>
+        <p:cNvGrpSpPr/>
+        <p:nvPr/>
+      </p:nvGrpSpPr>
+      <p:grpSpPr>
+        <a:xfrm>
+          <a:off x="0" y="0"/>
+          <a:ext cx="0" cy="0"/>
+          <a:chOff x="0" y="0"/>
+          <a:chExt cx="0" cy="0"/>
+        </a:xfrm>
+      </p:grpSpPr>
+      <p:sp>
+        <p:nvSpPr>
+          <p:cNvPr id="120834" name="Rectangle 2"/>
+          <p:cNvSpPr>
+            <a:spLocks noGrp="1" noChangeArrowheads="1"/>
+          </p:cNvSpPr>
+          <p:nvPr>
+            <p:ph type="title"/>
+          </p:nvPr>
+        </p:nvSpPr>
+        <p:spPr/>
+        <p:txBody>
+          <a:bodyPr/>
+          <a:lstStyle/>
+          <a:p>
+            <a:r>
+              <a:rPr lang="en-US" sz="3600" dirty="0">
+                <a:solidFill>
+                  <a:schemeClr val="tx1"/>
+                </a:solidFill>
+              </a:rPr>
+              <a:t>Axioms &amp; Inference Rules</a:t>
+            </a:r>
+          </a:p>
+        </p:txBody>
+      </p:sp>
+      <p:sp>
+        <p:nvSpPr>
+          <p:cNvPr id="120835" name="Rectangle 3"/>
+          <p:cNvSpPr>
+            <a:spLocks noGrp="1" noChangeArrowheads="1"/>
+          </p:cNvSpPr>
+          <p:nvPr>
+            <p:ph type="body" idx="1"/>
+          </p:nvPr>
+        </p:nvSpPr>
+        <p:spPr>
+          <a:xfrm>
+            <a:off x="665389" y="2297906"/>
+            <a:ext cx="7813222" cy="2259013"/>
+          </a:xfrm>
+        </p:spPr>
+        <p:txBody>
+          <a:bodyPr/>
+          <a:lstStyle/>
+          <a:p>
+            <a:pPr>
+              <a:lnSpc>
+                <a:spcPct val="90000"/>
+              </a:lnSpc>
+              <a:spcBef>
+                <a:spcPct val="0"/>
+              </a:spcBef>
+            </a:pPr>
+            <a:r>
+              <a:rPr lang="en-US" sz="4400" dirty="0" smtClean="0"/>
+              <a:t>Rules are just </a:t>
+            </a:r>
+            <a:r>
+              <a:rPr lang="en-US" sz="4400" dirty="0"/>
+              <a:t>UG and modus </a:t>
+            </a:r>
+            <a:endParaRPr lang="en-US" sz="4400" dirty="0" smtClean="0"/>
+          </a:p>
+          <a:p>
+            <a:pPr>
+              <a:lnSpc>
+                <a:spcPct val="90000"/>
+              </a:lnSpc>
+              <a:spcBef>
+                <a:spcPct val="0"/>
+              </a:spcBef>
+            </a:pPr>
+            <a:r>
+              <a:rPr lang="en-US" sz="4400" dirty="0" smtClean="0"/>
+              <a:t>ponens.  Most of the valid </a:t>
+            </a:r>
+          </a:p>
+          <a:p>
+            <a:pPr>
+              <a:lnSpc>
+                <a:spcPct val="90000"/>
+              </a:lnSpc>
+              <a:spcBef>
+                <a:spcPct val="0"/>
+              </a:spcBef>
+            </a:pPr>
+            <a:r>
+              <a:rPr lang="en-US" sz="4400" dirty="0" smtClean="0"/>
+              <a:t>axioms shown already.</a:t>
+            </a:r>
+            <a:endParaRPr lang="en-US" sz="4400" dirty="0"/>
+          </a:p>
+        </p:txBody>
+      </p:sp>
+    </p:spTree>
+  </p:cSld>
+  <p:clrMapOvr>
+    <a:masterClrMapping/>
+  </p:clrMapOvr>
+  <p:transition xmlns:p14="http://schemas.microsoft.com/office/powerpoint/2010/main"/>
   <p:timing>
     <p:tnLst>
       <p:par>
@@ -2972,7 +3925,396 @@
 </p:sld>
 </file>
 
-<file path=ppt/slides/slide2.xml><?xml version="1.0" encoding="utf-8"?>
+<file path=ppt/slides/slide11.xml><?xml version="1.0" encoding="utf-8"?>
+<p:sld xmlns:a="http://schemas.openxmlformats.org/drawingml/2006/main" xmlns:r="http://schemas.openxmlformats.org/officeDocument/2006/relationships" xmlns:p="http://schemas.openxmlformats.org/presentationml/2006/main">
+  <p:cSld>
+    <p:spTree>
+      <p:nvGrpSpPr>
+        <p:cNvPr id="1" name=""/>
+        <p:cNvGrpSpPr/>
+        <p:nvPr/>
+      </p:nvGrpSpPr>
+      <p:grpSpPr>
+        <a:xfrm>
+          <a:off x="0" y="0"/>
+          <a:ext cx="0" cy="0"/>
+          <a:chOff x="0" y="0"/>
+          <a:chExt cx="0" cy="0"/>
+        </a:xfrm>
+      </p:grpSpPr>
+      <p:sp>
+        <p:nvSpPr>
+          <p:cNvPr id="121858" name="Rectangle 2"/>
+          <p:cNvSpPr>
+            <a:spLocks noGrp="1" noChangeArrowheads="1"/>
+          </p:cNvSpPr>
+          <p:nvPr>
+            <p:ph type="title"/>
+          </p:nvPr>
+        </p:nvSpPr>
+        <p:spPr/>
+        <p:txBody>
+          <a:bodyPr/>
+          <a:lstStyle/>
+          <a:p>
+            <a:r>
+              <a:rPr lang="en-US" sz="3600" dirty="0" smtClean="0"/>
+              <a:t>Validity is </a:t>
+            </a:r>
+            <a:r>
+              <a:rPr lang="en-US" sz="3600" dirty="0" err="1" smtClean="0">
+                <a:solidFill>
+                  <a:srgbClr val="FF0000"/>
+                </a:solidFill>
+              </a:rPr>
+              <a:t>undecidable</a:t>
+            </a:r>
+            <a:endParaRPr lang="en-US" sz="3600" dirty="0">
+              <a:solidFill>
+                <a:srgbClr val="FF0000"/>
+              </a:solidFill>
+            </a:endParaRPr>
+          </a:p>
+        </p:txBody>
+      </p:sp>
+      <p:sp>
+        <p:nvSpPr>
+          <p:cNvPr id="121859" name="Rectangle 3"/>
+          <p:cNvSpPr>
+            <a:spLocks noGrp="1" noChangeArrowheads="1"/>
+          </p:cNvSpPr>
+          <p:nvPr>
+            <p:ph type="body" idx="1"/>
+          </p:nvPr>
+        </p:nvSpPr>
+        <p:spPr>
+          <a:xfrm>
+            <a:off x="500743" y="1496659"/>
+            <a:ext cx="8142514" cy="3870551"/>
+          </a:xfrm>
+        </p:spPr>
+        <p:txBody>
+          <a:bodyPr/>
+          <a:lstStyle/>
+          <a:p>
+            <a:r>
+              <a:rPr lang="en-US" sz="4000" dirty="0" err="1"/>
+              <a:t>Thm</a:t>
+            </a:r>
+            <a:r>
+              <a:rPr lang="en-US" sz="4000" dirty="0"/>
+              <a:t> 2, </a:t>
+            </a:r>
+            <a:r>
+              <a:rPr lang="en-US" sz="4000" dirty="0">
+                <a:solidFill>
+                  <a:srgbClr val="CC0000"/>
+                </a:solidFill>
+              </a:rPr>
+              <a:t>Bad News:</a:t>
+            </a:r>
+            <a:r>
+              <a:rPr lang="en-US" sz="4000" dirty="0"/>
+              <a:t> there is no </a:t>
+            </a:r>
+          </a:p>
+          <a:p>
+            <a:r>
+              <a:rPr lang="en-US" sz="4000" dirty="0"/>
+              <a:t>procedure </a:t>
+            </a:r>
+            <a:r>
+              <a:rPr lang="en-US" sz="4000" dirty="0" smtClean="0"/>
+              <a:t>to determine whether </a:t>
+            </a:r>
+            <a:endParaRPr lang="en-US" sz="4000" dirty="0"/>
+          </a:p>
+          <a:p>
+            <a:r>
+              <a:rPr lang="en-US" sz="4000" dirty="0" smtClean="0"/>
+              <a:t>a quantified  formula is </a:t>
+            </a:r>
+            <a:r>
+              <a:rPr lang="en-US" sz="4000" dirty="0"/>
+              <a:t>valid</a:t>
+            </a:r>
+          </a:p>
+          <a:p>
+            <a:r>
+              <a:rPr lang="en-US" sz="4000" dirty="0"/>
+              <a:t>(in contrast to propositional </a:t>
+            </a:r>
+          </a:p>
+          <a:p>
+            <a:r>
+              <a:rPr lang="en-US" sz="4000" dirty="0"/>
+              <a:t>formulas).</a:t>
+            </a:r>
+          </a:p>
+        </p:txBody>
+      </p:sp>
+    </p:spTree>
+  </p:cSld>
+  <p:clrMapOvr>
+    <a:masterClrMapping/>
+  </p:clrMapOvr>
+  <p:transition xmlns:p14="http://schemas.microsoft.com/office/powerpoint/2010/main" spd="slow">
+    <p:fade/>
+  </p:transition>
+  <p:timing>
+    <p:tnLst>
+      <p:par>
+        <p:cTn xmlns:p14="http://schemas.microsoft.com/office/powerpoint/2010/main" id="1" dur="indefinite" restart="never" nodeType="tmRoot">
+          <p:childTnLst>
+            <p:seq concurrent="1" nextAc="seek">
+              <p:cTn id="2" dur="indefinite" nodeType="mainSeq">
+                <p:childTnLst>
+                  <p:par>
+                    <p:cTn id="3" fill="hold">
+                      <p:stCondLst>
+                        <p:cond delay="indefinite"/>
+                      </p:stCondLst>
+                      <p:childTnLst>
+                        <p:par>
+                          <p:cTn id="4" fill="hold">
+                            <p:stCondLst>
+                              <p:cond delay="0"/>
+                            </p:stCondLst>
+                            <p:childTnLst>
+                              <p:par>
+                                <p:cTn id="5" presetID="15" presetClass="entr" presetSubtype="0" fill="hold" grpId="0" nodeType="clickEffect">
+                                  <p:stCondLst>
+                                    <p:cond delay="0"/>
+                                  </p:stCondLst>
+                                  <p:childTnLst>
+                                    <p:set>
+                                      <p:cBhvr>
+                                        <p:cTn id="6" dur="1" fill="hold">
+                                          <p:stCondLst>
+                                            <p:cond delay="0"/>
+                                          </p:stCondLst>
+                                        </p:cTn>
+                                        <p:tgtEl>
+                                          <p:spTgt spid="121858"/>
+                                        </p:tgtEl>
+                                        <p:attrNameLst>
+                                          <p:attrName>style.visibility</p:attrName>
+                                        </p:attrNameLst>
+                                      </p:cBhvr>
+                                      <p:to>
+                                        <p:strVal val="visible"/>
+                                      </p:to>
+                                    </p:set>
+                                    <p:anim calcmode="lin" valueType="num">
+                                      <p:cBhvr>
+                                        <p:cTn id="7" dur="1000" fill="hold"/>
+                                        <p:tgtEl>
+                                          <p:spTgt spid="121858"/>
+                                        </p:tgtEl>
+                                        <p:attrNameLst>
+                                          <p:attrName>ppt_w</p:attrName>
+                                        </p:attrNameLst>
+                                      </p:cBhvr>
+                                      <p:tavLst>
+                                        <p:tav tm="0">
+                                          <p:val>
+                                            <p:fltVal val="0"/>
+                                          </p:val>
+                                        </p:tav>
+                                        <p:tav tm="100000">
+                                          <p:val>
+                                            <p:strVal val="#ppt_w"/>
+                                          </p:val>
+                                        </p:tav>
+                                      </p:tavLst>
+                                    </p:anim>
+                                    <p:anim calcmode="lin" valueType="num">
+                                      <p:cBhvr>
+                                        <p:cTn id="8" dur="1000" fill="hold"/>
+                                        <p:tgtEl>
+                                          <p:spTgt spid="121858"/>
+                                        </p:tgtEl>
+                                        <p:attrNameLst>
+                                          <p:attrName>ppt_h</p:attrName>
+                                        </p:attrNameLst>
+                                      </p:cBhvr>
+                                      <p:tavLst>
+                                        <p:tav tm="0">
+                                          <p:val>
+                                            <p:fltVal val="0"/>
+                                          </p:val>
+                                        </p:tav>
+                                        <p:tav tm="100000">
+                                          <p:val>
+                                            <p:strVal val="#ppt_h"/>
+                                          </p:val>
+                                        </p:tav>
+                                      </p:tavLst>
+                                    </p:anim>
+                                    <p:anim calcmode="lin" valueType="num">
+                                      <p:cBhvr>
+                                        <p:cTn id="9" dur="1000" fill="hold"/>
+                                        <p:tgtEl>
+                                          <p:spTgt spid="121858"/>
+                                        </p:tgtEl>
+                                        <p:attrNameLst>
+                                          <p:attrName>ppt_x</p:attrName>
+                                        </p:attrNameLst>
+                                      </p:cBhvr>
+                                      <p:tavLst>
+                                        <p:tav tm="0" fmla="#ppt_x+(cos(-2*pi*(1-$))*-#ppt_x-sin(-2*pi*(1-$))*(1-#ppt_y))*(1-$)">
+                                          <p:val>
+                                            <p:fltVal val="0"/>
+                                          </p:val>
+                                        </p:tav>
+                                        <p:tav tm="100000">
+                                          <p:val>
+                                            <p:fltVal val="1"/>
+                                          </p:val>
+                                        </p:tav>
+                                      </p:tavLst>
+                                    </p:anim>
+                                    <p:anim calcmode="lin" valueType="num">
+                                      <p:cBhvr>
+                                        <p:cTn id="10" dur="1000" fill="hold"/>
+                                        <p:tgtEl>
+                                          <p:spTgt spid="121858"/>
+                                        </p:tgtEl>
+                                        <p:attrNameLst>
+                                          <p:attrName>ppt_y</p:attrName>
+                                        </p:attrNameLst>
+                                      </p:cBhvr>
+                                      <p:tavLst>
+                                        <p:tav tm="0" fmla="#ppt_y+(sin(-2*pi*(1-$))*-#ppt_x+cos(-2*pi*(1-$))*(1-#ppt_y))*(1-$)">
+                                          <p:val>
+                                            <p:fltVal val="0"/>
+                                          </p:val>
+                                        </p:tav>
+                                        <p:tav tm="100000">
+                                          <p:val>
+                                            <p:fltVal val="1"/>
+                                          </p:val>
+                                        </p:tav>
+                                      </p:tavLst>
+                                    </p:anim>
+                                  </p:childTnLst>
+                                </p:cTn>
+                              </p:par>
+                            </p:childTnLst>
+                          </p:cTn>
+                        </p:par>
+                      </p:childTnLst>
+                    </p:cTn>
+                  </p:par>
+                  <p:par>
+                    <p:cTn id="11" fill="hold">
+                      <p:stCondLst>
+                        <p:cond delay="indefinite"/>
+                      </p:stCondLst>
+                      <p:childTnLst>
+                        <p:par>
+                          <p:cTn id="12" fill="hold">
+                            <p:stCondLst>
+                              <p:cond delay="0"/>
+                            </p:stCondLst>
+                            <p:childTnLst>
+                              <p:par>
+                                <p:cTn id="13" presetID="1" presetClass="entr" presetSubtype="0" fill="hold" nodeType="clickEffect">
+                                  <p:stCondLst>
+                                    <p:cond delay="0"/>
+                                  </p:stCondLst>
+                                  <p:childTnLst>
+                                    <p:set>
+                                      <p:cBhvr>
+                                        <p:cTn id="14" dur="1" fill="hold">
+                                          <p:stCondLst>
+                                            <p:cond delay="0"/>
+                                          </p:stCondLst>
+                                        </p:cTn>
+                                        <p:tgtEl>
+                                          <p:spTgt spid="121859">
+                                            <p:txEl>
+                                              <p:pRg st="3" end="3"/>
+                                            </p:txEl>
+                                          </p:spTgt>
+                                        </p:tgtEl>
+                                        <p:attrNameLst>
+                                          <p:attrName>style.visibility</p:attrName>
+                                        </p:attrNameLst>
+                                      </p:cBhvr>
+                                      <p:to>
+                                        <p:strVal val="visible"/>
+                                      </p:to>
+                                    </p:set>
+                                  </p:childTnLst>
+                                </p:cTn>
+                              </p:par>
+                              <p:par>
+                                <p:cTn id="15" presetID="1" presetClass="entr" presetSubtype="0" fill="hold" nodeType="withEffect">
+                                  <p:stCondLst>
+                                    <p:cond delay="0"/>
+                                  </p:stCondLst>
+                                  <p:childTnLst>
+                                    <p:set>
+                                      <p:cBhvr>
+                                        <p:cTn id="16" dur="1" fill="hold">
+                                          <p:stCondLst>
+                                            <p:cond delay="0"/>
+                                          </p:stCondLst>
+                                        </p:cTn>
+                                        <p:tgtEl>
+                                          <p:spTgt spid="121859">
+                                            <p:txEl>
+                                              <p:pRg st="4" end="4"/>
+                                            </p:txEl>
+                                          </p:spTgt>
+                                        </p:tgtEl>
+                                        <p:attrNameLst>
+                                          <p:attrName>style.visibility</p:attrName>
+                                        </p:attrNameLst>
+                                      </p:cBhvr>
+                                      <p:to>
+                                        <p:strVal val="visible"/>
+                                      </p:to>
+                                    </p:set>
+                                  </p:childTnLst>
+                                </p:cTn>
+                              </p:par>
+                            </p:childTnLst>
+                          </p:cTn>
+                        </p:par>
+                      </p:childTnLst>
+                    </p:cTn>
+                  </p:par>
+                </p:childTnLst>
+              </p:cTn>
+              <p:prevCondLst>
+                <p:cond evt="onPrev" delay="0">
+                  <p:tgtEl>
+                    <p:sldTgt/>
+                  </p:tgtEl>
+                </p:cond>
+              </p:prevCondLst>
+              <p:nextCondLst>
+                <p:cond evt="onNext" delay="0">
+                  <p:tgtEl>
+                    <p:sldTgt/>
+                  </p:tgtEl>
+                </p:cond>
+              </p:nextCondLst>
+            </p:seq>
+          </p:childTnLst>
+        </p:cTn>
+      </p:par>
+    </p:tnLst>
+    <p:bldLst>
+      <p:bldP spid="121858" grpId="0"/>
+    </p:bldLst>
+  </p:timing>
+</p:sld>
+</file>
+
+<file path=ppt/slides/slide12.xml><?xml version="1.0" encoding="utf-8"?>
 <p:sld xmlns:a="http://schemas.openxmlformats.org/drawingml/2006/main" xmlns:r="http://schemas.openxmlformats.org/officeDocument/2006/relationships" xmlns:p="http://schemas.openxmlformats.org/presentationml/2006/main" show="0">
   <p:cSld>
     <p:spTree>
@@ -2991,7 +4333,445 @@
       </p:grpSpPr>
       <p:sp>
         <p:nvSpPr>
-          <p:cNvPr id="9218" name="Rectangle 2"/>
+          <p:cNvPr id="122882" name="Rectangle 2"/>
+          <p:cNvSpPr>
+            <a:spLocks noGrp="1" noChangeArrowheads="1"/>
+          </p:cNvSpPr>
+          <p:nvPr>
+            <p:ph type="title"/>
+          </p:nvPr>
+        </p:nvSpPr>
+        <p:spPr>
+          <a:xfrm>
+            <a:off x="739775" y="228600"/>
+            <a:ext cx="7989888" cy="1577975"/>
+          </a:xfrm>
+        </p:spPr>
+        <p:txBody>
+          <a:bodyPr/>
+          <a:lstStyle/>
+          <a:p>
+            <a:r>
+              <a:rPr lang="en-US" sz="2800" dirty="0">
+                <a:solidFill>
+                  <a:schemeClr val="tx1"/>
+                </a:solidFill>
+              </a:rPr>
+              <a:t>G</a:t>
+            </a:r>
+            <a:r>
+              <a:rPr lang="en-US" sz="2800" dirty="0">
+                <a:solidFill>
+                  <a:schemeClr val="tx1"/>
+                </a:solidFill>
+                <a:cs typeface="Times New Roman" pitchFamily="18" charset="0"/>
+              </a:rPr>
+              <a:t>ö</a:t>
+            </a:r>
+            <a:r>
+              <a:rPr lang="en-US" sz="2800" dirty="0">
+                <a:solidFill>
+                  <a:schemeClr val="tx1"/>
+                </a:solidFill>
+              </a:rPr>
+              <a:t>del's </a:t>
+            </a:r>
+            <a:r>
+              <a:rPr lang="en-US" sz="2800" dirty="0">
+                <a:solidFill>
+                  <a:srgbClr val="9751CB"/>
+                </a:solidFill>
+              </a:rPr>
+              <a:t>In</a:t>
+            </a:r>
+            <a:r>
+              <a:rPr lang="en-US" sz="2800" dirty="0">
+                <a:solidFill>
+                  <a:schemeClr val="tx1"/>
+                </a:solidFill>
+              </a:rPr>
+              <a:t>completeness Theorem</a:t>
+            </a:r>
+            <a:br>
+              <a:rPr lang="en-US" sz="2800" dirty="0">
+                <a:solidFill>
+                  <a:schemeClr val="tx1"/>
+                </a:solidFill>
+              </a:rPr>
+            </a:br>
+            <a:r>
+              <a:rPr lang="en-US" sz="2800" dirty="0">
+                <a:solidFill>
+                  <a:schemeClr val="tx1"/>
+                </a:solidFill>
+              </a:rPr>
+              <a:t>for Arithmetic</a:t>
+            </a:r>
+          </a:p>
+        </p:txBody>
+      </p:sp>
+      <p:sp>
+        <p:nvSpPr>
+          <p:cNvPr id="122883" name="Rectangle 3"/>
+          <p:cNvSpPr>
+            <a:spLocks noGrp="1" noChangeArrowheads="1"/>
+          </p:cNvSpPr>
+          <p:nvPr>
+            <p:ph type="body" idx="1"/>
+          </p:nvPr>
+        </p:nvSpPr>
+        <p:spPr>
+          <a:xfrm>
+            <a:off x="250825" y="1574800"/>
+            <a:ext cx="8685213" cy="4941888"/>
+          </a:xfrm>
+        </p:spPr>
+        <p:txBody>
+          <a:bodyPr/>
+          <a:lstStyle/>
+          <a:p>
+            <a:pPr>
+              <a:lnSpc>
+                <a:spcPct val="90000"/>
+              </a:lnSpc>
+            </a:pPr>
+            <a:r>
+              <a:rPr lang="en-US" sz="4000" dirty="0" err="1"/>
+              <a:t>Thm</a:t>
+            </a:r>
+            <a:r>
+              <a:rPr lang="en-US" sz="4000" dirty="0"/>
+              <a:t> 3, </a:t>
+            </a:r>
+            <a:r>
+              <a:rPr lang="en-US" sz="4000" dirty="0">
+                <a:solidFill>
+                  <a:srgbClr val="CC0000"/>
+                </a:solidFill>
+              </a:rPr>
+              <a:t>Worse News</a:t>
+            </a:r>
+            <a:r>
+              <a:rPr lang="en-US" sz="4000" dirty="0"/>
+              <a:t>:</a:t>
+            </a:r>
+          </a:p>
+          <a:p>
+            <a:pPr>
+              <a:lnSpc>
+                <a:spcPct val="70000"/>
+              </a:lnSpc>
+            </a:pPr>
+            <a:r>
+              <a:rPr lang="en-US" sz="4000" dirty="0"/>
+              <a:t>if we stick to domain, </a:t>
+            </a:r>
+            <a:r>
+              <a:rPr lang="en-US" sz="4000" b="1" dirty="0">
+                <a:solidFill>
+                  <a:srgbClr val="000066"/>
+                </a:solidFill>
+                <a:sym typeface="Euclid Math Two" pitchFamily="18" charset="2"/>
+              </a:rPr>
+              <a:t></a:t>
+            </a:r>
+            <a:r>
+              <a:rPr lang="en-US" sz="4000" dirty="0">
+                <a:sym typeface="Euclid Math Two" pitchFamily="18" charset="2"/>
+              </a:rPr>
+              <a:t>, with</a:t>
+            </a:r>
+          </a:p>
+          <a:p>
+            <a:pPr>
+              <a:lnSpc>
+                <a:spcPct val="80000"/>
+              </a:lnSpc>
+            </a:pPr>
+            <a:r>
+              <a:rPr lang="en-US" sz="4000" dirty="0">
+                <a:sym typeface="Euclid Math Two" pitchFamily="18" charset="2"/>
+              </a:rPr>
+              <a:t>predicates    </a:t>
+            </a:r>
+            <a:r>
+              <a:rPr lang="en-US" sz="4000" dirty="0">
+                <a:solidFill>
+                  <a:srgbClr val="0000FF"/>
+                </a:solidFill>
+                <a:sym typeface="Euclid Math Two" pitchFamily="18" charset="2"/>
+              </a:rPr>
+              <a:t>x +  y = z</a:t>
+            </a:r>
+            <a:r>
+              <a:rPr lang="en-US" sz="4000" dirty="0" smtClean="0">
+                <a:solidFill>
+                  <a:srgbClr val="000066"/>
+                </a:solidFill>
+                <a:sym typeface="Euclid Math Two" pitchFamily="18" charset="2"/>
+              </a:rPr>
+              <a:t>,</a:t>
+            </a:r>
+          </a:p>
+          <a:p>
+            <a:pPr>
+              <a:lnSpc>
+                <a:spcPct val="80000"/>
+              </a:lnSpc>
+            </a:pPr>
+            <a:r>
+              <a:rPr lang="en-US" sz="4000" dirty="0" smtClean="0">
+                <a:solidFill>
+                  <a:srgbClr val="0000FF"/>
+                </a:solidFill>
+                <a:sym typeface="Euclid Math Two" pitchFamily="18" charset="2"/>
+              </a:rPr>
+              <a:t>				   </a:t>
+            </a:r>
+            <a:r>
+              <a:rPr lang="en-US" sz="4000" dirty="0" err="1" smtClean="0">
+                <a:solidFill>
+                  <a:srgbClr val="0000FF"/>
+                </a:solidFill>
+                <a:sym typeface="Euclid Math Two" pitchFamily="18" charset="2"/>
+              </a:rPr>
+              <a:t>x</a:t>
+            </a:r>
+            <a:r>
+              <a:rPr lang="en-US" sz="4000" dirty="0" smtClean="0">
+                <a:solidFill>
+                  <a:srgbClr val="0000FF"/>
+                </a:solidFill>
+                <a:sym typeface="Euclid Math Two" pitchFamily="18" charset="2"/>
+              </a:rPr>
+              <a:t> </a:t>
+            </a:r>
+            <a:r>
+              <a:rPr lang="en-US" sz="4000" dirty="0" smtClean="0">
+                <a:solidFill>
+                  <a:srgbClr val="0000FF"/>
+                </a:solidFill>
+                <a:latin typeface="Euclid Symbol" charset="2"/>
+                <a:sym typeface="Euclid Math Two" pitchFamily="18" charset="2"/>
+              </a:rPr>
+              <a:t>× </a:t>
+            </a:r>
+            <a:r>
+              <a:rPr lang="en-US" sz="4000" dirty="0" err="1" smtClean="0">
+                <a:solidFill>
+                  <a:srgbClr val="0000FF"/>
+                </a:solidFill>
+                <a:sym typeface="Euclid Math Two" pitchFamily="18" charset="2"/>
+              </a:rPr>
+              <a:t>y</a:t>
+            </a:r>
+            <a:r>
+              <a:rPr lang="en-US" sz="4000" dirty="0" smtClean="0">
+                <a:solidFill>
+                  <a:srgbClr val="0000FF"/>
+                </a:solidFill>
+                <a:sym typeface="Euclid Math Two" pitchFamily="18" charset="2"/>
+              </a:rPr>
+              <a:t> = </a:t>
+            </a:r>
+            <a:r>
+              <a:rPr lang="en-US" sz="4000" dirty="0">
+                <a:solidFill>
+                  <a:srgbClr val="0000FF"/>
+                </a:solidFill>
+                <a:sym typeface="Euclid Math Two" pitchFamily="18" charset="2"/>
+              </a:rPr>
+              <a:t>z</a:t>
+            </a:r>
+            <a:r>
+              <a:rPr lang="en-US" sz="4000" dirty="0">
+                <a:sym typeface="Euclid Math Two" pitchFamily="18" charset="2"/>
+              </a:rPr>
+              <a:t>,</a:t>
+            </a:r>
+          </a:p>
+          <a:p>
+            <a:pPr>
+              <a:lnSpc>
+                <a:spcPct val="90000"/>
+              </a:lnSpc>
+            </a:pPr>
+            <a:r>
+              <a:rPr lang="en-US" sz="4000" dirty="0">
+                <a:sym typeface="Euclid Math Two" pitchFamily="18" charset="2"/>
+              </a:rPr>
+              <a:t>then </a:t>
+            </a:r>
+            <a:r>
+              <a:rPr lang="en-US" sz="4000" dirty="0">
+                <a:solidFill>
+                  <a:srgbClr val="F80000"/>
+                </a:solidFill>
+                <a:sym typeface="Euclid Math Two" pitchFamily="18" charset="2"/>
+              </a:rPr>
+              <a:t>no </a:t>
+            </a:r>
+            <a:r>
+              <a:rPr lang="en-US" sz="4000" dirty="0">
+                <a:sym typeface="Euclid Math Two" pitchFamily="18" charset="2"/>
+              </a:rPr>
+              <a:t>proof system can</a:t>
+            </a:r>
+          </a:p>
+          <a:p>
+            <a:pPr>
+              <a:lnSpc>
+                <a:spcPct val="90000"/>
+              </a:lnSpc>
+            </a:pPr>
+            <a:r>
+              <a:rPr lang="en-US" sz="4000" dirty="0">
+                <a:sym typeface="Euclid Math Two" pitchFamily="18" charset="2"/>
+              </a:rPr>
+              <a:t>prove all the true assertions!</a:t>
+            </a:r>
+          </a:p>
+        </p:txBody>
+      </p:sp>
+    </p:spTree>
+  </p:cSld>
+  <p:clrMapOvr>
+    <a:masterClrMapping/>
+  </p:clrMapOvr>
+  <p:transition xmlns:p14="http://schemas.microsoft.com/office/powerpoint/2010/main"/>
+  <p:timing>
+    <p:tnLst>
+      <p:par>
+        <p:cTn xmlns:p14="http://schemas.microsoft.com/office/powerpoint/2010/main" id="1" dur="indefinite" restart="never" nodeType="tmRoot">
+          <p:childTnLst>
+            <p:seq concurrent="1" nextAc="seek">
+              <p:cTn id="2" dur="indefinite" nodeType="mainSeq">
+                <p:childTnLst>
+                  <p:par>
+                    <p:cTn id="3" fill="hold">
+                      <p:stCondLst>
+                        <p:cond delay="indefinite"/>
+                      </p:stCondLst>
+                      <p:childTnLst>
+                        <p:par>
+                          <p:cTn id="4" fill="hold">
+                            <p:stCondLst>
+                              <p:cond delay="0"/>
+                            </p:stCondLst>
+                            <p:childTnLst>
+                              <p:par>
+                                <p:cTn id="5" presetID="1" presetClass="entr" presetSubtype="0" fill="hold" nodeType="clickEffect">
+                                  <p:stCondLst>
+                                    <p:cond delay="0"/>
+                                  </p:stCondLst>
+                                  <p:childTnLst>
+                                    <p:set>
+                                      <p:cBhvr>
+                                        <p:cTn id="6" dur="1" fill="hold">
+                                          <p:stCondLst>
+                                            <p:cond delay="0"/>
+                                          </p:stCondLst>
+                                        </p:cTn>
+                                        <p:tgtEl>
+                                          <p:spTgt spid="122883">
+                                            <p:txEl>
+                                              <p:pRg st="4" end="4"/>
+                                            </p:txEl>
+                                          </p:spTgt>
+                                        </p:tgtEl>
+                                        <p:attrNameLst>
+                                          <p:attrName>style.visibility</p:attrName>
+                                        </p:attrNameLst>
+                                      </p:cBhvr>
+                                      <p:to>
+                                        <p:strVal val="visible"/>
+                                      </p:to>
+                                    </p:set>
+                                  </p:childTnLst>
+                                </p:cTn>
+                              </p:par>
+                              <p:par>
+                                <p:cTn id="7" presetID="1" presetClass="entr" presetSubtype="0" fill="hold" nodeType="withEffect">
+                                  <p:stCondLst>
+                                    <p:cond delay="0"/>
+                                  </p:stCondLst>
+                                  <p:childTnLst>
+                                    <p:set>
+                                      <p:cBhvr>
+                                        <p:cTn id="8" dur="1" fill="hold">
+                                          <p:stCondLst>
+                                            <p:cond delay="0"/>
+                                          </p:stCondLst>
+                                        </p:cTn>
+                                        <p:tgtEl>
+                                          <p:spTgt spid="122883">
+                                            <p:txEl>
+                                              <p:pRg st="5" end="5"/>
+                                            </p:txEl>
+                                          </p:spTgt>
+                                        </p:tgtEl>
+                                        <p:attrNameLst>
+                                          <p:attrName>style.visibility</p:attrName>
+                                        </p:attrNameLst>
+                                      </p:cBhvr>
+                                      <p:to>
+                                        <p:strVal val="visible"/>
+                                      </p:to>
+                                    </p:set>
+                                  </p:childTnLst>
+                                </p:cTn>
+                              </p:par>
+                            </p:childTnLst>
+                          </p:cTn>
+                        </p:par>
+                      </p:childTnLst>
+                    </p:cTn>
+                  </p:par>
+                </p:childTnLst>
+              </p:cTn>
+              <p:prevCondLst>
+                <p:cond evt="onPrev" delay="0">
+                  <p:tgtEl>
+                    <p:sldTgt/>
+                  </p:tgtEl>
+                </p:cond>
+              </p:prevCondLst>
+              <p:nextCondLst>
+                <p:cond evt="onNext" delay="0">
+                  <p:tgtEl>
+                    <p:sldTgt/>
+                  </p:tgtEl>
+                </p:cond>
+              </p:nextCondLst>
+            </p:seq>
+          </p:childTnLst>
+        </p:cTn>
+      </p:par>
+    </p:tnLst>
+  </p:timing>
+</p:sld>
+</file>
+
+<file path=ppt/slides/slide13.xml><?xml version="1.0" encoding="utf-8"?>
+<p:sld xmlns:a="http://schemas.openxmlformats.org/drawingml/2006/main" xmlns:r="http://schemas.openxmlformats.org/officeDocument/2006/relationships" xmlns:p="http://schemas.openxmlformats.org/presentationml/2006/main">
+  <p:cSld>
+    <p:spTree>
+      <p:nvGrpSpPr>
+        <p:cNvPr id="1" name=""/>
+        <p:cNvGrpSpPr/>
+        <p:nvPr/>
+      </p:nvGrpSpPr>
+      <p:grpSpPr>
+        <a:xfrm>
+          <a:off x="0" y="0"/>
+          <a:ext cx="0" cy="0"/>
+          <a:chOff x="0" y="0"/>
+          <a:chExt cx="0" cy="0"/>
+        </a:xfrm>
+      </p:grpSpPr>
+      <p:sp>
+        <p:nvSpPr>
+          <p:cNvPr id="123906" name="Rectangle 2"/>
           <p:cNvSpPr>
             <a:spLocks noGrp="1" noChangeArrowheads="1"/>
           </p:cNvSpPr>
@@ -3005,109 +4785,267 @@
           <a:lstStyle/>
           <a:p>
             <a:r>
-              <a:rPr lang="en-US" sz="3600" dirty="0" smtClean="0">
-                <a:solidFill>
-                  <a:schemeClr val="tx1"/>
-                </a:solidFill>
-              </a:rPr>
-              <a:t>Propositional Validity</a:t>
-            </a:r>
-            <a:endParaRPr lang="en-US" sz="3600" dirty="0">
-              <a:solidFill>
-                <a:schemeClr val="tx1"/>
-              </a:solidFill>
-            </a:endParaRPr>
+              <a:rPr lang="en-US" sz="4000" dirty="0" smtClean="0"/>
+              <a:t>Profound Meta-Theorems</a:t>
+            </a:r>
+            <a:endParaRPr lang="en-US" sz="4000" dirty="0"/>
           </a:p>
         </p:txBody>
       </p:sp>
       <p:sp>
         <p:nvSpPr>
-          <p:cNvPr id="9223" name="Text Box 7"/>
-          <p:cNvSpPr txBox="1">
-            <a:spLocks noChangeArrowheads="1"/>
-          </p:cNvSpPr>
-          <p:nvPr/>
-        </p:nvSpPr>
-        <p:spPr bwMode="auto">
+          <p:cNvPr id="123907" name="Rectangle 3"/>
+          <p:cNvSpPr>
+            <a:spLocks noGrp="1" noChangeArrowheads="1"/>
+          </p:cNvSpPr>
+          <p:nvPr>
+            <p:ph type="body" idx="1"/>
+          </p:nvPr>
+        </p:nvSpPr>
+        <p:spPr>
           <a:xfrm>
-            <a:off x="861469" y="1665921"/>
-            <a:ext cx="7483139" cy="1508105"/>
+            <a:off x="223419" y="1681430"/>
+            <a:ext cx="8819161" cy="3598025"/>
           </a:xfrm>
-          <a:prstGeom prst="rect">
-            <a:avLst/>
-          </a:prstGeom>
-          <a:noFill/>
-          <a:ln w="9525">
-            <a:noFill/>
-            <a:miter lim="800000"/>
-            <a:headEnd/>
-            <a:tailEnd type="none" w="lg" len="lg"/>
-          </a:ln>
-          <a:effectLst/>
         </p:spPr>
         <p:txBody>
-          <a:bodyPr wrap="none">
-            <a:spAutoFit/>
-          </a:bodyPr>
+          <a:bodyPr/>
           <a:lstStyle/>
           <a:p>
-            <a:pPr marL="457200" indent="-457200"/>
-            <a:r>
-              <a:rPr lang="en-US" sz="4800" dirty="0" smtClean="0">
-                <a:solidFill>
-                  <a:srgbClr val="006600"/>
-                </a:solidFill>
-                <a:latin typeface="Comic Sans MS" pitchFamily="66" charset="0"/>
+            <a:r>
+              <a:rPr lang="en-US" sz="4000" dirty="0"/>
+              <a:t>We won't </a:t>
+            </a:r>
+            <a:r>
+              <a:rPr lang="en-US" sz="4000" dirty="0" smtClean="0"/>
+              <a:t>examine </a:t>
+            </a:r>
+            <a:r>
+              <a:rPr lang="en-US" sz="4000" dirty="0"/>
+              <a:t>these </a:t>
+            </a:r>
+            <a:r>
+              <a:rPr lang="en-US" sz="4000" dirty="0" smtClean="0"/>
+              <a:t>Theorems further.  Their </a:t>
+            </a:r>
+            <a:r>
+              <a:rPr lang="en-US" sz="4000" dirty="0"/>
+              <a:t>proofs usually require half </a:t>
+            </a:r>
+            <a:r>
+              <a:rPr lang="en-US" sz="4000" dirty="0" smtClean="0"/>
+              <a:t>a </a:t>
+            </a:r>
+            <a:r>
+              <a:rPr lang="en-US" sz="4000" dirty="0"/>
+              <a:t>term in an intro logic course </a:t>
+            </a:r>
+            <a:r>
+              <a:rPr lang="en-US" sz="4000" dirty="0" smtClean="0"/>
+              <a:t>after </a:t>
+            </a:r>
+            <a:r>
+              <a:rPr lang="en-US" sz="4000" dirty="0"/>
+              <a:t>6.042</a:t>
+            </a:r>
+            <a:r>
+              <a:rPr lang="en-US" sz="4000" dirty="0" smtClean="0"/>
+              <a:t>.  But they are interesting to think about.</a:t>
+            </a:r>
+            <a:endParaRPr lang="en-US" sz="2800" dirty="0"/>
+          </a:p>
+        </p:txBody>
+      </p:sp>
+    </p:spTree>
+  </p:cSld>
+  <p:clrMapOvr>
+    <a:masterClrMapping/>
+  </p:clrMapOvr>
+  <mc:AlternateContent xmlns:mc="http://schemas.openxmlformats.org/markup-compatibility/2006" xmlns:p14="http://schemas.microsoft.com/office/powerpoint/2010/main">
+    <mc:Choice Requires="p14">
+      <p:transition spd="med" p14:dur="700">
+        <p:fade/>
+      </p:transition>
+    </mc:Choice>
+    <mc:Fallback xmlns="">
+      <p:transition xmlns:p14="http://schemas.microsoft.com/office/powerpoint/2010/main" spd="med">
+        <p:fade/>
+      </p:transition>
+    </mc:Fallback>
+  </mc:AlternateContent>
+  <p:timing>
+    <p:tnLst>
+      <p:par>
+        <p:cTn xmlns:p14="http://schemas.microsoft.com/office/powerpoint/2010/main" id="1" dur="indefinite" restart="never" nodeType="tmRoot"/>
+      </p:par>
+    </p:tnLst>
+  </p:timing>
+</p:sld>
+</file>
+
+<file path=ppt/slides/slide14.xml><?xml version="1.0" encoding="utf-8"?>
+<p:sld xmlns:a="http://schemas.openxmlformats.org/drawingml/2006/main" xmlns:r="http://schemas.openxmlformats.org/officeDocument/2006/relationships" xmlns:p="http://schemas.openxmlformats.org/presentationml/2006/main" show="0">
+  <p:cSld>
+    <p:spTree>
+      <p:nvGrpSpPr>
+        <p:cNvPr id="1" name=""/>
+        <p:cNvGrpSpPr/>
+        <p:nvPr/>
+      </p:nvGrpSpPr>
+      <p:grpSpPr>
+        <a:xfrm>
+          <a:off x="0" y="0"/>
+          <a:ext cx="0" cy="0"/>
+          <a:chOff x="0" y="0"/>
+          <a:chExt cx="0" cy="0"/>
+        </a:xfrm>
+      </p:grpSpPr>
+      <p:sp>
+        <p:nvSpPr>
+          <p:cNvPr id="34819" name="Rectangle 2"/>
+          <p:cNvSpPr>
+            <a:spLocks noGrp="1" noChangeArrowheads="1"/>
+          </p:cNvSpPr>
+          <p:nvPr>
+            <p:ph type="title"/>
+          </p:nvPr>
+        </p:nvSpPr>
+        <p:spPr/>
+        <p:txBody>
+          <a:bodyPr/>
+          <a:lstStyle/>
+          <a:p>
+            <a:r>
+              <a:rPr lang="en-US" sz="4800" dirty="0" smtClean="0"/>
+              <a:t>Team Problems</a:t>
+            </a:r>
+          </a:p>
+        </p:txBody>
+      </p:sp>
+      <p:sp>
+        <p:nvSpPr>
+          <p:cNvPr id="34820" name="Rectangle 3"/>
+          <p:cNvSpPr>
+            <a:spLocks noGrp="1" noChangeArrowheads="1"/>
+          </p:cNvSpPr>
+          <p:nvPr>
+            <p:ph type="body" idx="1"/>
+          </p:nvPr>
+        </p:nvSpPr>
+        <p:spPr>
+          <a:xfrm>
+            <a:off x="502510" y="1479035"/>
+            <a:ext cx="8130746" cy="3900272"/>
+          </a:xfrm>
+        </p:spPr>
+        <p:txBody>
+          <a:bodyPr/>
+          <a:lstStyle/>
+          <a:p>
+            <a:pPr algn="ctr">
+              <a:spcBef>
+                <a:spcPts val="1200"/>
+              </a:spcBef>
+              <a:buFontTx/>
+              <a:buNone/>
+            </a:pPr>
+            <a:r>
+              <a:rPr lang="en-US" sz="11500" dirty="0" smtClean="0"/>
+              <a:t>Problems</a:t>
+            </a:r>
+          </a:p>
+          <a:p>
+            <a:pPr algn="ctr">
+              <a:spcBef>
+                <a:spcPts val="1200"/>
+              </a:spcBef>
+              <a:buFontTx/>
+              <a:buNone/>
+            </a:pPr>
+            <a:r>
+              <a:rPr lang="en-US" sz="11500" smtClean="0">
+                <a:sym typeface="Euclid Symbol"/>
               </a:rPr>
-              <a:t>True </a:t>
-            </a:r>
-            <a:r>
-              <a:rPr lang="en-US" sz="4800" dirty="0" smtClean="0">
-                <a:latin typeface="Comic Sans MS" pitchFamily="66" charset="0"/>
+              <a:t>1</a:t>
+            </a:r>
+            <a:r>
+              <a:rPr lang="en-US" sz="11500" smtClean="0">
+                <a:latin typeface="Comic Sans MS"/>
+                <a:ea typeface="ＭＳ ゴシック"/>
+                <a:cs typeface="Comic Sans MS"/>
+                <a:sym typeface="Euclid Symbol"/>
               </a:rPr>
-              <a:t>for all truth-values.</a:t>
-            </a:r>
-          </a:p>
-          <a:p>
-            <a:pPr marL="457200" indent="-457200"/>
-            <a:r>
-              <a:rPr lang="en-US" sz="4400" i="1" dirty="0" smtClean="0">
-                <a:latin typeface="Comic Sans MS" pitchFamily="66" charset="0"/>
+              <a:t>−</a:t>
+            </a:r>
+            <a:r>
+              <a:rPr lang="en-US" sz="11500" dirty="0">
+                <a:sym typeface="Euclid Symbol"/>
               </a:rPr>
-              <a:t> Example:</a:t>
-            </a:r>
-            <a:endParaRPr lang="en-US" sz="4400" i="1" dirty="0">
-              <a:latin typeface="Comic Sans MS" pitchFamily="66" charset="0"/>
-            </a:endParaRPr>
+              <a:t>4</a:t>
+            </a:r>
+            <a:endParaRPr lang="en-US" sz="12700" dirty="0" smtClean="0"/>
           </a:p>
         </p:txBody>
       </p:sp>
+    </p:spTree>
+  </p:cSld>
+  <p:clrMapOvr>
+    <a:masterClrMapping/>
+  </p:clrMapOvr>
+  <p:transition xmlns:p14="http://schemas.microsoft.com/office/powerpoint/2010/main"/>
+  <p:timing>
+    <p:tnLst>
+      <p:par>
+        <p:cTn xmlns:p14="http://schemas.microsoft.com/office/powerpoint/2010/main" id="1" dur="indefinite" restart="never" nodeType="tmRoot"/>
+      </p:par>
+    </p:tnLst>
+  </p:timing>
+</p:sld>
+</file>
+
+<file path=ppt/slides/slide2.xml><?xml version="1.0" encoding="utf-8"?>
+<p:sld xmlns:a="http://schemas.openxmlformats.org/drawingml/2006/main" xmlns:r="http://schemas.openxmlformats.org/officeDocument/2006/relationships" xmlns:p="http://schemas.openxmlformats.org/presentationml/2006/main">
+  <p:cSld>
+    <p:spTree>
+      <p:nvGrpSpPr>
+        <p:cNvPr id="1" name=""/>
+        <p:cNvGrpSpPr/>
+        <p:nvPr/>
+      </p:nvGrpSpPr>
+      <p:grpSpPr>
+        <a:xfrm>
+          <a:off x="0" y="0"/>
+          <a:ext cx="0" cy="0"/>
+          <a:chOff x="0" y="0"/>
+          <a:chExt cx="0" cy="0"/>
+        </a:xfrm>
+      </p:grpSpPr>
       <p:graphicFrame>
         <p:nvGraphicFramePr>
-          <p:cNvPr id="9225" name="Object 9"/>
+          <p:cNvPr id="17" name="Object 16"/>
           <p:cNvGraphicFramePr>
             <a:graphicFrameLocks noChangeAspect="1"/>
           </p:cNvGraphicFramePr>
           <p:nvPr/>
         </p:nvGraphicFramePr>
         <p:xfrm>
-          <a:off x="0" y="0"/>
-          <a:ext cx="914400" cy="198438"/>
+          <a:off x="224743" y="3184358"/>
+          <a:ext cx="8694513" cy="865356"/>
         </p:xfrm>
         <a:graphic>
           <a:graphicData uri="http://schemas.openxmlformats.org/presentationml/2006/ole">
             <mc:AlternateContent xmlns:mc="http://schemas.openxmlformats.org/markup-compatibility/2006">
               <mc:Choice xmlns:v="urn:schemas-microsoft-com:vml" Requires="v">
-                <p:oleObj spid="_x0000_s298046" name="Equation" r:id="rId4" imgW="914400" imgH="198720" progId="Equation.DSMT4">
+                <p:oleObj spid="_x0000_s1033" name="Equation" r:id="rId4" imgW="2298600" imgH="228600" progId="Equation.DSMT4">
                   <p:embed/>
                 </p:oleObj>
               </mc:Choice>
               <mc:Fallback>
-                <p:oleObj name="Equation" r:id="rId4" imgW="914400" imgH="198720" progId="Equation.DSMT4">
+                <p:oleObj name="Equation" r:id="rId4" imgW="2298600" imgH="228600" progId="Equation.DSMT4">
                   <p:embed/>
                   <p:pic>
                     <p:nvPicPr>
-                      <p:cNvPr id="0" name="Picture 2"/>
+                      <p:cNvPr id="0" name=""/>
                       <p:cNvPicPr>
                         <a:picLocks noChangeAspect="1" noChangeArrowheads="1"/>
                       </p:cNvPicPr>
@@ -3128,8 +5066,1090 @@
                     </p:blipFill>
                     <p:spPr bwMode="auto">
                       <a:xfrm>
-                        <a:off x="0" y="0"/>
+                        <a:off x="224743" y="3184358"/>
+                        <a:ext cx="8694513" cy="865356"/>
+                      </a:xfrm>
+                      <a:prstGeom prst="rect">
+                        <a:avLst/>
+                      </a:prstGeom>
+                      <a:noFill/>
+                      <a:extLst>
+                        <a:ext uri="{909E8E84-426E-40dd-AFC4-6F175D3DCCD1}">
+                          <a14:hiddenFill xmlns:a14="http://schemas.microsoft.com/office/drawing/2010/main">
+                            <a:solidFill>
+                              <a:srgbClr val="FFFFFF"/>
+                            </a:solidFill>
+                          </a14:hiddenFill>
+                        </a:ext>
+                      </a:extLst>
+                    </p:spPr>
+                  </p:pic>
+                </p:oleObj>
+              </mc:Fallback>
+            </mc:AlternateContent>
+          </a:graphicData>
+        </a:graphic>
+      </p:graphicFrame>
+      <p:sp>
+        <p:nvSpPr>
+          <p:cNvPr id="43011" name="Rectangle 3"/>
+          <p:cNvSpPr>
+            <a:spLocks noGrp="1" noChangeArrowheads="1"/>
+          </p:cNvSpPr>
+          <p:nvPr>
+            <p:ph type="body" sz="half" idx="1"/>
+          </p:nvPr>
+        </p:nvSpPr>
+        <p:spPr>
+          <a:xfrm>
+            <a:off x="214313" y="1433513"/>
+            <a:ext cx="8589962" cy="4462462"/>
+          </a:xfrm>
+        </p:spPr>
+        <p:txBody>
+          <a:bodyPr/>
+          <a:lstStyle/>
+          <a:p>
+            <a:pPr marL="0" indent="0"/>
+            <a:r>
+              <a:rPr lang="en-US" sz="4000" dirty="0">
+                <a:solidFill>
+                  <a:srgbClr val="008000"/>
+                </a:solidFill>
+              </a:rPr>
+              <a:t>Poet</a:t>
+            </a:r>
+            <a:r>
+              <a:rPr lang="en-US" sz="4000" dirty="0"/>
+              <a:t>:</a:t>
+            </a:r>
+          </a:p>
+          <a:p>
+            <a:pPr marL="0" indent="0"/>
+            <a:r>
+              <a:rPr lang="en-US" sz="4800" dirty="0"/>
+              <a:t>“All that glitters is not gold.”</a:t>
+            </a:r>
+          </a:p>
+        </p:txBody>
+      </p:sp>
+      <p:sp>
+        <p:nvSpPr>
+          <p:cNvPr id="43010" name="Rectangle 2"/>
+          <p:cNvSpPr>
+            <a:spLocks noGrp="1" noChangeArrowheads="1"/>
+          </p:cNvSpPr>
+          <p:nvPr>
+            <p:ph type="title"/>
+          </p:nvPr>
+        </p:nvSpPr>
+        <p:spPr/>
+        <p:txBody>
+          <a:bodyPr/>
+          <a:lstStyle/>
+          <a:p>
+            <a:r>
+              <a:rPr lang="en-US"/>
+              <a:t>Math vs. English</a:t>
+            </a:r>
+          </a:p>
+        </p:txBody>
+      </p:sp>
+      <p:sp>
+        <p:nvSpPr>
+          <p:cNvPr id="43016" name="Text Box 8"/>
+          <p:cNvSpPr txBox="1">
+            <a:spLocks noChangeArrowheads="1"/>
+          </p:cNvSpPr>
+          <p:nvPr/>
+        </p:nvSpPr>
+        <p:spPr bwMode="auto">
+          <a:xfrm>
+            <a:off x="1393324" y="4264025"/>
+            <a:ext cx="7643439" cy="1107996"/>
+          </a:xfrm>
+          <a:prstGeom prst="rect">
+            <a:avLst/>
+          </a:prstGeom>
+          <a:noFill/>
+          <a:ln w="9525">
+            <a:noFill/>
+            <a:miter lim="800000"/>
+            <a:headEnd/>
+            <a:tailEnd/>
+          </a:ln>
+          <a:effectLst/>
+        </p:spPr>
+        <p:txBody>
+          <a:bodyPr wrap="none">
+            <a:spAutoFit/>
+          </a:bodyPr>
+          <a:lstStyle/>
+          <a:p>
+            <a:r>
+              <a:rPr lang="en-US" sz="6600" dirty="0"/>
+              <a:t>:</a:t>
+            </a:r>
+            <a:r>
+              <a:rPr lang="en-US" sz="5400" dirty="0">
+                <a:latin typeface="Comic Sans MS" pitchFamily="66" charset="0"/>
+              </a:rPr>
+              <a:t>gold glitters like </a:t>
+            </a:r>
+            <a:r>
+              <a:rPr lang="en-US" sz="5400" dirty="0" smtClean="0">
+                <a:latin typeface="Comic Sans MS" pitchFamily="66" charset="0"/>
+              </a:rPr>
+              <a:t>gold!</a:t>
+            </a:r>
+            <a:endParaRPr lang="en-US" sz="5400" dirty="0">
+              <a:latin typeface="Comic Sans MS" pitchFamily="66" charset="0"/>
+            </a:endParaRPr>
+          </a:p>
+        </p:txBody>
+      </p:sp>
+      <p:sp>
+        <p:nvSpPr>
+          <p:cNvPr id="43022" name="AutoShape 14"/>
+          <p:cNvSpPr>
+            <a:spLocks noChangeAspect="1" noChangeArrowheads="1" noTextEdit="1"/>
+          </p:cNvSpPr>
+          <p:nvPr/>
+        </p:nvSpPr>
+        <p:spPr bwMode="auto">
+          <a:xfrm>
+            <a:off x="5711825" y="1889125"/>
+            <a:ext cx="1546225" cy="2219325"/>
+          </a:xfrm>
+          <a:prstGeom prst="rect">
+            <a:avLst/>
+          </a:prstGeom>
+          <a:noFill/>
+          <a:ln w="9525">
+            <a:noFill/>
+            <a:miter lim="800000"/>
+            <a:headEnd/>
+            <a:tailEnd/>
+          </a:ln>
+        </p:spPr>
+        <p:txBody>
+          <a:bodyPr/>
+          <a:lstStyle/>
+          <a:p>
+            <a:endParaRPr lang="en-US"/>
+          </a:p>
+        </p:txBody>
+      </p:sp>
+      <p:graphicFrame>
+        <p:nvGraphicFramePr>
+          <p:cNvPr id="43026" name="Object 18"/>
+          <p:cNvGraphicFramePr>
+            <a:graphicFrameLocks noChangeAspect="1"/>
+          </p:cNvGraphicFramePr>
+          <p:nvPr/>
+        </p:nvGraphicFramePr>
+        <p:xfrm>
+          <a:off x="3022600" y="2603500"/>
+          <a:ext cx="914400" cy="198438"/>
+        </p:xfrm>
+        <a:graphic>
+          <a:graphicData uri="http://schemas.openxmlformats.org/presentationml/2006/ole">
+            <mc:AlternateContent xmlns:mc="http://schemas.openxmlformats.org/markup-compatibility/2006">
+              <mc:Choice xmlns:v="urn:schemas-microsoft-com:vml" Requires="v">
+                <p:oleObj spid="_x0000_s1034" name="Equation" r:id="rId6" imgW="914400" imgH="198720" progId="Equation.DSMT4">
+                  <p:embed/>
+                </p:oleObj>
+              </mc:Choice>
+              <mc:Fallback>
+                <p:oleObj name="Equation" r:id="rId6" imgW="914400" imgH="198720" progId="Equation.DSMT4">
+                  <p:embed/>
+                  <p:pic>
+                    <p:nvPicPr>
+                      <p:cNvPr id="0" name=""/>
+                      <p:cNvPicPr>
+                        <a:picLocks noChangeAspect="1" noChangeArrowheads="1"/>
+                      </p:cNvPicPr>
+                      <p:nvPr/>
+                    </p:nvPicPr>
+                    <p:blipFill>
+                      <a:blip r:embed="rId7">
+                        <a:extLst>
+                          <a:ext uri="{28A0092B-C50C-407E-A947-70E740481C1C}">
+                            <a14:useLocalDpi xmlns:a14="http://schemas.microsoft.com/office/drawing/2010/main" val="0"/>
+                          </a:ext>
+                        </a:extLst>
+                      </a:blip>
+                      <a:srcRect/>
+                      <a:stretch>
+                        <a:fillRect/>
+                      </a:stretch>
+                    </p:blipFill>
+                    <p:spPr bwMode="auto">
+                      <a:xfrm>
+                        <a:off x="3022600" y="2603500"/>
                         <a:ext cx="914400" cy="198438"/>
+                      </a:xfrm>
+                      <a:prstGeom prst="rect">
+                        <a:avLst/>
+                      </a:prstGeom>
+                      <a:noFill/>
+                      <a:extLst>
+                        <a:ext uri="{909E8E84-426E-40dd-AFC4-6F175D3DCCD1}">
+                          <a14:hiddenFill xmlns:a14="http://schemas.microsoft.com/office/drawing/2010/main">
+                            <a:solidFill>
+                              <a:srgbClr val="FFFFFF"/>
+                            </a:solidFill>
+                          </a14:hiddenFill>
+                        </a:ext>
+                      </a:extLst>
+                    </p:spPr>
+                  </p:pic>
+                </p:oleObj>
+              </mc:Fallback>
+            </mc:AlternateContent>
+          </a:graphicData>
+        </a:graphic>
+      </p:graphicFrame>
+      <p:sp>
+        <p:nvSpPr>
+          <p:cNvPr id="43029" name="Text Box 21"/>
+          <p:cNvSpPr txBox="1">
+            <a:spLocks noChangeArrowheads="1"/>
+          </p:cNvSpPr>
+          <p:nvPr/>
+        </p:nvSpPr>
+        <p:spPr bwMode="auto">
+          <a:xfrm>
+            <a:off x="273045" y="4278313"/>
+            <a:ext cx="1305165" cy="1107996"/>
+          </a:xfrm>
+          <a:prstGeom prst="rect">
+            <a:avLst/>
+          </a:prstGeom>
+          <a:noFill/>
+          <a:ln w="9525">
+            <a:noFill/>
+            <a:miter lim="800000"/>
+            <a:headEnd/>
+            <a:tailEnd/>
+          </a:ln>
+          <a:effectLst/>
+        </p:spPr>
+        <p:txBody>
+          <a:bodyPr wrap="none">
+            <a:spAutoFit/>
+          </a:bodyPr>
+          <a:lstStyle/>
+          <a:p>
+            <a:r>
+              <a:rPr lang="en-US" sz="6600" dirty="0" smtClean="0">
+                <a:solidFill>
+                  <a:srgbClr val="CC0000"/>
+                </a:solidFill>
+                <a:latin typeface="Comic Sans MS" pitchFamily="66" charset="0"/>
+              </a:rPr>
+              <a:t>No</a:t>
+            </a:r>
+            <a:endParaRPr lang="en-US" sz="6600" dirty="0">
+              <a:solidFill>
+                <a:srgbClr val="CC0000"/>
+              </a:solidFill>
+              <a:latin typeface="Comic Sans MS" pitchFamily="66" charset="0"/>
+            </a:endParaRPr>
+          </a:p>
+        </p:txBody>
+      </p:sp>
+      <p:sp>
+        <p:nvSpPr>
+          <p:cNvPr id="43030" name="Line 22"/>
+          <p:cNvSpPr>
+            <a:spLocks noChangeShapeType="1"/>
+          </p:cNvSpPr>
+          <p:nvPr/>
+        </p:nvSpPr>
+        <p:spPr bwMode="auto">
+          <a:xfrm>
+            <a:off x="240632" y="3296653"/>
+            <a:ext cx="8662736" cy="513347"/>
+          </a:xfrm>
+          <a:prstGeom prst="line">
+            <a:avLst/>
+          </a:prstGeom>
+          <a:noFill/>
+          <a:ln w="50800">
+            <a:solidFill>
+              <a:srgbClr val="CC0000"/>
+            </a:solidFill>
+            <a:prstDash val="dash"/>
+            <a:round/>
+            <a:headEnd/>
+            <a:tailEnd/>
+          </a:ln>
+          <a:effectLst/>
+        </p:spPr>
+        <p:txBody>
+          <a:bodyPr/>
+          <a:lstStyle/>
+          <a:p>
+            <a:endParaRPr lang="en-US"/>
+          </a:p>
+        </p:txBody>
+      </p:sp>
+      <p:graphicFrame>
+        <p:nvGraphicFramePr>
+          <p:cNvPr id="3" name="Object 2"/>
+          <p:cNvGraphicFramePr>
+            <a:graphicFrameLocks noChangeAspect="1"/>
+          </p:cNvGraphicFramePr>
+          <p:nvPr>
+            <p:extLst>
+              <p:ext uri="{D42A27DB-BD31-4B8C-83A1-F6EECF244321}">
+                <p14:modId xmlns:p14="http://schemas.microsoft.com/office/powerpoint/2010/main" val="1022470058"/>
+              </p:ext>
+            </p:extLst>
+          </p:nvPr>
+        </p:nvGraphicFramePr>
+        <p:xfrm>
+          <a:off x="2738445" y="1210849"/>
+          <a:ext cx="2527357" cy="2764552"/>
+        </p:xfrm>
+        <a:graphic>
+          <a:graphicData uri="http://schemas.openxmlformats.org/presentationml/2006/ole">
+            <mc:AlternateContent xmlns:mc="http://schemas.openxmlformats.org/markup-compatibility/2006">
+              <mc:Choice xmlns:v="urn:schemas-microsoft-com:vml" Requires="v">
+                <p:oleObj spid="_x0000_s1035" name="Equation" r:id="rId8" imgW="406400" imgH="444500" progId="Equation.DSMT4">
+                  <p:embed/>
+                </p:oleObj>
+              </mc:Choice>
+              <mc:Fallback>
+                <p:oleObj name="Equation" r:id="rId8" imgW="406400" imgH="444500" progId="Equation.DSMT4">
+                  <p:embed/>
+                  <p:pic>
+                    <p:nvPicPr>
+                      <p:cNvPr id="0" name=""/>
+                      <p:cNvPicPr/>
+                      <p:nvPr/>
+                    </p:nvPicPr>
+                    <p:blipFill>
+                      <a:blip r:embed="rId9"/>
+                      <a:stretch>
+                        <a:fillRect/>
+                      </a:stretch>
+                    </p:blipFill>
+                    <p:spPr>
+                      <a:xfrm>
+                        <a:off x="2738445" y="1210849"/>
+                        <a:ext cx="2527357" cy="2764552"/>
+                      </a:xfrm>
+                      <a:prstGeom prst="rect">
+                        <a:avLst/>
+                      </a:prstGeom>
+                    </p:spPr>
+                  </p:pic>
+                </p:oleObj>
+              </mc:Fallback>
+            </mc:AlternateContent>
+          </a:graphicData>
+        </a:graphic>
+      </p:graphicFrame>
+      <p:graphicFrame>
+        <p:nvGraphicFramePr>
+          <p:cNvPr id="14" name="Object 13"/>
+          <p:cNvGraphicFramePr>
+            <a:graphicFrameLocks noChangeAspect="1"/>
+          </p:cNvGraphicFramePr>
+          <p:nvPr>
+            <p:extLst>
+              <p:ext uri="{D42A27DB-BD31-4B8C-83A1-F6EECF244321}">
+                <p14:modId xmlns:p14="http://schemas.microsoft.com/office/powerpoint/2010/main" val="2558130801"/>
+              </p:ext>
+            </p:extLst>
+          </p:nvPr>
+        </p:nvGraphicFramePr>
+        <p:xfrm>
+          <a:off x="6799641" y="1242380"/>
+          <a:ext cx="1738313" cy="2765425"/>
+        </p:xfrm>
+        <a:graphic>
+          <a:graphicData uri="http://schemas.openxmlformats.org/presentationml/2006/ole">
+            <mc:AlternateContent xmlns:mc="http://schemas.openxmlformats.org/markup-compatibility/2006">
+              <mc:Choice xmlns:v="urn:schemas-microsoft-com:vml" Requires="v">
+                <p:oleObj spid="_x0000_s1036" name="Equation" r:id="rId10" imgW="279400" imgH="444500" progId="Equation.3">
+                  <p:embed/>
+                </p:oleObj>
+              </mc:Choice>
+              <mc:Fallback>
+                <p:oleObj name="Equation" r:id="rId10" imgW="279400" imgH="444500" progId="Equation.3">
+                  <p:embed/>
+                  <p:pic>
+                    <p:nvPicPr>
+                      <p:cNvPr id="0" name=""/>
+                      <p:cNvPicPr/>
+                      <p:nvPr/>
+                    </p:nvPicPr>
+                    <p:blipFill>
+                      <a:blip r:embed="rId11"/>
+                      <a:stretch>
+                        <a:fillRect/>
+                      </a:stretch>
+                    </p:blipFill>
+                    <p:spPr>
+                      <a:xfrm>
+                        <a:off x="6799641" y="1242380"/>
+                        <a:ext cx="1738313" cy="2765425"/>
+                      </a:xfrm>
+                      <a:prstGeom prst="rect">
+                        <a:avLst/>
+                      </a:prstGeom>
+                    </p:spPr>
+                  </p:pic>
+                </p:oleObj>
+              </mc:Fallback>
+            </mc:AlternateContent>
+          </a:graphicData>
+        </a:graphic>
+      </p:graphicFrame>
+    </p:spTree>
+    <p:extLst>
+      <p:ext uri="{BB962C8B-B14F-4D97-AF65-F5344CB8AC3E}">
+        <p14:creationId xmlns:p14="http://schemas.microsoft.com/office/powerpoint/2010/main" val="727432"/>
+      </p:ext>
+    </p:extLst>
+  </p:cSld>
+  <p:clrMapOvr>
+    <a:masterClrMapping/>
+  </p:clrMapOvr>
+  <p:transition xmlns:p14="http://schemas.microsoft.com/office/powerpoint/2010/main" spd="slow">
+    <p:fade thruBlk="1"/>
+  </p:transition>
+  <p:timing>
+    <p:tnLst>
+      <p:par>
+        <p:cTn xmlns:p14="http://schemas.microsoft.com/office/powerpoint/2010/main" id="1" dur="indefinite" restart="never" nodeType="tmRoot">
+          <p:childTnLst>
+            <p:seq concurrent="1" nextAc="seek">
+              <p:cTn id="2" dur="indefinite" nodeType="mainSeq">
+                <p:childTnLst>
+                  <p:par>
+                    <p:cTn id="3" fill="hold">
+                      <p:stCondLst>
+                        <p:cond delay="indefinite"/>
+                      </p:stCondLst>
+                      <p:childTnLst>
+                        <p:par>
+                          <p:cTn id="4" fill="hold">
+                            <p:stCondLst>
+                              <p:cond delay="0"/>
+                            </p:stCondLst>
+                            <p:childTnLst>
+                              <p:par>
+                                <p:cTn id="5" presetID="9" presetClass="entr" presetSubtype="0" fill="hold" nodeType="clickEffect">
+                                  <p:stCondLst>
+                                    <p:cond delay="0"/>
+                                  </p:stCondLst>
+                                  <p:childTnLst>
+                                    <p:set>
+                                      <p:cBhvr>
+                                        <p:cTn id="6" dur="1" fill="hold">
+                                          <p:stCondLst>
+                                            <p:cond delay="0"/>
+                                          </p:stCondLst>
+                                        </p:cTn>
+                                        <p:tgtEl>
+                                          <p:spTgt spid="3"/>
+                                        </p:tgtEl>
+                                        <p:attrNameLst>
+                                          <p:attrName>style.visibility</p:attrName>
+                                        </p:attrNameLst>
+                                      </p:cBhvr>
+                                      <p:to>
+                                        <p:strVal val="visible"/>
+                                      </p:to>
+                                    </p:set>
+                                    <p:animEffect transition="in" filter="dissolve">
+                                      <p:cBhvr>
+                                        <p:cTn id="7" dur="500"/>
+                                        <p:tgtEl>
+                                          <p:spTgt spid="3"/>
+                                        </p:tgtEl>
+                                      </p:cBhvr>
+                                    </p:animEffect>
+                                  </p:childTnLst>
+                                </p:cTn>
+                              </p:par>
+                            </p:childTnLst>
+                          </p:cTn>
+                        </p:par>
+                      </p:childTnLst>
+                    </p:cTn>
+                  </p:par>
+                  <p:par>
+                    <p:cTn id="8" fill="hold">
+                      <p:stCondLst>
+                        <p:cond delay="indefinite"/>
+                      </p:stCondLst>
+                      <p:childTnLst>
+                        <p:par>
+                          <p:cTn id="9" fill="hold">
+                            <p:stCondLst>
+                              <p:cond delay="0"/>
+                            </p:stCondLst>
+                            <p:childTnLst>
+                              <p:par>
+                                <p:cTn id="10" presetID="9" presetClass="entr" presetSubtype="0" fill="hold" nodeType="clickEffect">
+                                  <p:stCondLst>
+                                    <p:cond delay="0"/>
+                                  </p:stCondLst>
+                                  <p:childTnLst>
+                                    <p:set>
+                                      <p:cBhvr>
+                                        <p:cTn id="11" dur="1" fill="hold">
+                                          <p:stCondLst>
+                                            <p:cond delay="0"/>
+                                          </p:stCondLst>
+                                        </p:cTn>
+                                        <p:tgtEl>
+                                          <p:spTgt spid="14"/>
+                                        </p:tgtEl>
+                                        <p:attrNameLst>
+                                          <p:attrName>style.visibility</p:attrName>
+                                        </p:attrNameLst>
+                                      </p:cBhvr>
+                                      <p:to>
+                                        <p:strVal val="visible"/>
+                                      </p:to>
+                                    </p:set>
+                                    <p:animEffect transition="in" filter="dissolve">
+                                      <p:cBhvr>
+                                        <p:cTn id="12" dur="500"/>
+                                        <p:tgtEl>
+                                          <p:spTgt spid="14"/>
+                                        </p:tgtEl>
+                                      </p:cBhvr>
+                                    </p:animEffect>
+                                  </p:childTnLst>
+                                </p:cTn>
+                              </p:par>
+                            </p:childTnLst>
+                          </p:cTn>
+                        </p:par>
+                      </p:childTnLst>
+                    </p:cTn>
+                  </p:par>
+                  <p:par>
+                    <p:cTn id="13" fill="hold">
+                      <p:stCondLst>
+                        <p:cond delay="indefinite"/>
+                      </p:stCondLst>
+                      <p:childTnLst>
+                        <p:par>
+                          <p:cTn id="14" fill="hold">
+                            <p:stCondLst>
+                              <p:cond delay="0"/>
+                            </p:stCondLst>
+                            <p:childTnLst>
+                              <p:par>
+                                <p:cTn id="15" presetID="9" presetClass="entr" presetSubtype="0" fill="hold" nodeType="clickEffect">
+                                  <p:stCondLst>
+                                    <p:cond delay="0"/>
+                                  </p:stCondLst>
+                                  <p:childTnLst>
+                                    <p:set>
+                                      <p:cBhvr>
+                                        <p:cTn id="16" dur="1" fill="hold">
+                                          <p:stCondLst>
+                                            <p:cond delay="0"/>
+                                          </p:stCondLst>
+                                        </p:cTn>
+                                        <p:tgtEl>
+                                          <p:spTgt spid="17"/>
+                                        </p:tgtEl>
+                                        <p:attrNameLst>
+                                          <p:attrName>style.visibility</p:attrName>
+                                        </p:attrNameLst>
+                                      </p:cBhvr>
+                                      <p:to>
+                                        <p:strVal val="visible"/>
+                                      </p:to>
+                                    </p:set>
+                                    <p:animEffect transition="in" filter="dissolve">
+                                      <p:cBhvr>
+                                        <p:cTn id="17" dur="500"/>
+                                        <p:tgtEl>
+                                          <p:spTgt spid="17"/>
+                                        </p:tgtEl>
+                                      </p:cBhvr>
+                                    </p:animEffect>
+                                  </p:childTnLst>
+                                </p:cTn>
+                              </p:par>
+                            </p:childTnLst>
+                          </p:cTn>
+                        </p:par>
+                      </p:childTnLst>
+                    </p:cTn>
+                  </p:par>
+                  <p:par>
+                    <p:cTn id="18" fill="hold">
+                      <p:stCondLst>
+                        <p:cond delay="indefinite"/>
+                      </p:stCondLst>
+                      <p:childTnLst>
+                        <p:par>
+                          <p:cTn id="19" fill="hold">
+                            <p:stCondLst>
+                              <p:cond delay="0"/>
+                            </p:stCondLst>
+                            <p:childTnLst>
+                              <p:par>
+                                <p:cTn id="20" presetID="9" presetClass="entr" presetSubtype="0" fill="hold" grpId="0" nodeType="clickEffect">
+                                  <p:stCondLst>
+                                    <p:cond delay="0"/>
+                                  </p:stCondLst>
+                                  <p:childTnLst>
+                                    <p:set>
+                                      <p:cBhvr>
+                                        <p:cTn id="21" dur="1" fill="hold">
+                                          <p:stCondLst>
+                                            <p:cond delay="0"/>
+                                          </p:stCondLst>
+                                        </p:cTn>
+                                        <p:tgtEl>
+                                          <p:spTgt spid="43029"/>
+                                        </p:tgtEl>
+                                        <p:attrNameLst>
+                                          <p:attrName>style.visibility</p:attrName>
+                                        </p:attrNameLst>
+                                      </p:cBhvr>
+                                      <p:to>
+                                        <p:strVal val="visible"/>
+                                      </p:to>
+                                    </p:set>
+                                    <p:animEffect transition="in" filter="dissolve">
+                                      <p:cBhvr>
+                                        <p:cTn id="22" dur="500"/>
+                                        <p:tgtEl>
+                                          <p:spTgt spid="43029"/>
+                                        </p:tgtEl>
+                                      </p:cBhvr>
+                                    </p:animEffect>
+                                  </p:childTnLst>
+                                </p:cTn>
+                              </p:par>
+                            </p:childTnLst>
+                          </p:cTn>
+                        </p:par>
+                      </p:childTnLst>
+                    </p:cTn>
+                  </p:par>
+                  <p:par>
+                    <p:cTn id="23" fill="hold">
+                      <p:stCondLst>
+                        <p:cond delay="indefinite"/>
+                      </p:stCondLst>
+                      <p:childTnLst>
+                        <p:par>
+                          <p:cTn id="24" fill="hold">
+                            <p:stCondLst>
+                              <p:cond delay="0"/>
+                            </p:stCondLst>
+                            <p:childTnLst>
+                              <p:par>
+                                <p:cTn id="25" presetID="22" presetClass="entr" presetSubtype="8" fill="hold" grpId="0" nodeType="clickEffect">
+                                  <p:stCondLst>
+                                    <p:cond delay="0"/>
+                                  </p:stCondLst>
+                                  <p:childTnLst>
+                                    <p:set>
+                                      <p:cBhvr>
+                                        <p:cTn id="26" dur="1" fill="hold">
+                                          <p:stCondLst>
+                                            <p:cond delay="0"/>
+                                          </p:stCondLst>
+                                        </p:cTn>
+                                        <p:tgtEl>
+                                          <p:spTgt spid="43016"/>
+                                        </p:tgtEl>
+                                        <p:attrNameLst>
+                                          <p:attrName>style.visibility</p:attrName>
+                                        </p:attrNameLst>
+                                      </p:cBhvr>
+                                      <p:to>
+                                        <p:strVal val="visible"/>
+                                      </p:to>
+                                    </p:set>
+                                    <p:animEffect transition="in" filter="wipe(left)">
+                                      <p:cBhvr>
+                                        <p:cTn id="27" dur="500"/>
+                                        <p:tgtEl>
+                                          <p:spTgt spid="43016"/>
+                                        </p:tgtEl>
+                                      </p:cBhvr>
+                                    </p:animEffect>
+                                  </p:childTnLst>
+                                </p:cTn>
+                              </p:par>
+                            </p:childTnLst>
+                          </p:cTn>
+                        </p:par>
+                        <p:par>
+                          <p:cTn id="28" fill="hold">
+                            <p:stCondLst>
+                              <p:cond delay="500"/>
+                            </p:stCondLst>
+                            <p:childTnLst>
+                              <p:par>
+                                <p:cTn id="29" presetID="22" presetClass="entr" presetSubtype="8" fill="hold" grpId="0" nodeType="afterEffect">
+                                  <p:stCondLst>
+                                    <p:cond delay="500"/>
+                                  </p:stCondLst>
+                                  <p:childTnLst>
+                                    <p:set>
+                                      <p:cBhvr>
+                                        <p:cTn id="30" dur="1" fill="hold">
+                                          <p:stCondLst>
+                                            <p:cond delay="0"/>
+                                          </p:stCondLst>
+                                        </p:cTn>
+                                        <p:tgtEl>
+                                          <p:spTgt spid="43030"/>
+                                        </p:tgtEl>
+                                        <p:attrNameLst>
+                                          <p:attrName>style.visibility</p:attrName>
+                                        </p:attrNameLst>
+                                      </p:cBhvr>
+                                      <p:to>
+                                        <p:strVal val="visible"/>
+                                      </p:to>
+                                    </p:set>
+                                    <p:animEffect transition="in" filter="wipe(left)">
+                                      <p:cBhvr>
+                                        <p:cTn id="31" dur="1000"/>
+                                        <p:tgtEl>
+                                          <p:spTgt spid="43030"/>
+                                        </p:tgtEl>
+                                      </p:cBhvr>
+                                    </p:animEffect>
+                                  </p:childTnLst>
+                                </p:cTn>
+                              </p:par>
+                            </p:childTnLst>
+                          </p:cTn>
+                        </p:par>
+                      </p:childTnLst>
+                    </p:cTn>
+                  </p:par>
+                </p:childTnLst>
+              </p:cTn>
+              <p:prevCondLst>
+                <p:cond evt="onPrev" delay="0">
+                  <p:tgtEl>
+                    <p:sldTgt/>
+                  </p:tgtEl>
+                </p:cond>
+              </p:prevCondLst>
+              <p:nextCondLst>
+                <p:cond evt="onNext" delay="0">
+                  <p:tgtEl>
+                    <p:sldTgt/>
+                  </p:tgtEl>
+                </p:cond>
+              </p:nextCondLst>
+            </p:seq>
+          </p:childTnLst>
+        </p:cTn>
+      </p:par>
+    </p:tnLst>
+    <p:bldLst>
+      <p:bldP spid="43016" grpId="0"/>
+      <p:bldP spid="43029" grpId="0"/>
+      <p:bldP spid="43030" grpId="0" animBg="1"/>
+    </p:bldLst>
+  </p:timing>
+</p:sld>
+</file>
+
+<file path=ppt/slides/slide3.xml><?xml version="1.0" encoding="utf-8"?>
+<p:sld xmlns:a="http://schemas.openxmlformats.org/drawingml/2006/main" xmlns:r="http://schemas.openxmlformats.org/officeDocument/2006/relationships" xmlns:p="http://schemas.openxmlformats.org/presentationml/2006/main">
+  <p:cSld>
+    <p:spTree>
+      <p:nvGrpSpPr>
+        <p:cNvPr id="1" name=""/>
+        <p:cNvGrpSpPr/>
+        <p:nvPr/>
+      </p:nvGrpSpPr>
+      <p:grpSpPr>
+        <a:xfrm>
+          <a:off x="0" y="0"/>
+          <a:ext cx="0" cy="0"/>
+          <a:chOff x="0" y="0"/>
+          <a:chExt cx="0" cy="0"/>
+        </a:xfrm>
+      </p:grpSpPr>
+      <p:sp>
+        <p:nvSpPr>
+          <p:cNvPr id="43011" name="Rectangle 3"/>
+          <p:cNvSpPr>
+            <a:spLocks noGrp="1" noChangeArrowheads="1"/>
+          </p:cNvSpPr>
+          <p:nvPr>
+            <p:ph type="body" sz="half" idx="1"/>
+          </p:nvPr>
+        </p:nvSpPr>
+        <p:spPr>
+          <a:xfrm>
+            <a:off x="214313" y="1433513"/>
+            <a:ext cx="8589962" cy="4462462"/>
+          </a:xfrm>
+        </p:spPr>
+        <p:txBody>
+          <a:bodyPr/>
+          <a:lstStyle/>
+          <a:p>
+            <a:pPr marL="0" indent="0"/>
+            <a:r>
+              <a:rPr lang="en-US" sz="4000" dirty="0">
+                <a:solidFill>
+                  <a:srgbClr val="008000"/>
+                </a:solidFill>
+              </a:rPr>
+              <a:t>Poet</a:t>
+            </a:r>
+            <a:r>
+              <a:rPr lang="en-US" sz="4000" dirty="0"/>
+              <a:t>:</a:t>
+            </a:r>
+          </a:p>
+          <a:p>
+            <a:pPr marL="0" indent="0"/>
+            <a:r>
+              <a:rPr lang="en-US" sz="4800" dirty="0"/>
+              <a:t>“All that glitters is not gold.”</a:t>
+            </a:r>
+          </a:p>
+        </p:txBody>
+      </p:sp>
+      <p:sp>
+        <p:nvSpPr>
+          <p:cNvPr id="43010" name="Rectangle 2"/>
+          <p:cNvSpPr>
+            <a:spLocks noGrp="1" noChangeArrowheads="1"/>
+          </p:cNvSpPr>
+          <p:nvPr>
+            <p:ph type="title"/>
+          </p:nvPr>
+        </p:nvSpPr>
+        <p:spPr/>
+        <p:txBody>
+          <a:bodyPr/>
+          <a:lstStyle/>
+          <a:p>
+            <a:r>
+              <a:rPr lang="en-US" dirty="0"/>
+              <a:t>Math vs. English</a:t>
+            </a:r>
+          </a:p>
+        </p:txBody>
+      </p:sp>
+      <p:sp>
+        <p:nvSpPr>
+          <p:cNvPr id="43022" name="AutoShape 14"/>
+          <p:cNvSpPr>
+            <a:spLocks noChangeAspect="1" noChangeArrowheads="1" noTextEdit="1"/>
+          </p:cNvSpPr>
+          <p:nvPr/>
+        </p:nvSpPr>
+        <p:spPr bwMode="auto">
+          <a:xfrm>
+            <a:off x="5711825" y="1889125"/>
+            <a:ext cx="1546225" cy="2219325"/>
+          </a:xfrm>
+          <a:prstGeom prst="rect">
+            <a:avLst/>
+          </a:prstGeom>
+          <a:noFill/>
+          <a:ln w="9525">
+            <a:noFill/>
+            <a:miter lim="800000"/>
+            <a:headEnd/>
+            <a:tailEnd/>
+          </a:ln>
+        </p:spPr>
+        <p:txBody>
+          <a:bodyPr/>
+          <a:lstStyle/>
+          <a:p>
+            <a:endParaRPr lang="en-US"/>
+          </a:p>
+        </p:txBody>
+      </p:sp>
+      <p:graphicFrame>
+        <p:nvGraphicFramePr>
+          <p:cNvPr id="43026" name="Object 18"/>
+          <p:cNvGraphicFramePr>
+            <a:graphicFrameLocks noChangeAspect="1"/>
+          </p:cNvGraphicFramePr>
+          <p:nvPr/>
+        </p:nvGraphicFramePr>
+        <p:xfrm>
+          <a:off x="3022600" y="2603500"/>
+          <a:ext cx="914400" cy="198438"/>
+        </p:xfrm>
+        <a:graphic>
+          <a:graphicData uri="http://schemas.openxmlformats.org/presentationml/2006/ole">
+            <mc:AlternateContent xmlns:mc="http://schemas.openxmlformats.org/markup-compatibility/2006">
+              <mc:Choice xmlns:v="urn:schemas-microsoft-com:vml" Requires="v">
+                <p:oleObj spid="_x0000_s299015" name="Equation" r:id="rId4" imgW="914400" imgH="198720" progId="Equation.DSMT4">
+                  <p:embed/>
+                </p:oleObj>
+              </mc:Choice>
+              <mc:Fallback>
+                <p:oleObj name="Equation" r:id="rId4" imgW="914400" imgH="198720" progId="Equation.DSMT4">
+                  <p:embed/>
+                  <p:pic>
+                    <p:nvPicPr>
+                      <p:cNvPr id="0" name=""/>
+                      <p:cNvPicPr>
+                        <a:picLocks noChangeAspect="1" noChangeArrowheads="1"/>
+                      </p:cNvPicPr>
+                      <p:nvPr/>
+                    </p:nvPicPr>
+                    <p:blipFill>
+                      <a:blip r:embed="rId5">
+                        <a:extLst>
+                          <a:ext uri="{28A0092B-C50C-407E-A947-70E740481C1C}">
+                            <a14:useLocalDpi xmlns:a14="http://schemas.microsoft.com/office/drawing/2010/main" val="0"/>
+                          </a:ext>
+                        </a:extLst>
+                      </a:blip>
+                      <a:srcRect/>
+                      <a:stretch>
+                        <a:fillRect/>
+                      </a:stretch>
+                    </p:blipFill>
+                    <p:spPr bwMode="auto">
+                      <a:xfrm>
+                        <a:off x="3022600" y="2603500"/>
+                        <a:ext cx="914400" cy="198438"/>
+                      </a:xfrm>
+                      <a:prstGeom prst="rect">
+                        <a:avLst/>
+                      </a:prstGeom>
+                      <a:noFill/>
+                      <a:extLst>
+                        <a:ext uri="{909E8E84-426E-40dd-AFC4-6F175D3DCCD1}">
+                          <a14:hiddenFill xmlns:a14="http://schemas.microsoft.com/office/drawing/2010/main">
+                            <a:solidFill>
+                              <a:srgbClr val="FFFFFF"/>
+                            </a:solidFill>
+                          </a14:hiddenFill>
+                        </a:ext>
+                      </a:extLst>
+                    </p:spPr>
+                  </p:pic>
+                </p:oleObj>
+              </mc:Fallback>
+            </mc:AlternateContent>
+          </a:graphicData>
+        </a:graphic>
+      </p:graphicFrame>
+      <p:sp>
+        <p:nvSpPr>
+          <p:cNvPr id="19" name="Text Box 13"/>
+          <p:cNvSpPr txBox="1">
+            <a:spLocks noChangeArrowheads="1"/>
+          </p:cNvSpPr>
+          <p:nvPr/>
+        </p:nvSpPr>
+        <p:spPr bwMode="auto">
+          <a:xfrm>
+            <a:off x="2033484" y="4784725"/>
+            <a:ext cx="5077031" cy="923330"/>
+          </a:xfrm>
+          <a:prstGeom prst="rect">
+            <a:avLst/>
+          </a:prstGeom>
+          <a:noFill/>
+          <a:ln w="9525">
+            <a:noFill/>
+            <a:miter lim="800000"/>
+            <a:headEnd/>
+            <a:tailEnd/>
+          </a:ln>
+          <a:effectLst/>
+        </p:spPr>
+        <p:txBody>
+          <a:bodyPr wrap="none">
+            <a:spAutoFit/>
+          </a:bodyPr>
+          <a:lstStyle/>
+          <a:p>
+            <a:r>
+              <a:rPr lang="en-US" sz="5400" dirty="0">
+                <a:solidFill>
+                  <a:srgbClr val="CC00CC"/>
+                </a:solidFill>
+                <a:latin typeface="Comic Sans MS" pitchFamily="66" charset="0"/>
+              </a:rPr>
+              <a:t>(Poetic license)</a:t>
+            </a:r>
+          </a:p>
+        </p:txBody>
+      </p:sp>
+      <p:graphicFrame>
+        <p:nvGraphicFramePr>
+          <p:cNvPr id="407556" name="Object 4"/>
+          <p:cNvGraphicFramePr>
+            <a:graphicFrameLocks noChangeAspect="1"/>
+          </p:cNvGraphicFramePr>
+          <p:nvPr>
+            <p:extLst>
+              <p:ext uri="{D42A27DB-BD31-4B8C-83A1-F6EECF244321}">
+                <p14:modId xmlns:p14="http://schemas.microsoft.com/office/powerpoint/2010/main" val="678402422"/>
+              </p:ext>
+            </p:extLst>
+          </p:nvPr>
+        </p:nvGraphicFramePr>
+        <p:xfrm>
+          <a:off x="280193" y="3244850"/>
+          <a:ext cx="8583613" cy="873125"/>
+        </p:xfrm>
+        <a:graphic>
+          <a:graphicData uri="http://schemas.openxmlformats.org/presentationml/2006/ole">
+            <mc:AlternateContent xmlns:mc="http://schemas.openxmlformats.org/markup-compatibility/2006">
+              <mc:Choice xmlns:v="urn:schemas-microsoft-com:vml" Requires="v">
+                <p:oleObj spid="_x0000_s299016" name="Equation" r:id="rId6" imgW="2247840" imgH="228600" progId="Equation.DSMT4">
+                  <p:embed/>
+                </p:oleObj>
+              </mc:Choice>
+              <mc:Fallback>
+                <p:oleObj name="Equation" r:id="rId6" imgW="2247840" imgH="228600" progId="Equation.DSMT4">
+                  <p:embed/>
+                  <p:pic>
+                    <p:nvPicPr>
+                      <p:cNvPr id="0" name=""/>
+                      <p:cNvPicPr>
+                        <a:picLocks noChangeAspect="1" noChangeArrowheads="1"/>
+                      </p:cNvPicPr>
+                      <p:nvPr/>
+                    </p:nvPicPr>
+                    <p:blipFill>
+                      <a:blip r:embed="rId7">
+                        <a:extLst>
+                          <a:ext uri="{28A0092B-C50C-407E-A947-70E740481C1C}">
+                            <a14:useLocalDpi xmlns:a14="http://schemas.microsoft.com/office/drawing/2010/main" val="0"/>
+                          </a:ext>
+                        </a:extLst>
+                      </a:blip>
+                      <a:srcRect/>
+                      <a:stretch>
+                        <a:fillRect/>
+                      </a:stretch>
+                    </p:blipFill>
+                    <p:spPr bwMode="auto">
+                      <a:xfrm>
+                        <a:off x="280193" y="3244850"/>
+                        <a:ext cx="8583613" cy="873125"/>
                       </a:xfrm>
                       <a:prstGeom prst="rect">
                         <a:avLst/>
@@ -3154,43 +6174,402 @@
       </p:graphicFrame>
       <p:graphicFrame>
         <p:nvGraphicFramePr>
-          <p:cNvPr id="6" name="Object 5"/>
+          <p:cNvPr id="2" name="Object 1"/>
           <p:cNvGraphicFramePr>
             <a:graphicFrameLocks noChangeAspect="1"/>
           </p:cNvGraphicFramePr>
           <p:nvPr>
             <p:extLst>
               <p:ext uri="{D42A27DB-BD31-4B8C-83A1-F6EECF244321}">
-                <p14:modId xmlns:p14="http://schemas.microsoft.com/office/powerpoint/2010/main" val="2803755247"/>
+                <p14:modId xmlns:p14="http://schemas.microsoft.com/office/powerpoint/2010/main" val="4273251532"/>
               </p:ext>
             </p:extLst>
           </p:nvPr>
         </p:nvGraphicFramePr>
         <p:xfrm>
-          <a:off x="319088" y="3427413"/>
-          <a:ext cx="8507412" cy="855662"/>
+          <a:off x="5771503" y="1528818"/>
+          <a:ext cx="2416089" cy="1338142"/>
         </p:xfrm>
         <a:graphic>
           <a:graphicData uri="http://schemas.openxmlformats.org/presentationml/2006/ole">
             <mc:AlternateContent xmlns:mc="http://schemas.openxmlformats.org/markup-compatibility/2006">
               <mc:Choice xmlns:v="urn:schemas-microsoft-com:vml" Requires="v">
-                <p:oleObj spid="_x0000_s298047" name="Equation" r:id="rId6" imgW="2146300" imgH="215900" progId="Equation.DSMT4">
+                <p:oleObj spid="_x0000_s299017" name="Equation" r:id="rId8" imgW="825500" imgH="457200" progId="Equation.3">
                   <p:embed/>
                 </p:oleObj>
               </mc:Choice>
               <mc:Fallback>
-                <p:oleObj name="Equation" r:id="rId6" imgW="2146300" imgH="215900" progId="Equation.DSMT4">
+                <p:oleObj name="Equation" r:id="rId8" imgW="825500" imgH="457200" progId="Equation.3">
                   <p:embed/>
                   <p:pic>
                     <p:nvPicPr>
-                      <p:cNvPr id="0" name="Picture 5"/>
+                      <p:cNvPr id="0" name=""/>
+                      <p:cNvPicPr/>
+                      <p:nvPr/>
+                    </p:nvPicPr>
+                    <p:blipFill>
+                      <a:blip r:embed="rId9"/>
+                      <a:stretch>
+                        <a:fillRect/>
+                      </a:stretch>
+                    </p:blipFill>
+                    <p:spPr>
+                      <a:xfrm>
+                        <a:off x="5771503" y="1528818"/>
+                        <a:ext cx="2416089" cy="1338142"/>
+                      </a:xfrm>
+                      <a:prstGeom prst="rect">
+                        <a:avLst/>
+                      </a:prstGeom>
+                    </p:spPr>
+                  </p:pic>
+                </p:oleObj>
+              </mc:Fallback>
+            </mc:AlternateContent>
+          </a:graphicData>
+        </a:graphic>
+      </p:graphicFrame>
+    </p:spTree>
+    <p:extLst>
+      <p:ext uri="{BB962C8B-B14F-4D97-AF65-F5344CB8AC3E}">
+        <p14:creationId xmlns:p14="http://schemas.microsoft.com/office/powerpoint/2010/main" val="1284817249"/>
+      </p:ext>
+    </p:extLst>
+  </p:cSld>
+  <p:clrMapOvr>
+    <a:masterClrMapping/>
+  </p:clrMapOvr>
+  <mc:AlternateContent xmlns:mc="http://schemas.openxmlformats.org/markup-compatibility/2006" xmlns:p14="http://schemas.microsoft.com/office/powerpoint/2010/main">
+    <mc:Choice Requires="p14">
+      <p:transition spd="med" p14:dur="700">
+        <p:fade/>
+      </p:transition>
+    </mc:Choice>
+    <mc:Fallback xmlns="">
+      <p:transition xmlns:p14="http://schemas.microsoft.com/office/powerpoint/2010/main" spd="med">
+        <p:fade/>
+      </p:transition>
+    </mc:Fallback>
+  </mc:AlternateContent>
+  <p:timing>
+    <p:tnLst>
+      <p:par>
+        <p:cTn xmlns:p14="http://schemas.microsoft.com/office/powerpoint/2010/main" id="1" dur="indefinite" restart="never" nodeType="tmRoot">
+          <p:childTnLst>
+            <p:seq concurrent="1" nextAc="seek">
+              <p:cTn id="2" dur="indefinite" nodeType="mainSeq">
+                <p:childTnLst>
+                  <p:par>
+                    <p:cTn id="3" fill="hold">
+                      <p:stCondLst>
+                        <p:cond delay="indefinite"/>
+                      </p:stCondLst>
+                      <p:childTnLst>
+                        <p:par>
+                          <p:cTn id="4" fill="hold">
+                            <p:stCondLst>
+                              <p:cond delay="0"/>
+                            </p:stCondLst>
+                            <p:childTnLst>
+                              <p:par>
+                                <p:cTn id="5" presetID="22" presetClass="entr" presetSubtype="4" fill="hold" nodeType="clickEffect">
+                                  <p:stCondLst>
+                                    <p:cond delay="0"/>
+                                  </p:stCondLst>
+                                  <p:childTnLst>
+                                    <p:set>
+                                      <p:cBhvr>
+                                        <p:cTn id="6" dur="1" fill="hold">
+                                          <p:stCondLst>
+                                            <p:cond delay="0"/>
+                                          </p:stCondLst>
+                                        </p:cTn>
+                                        <p:tgtEl>
+                                          <p:spTgt spid="2"/>
+                                        </p:tgtEl>
+                                        <p:attrNameLst>
+                                          <p:attrName>style.visibility</p:attrName>
+                                        </p:attrNameLst>
+                                      </p:cBhvr>
+                                      <p:to>
+                                        <p:strVal val="visible"/>
+                                      </p:to>
+                                    </p:set>
+                                    <p:animEffect transition="in" filter="wipe(down)">
+                                      <p:cBhvr>
+                                        <p:cTn id="7" dur="1000"/>
+                                        <p:tgtEl>
+                                          <p:spTgt spid="2"/>
+                                        </p:tgtEl>
+                                      </p:cBhvr>
+                                    </p:animEffect>
+                                  </p:childTnLst>
+                                </p:cTn>
+                              </p:par>
+                            </p:childTnLst>
+                          </p:cTn>
+                        </p:par>
+                      </p:childTnLst>
+                    </p:cTn>
+                  </p:par>
+                  <p:par>
+                    <p:cTn id="8" fill="hold">
+                      <p:stCondLst>
+                        <p:cond delay="indefinite"/>
+                      </p:stCondLst>
+                      <p:childTnLst>
+                        <p:par>
+                          <p:cTn id="9" fill="hold">
+                            <p:stCondLst>
+                              <p:cond delay="0"/>
+                            </p:stCondLst>
+                            <p:childTnLst>
+                              <p:par>
+                                <p:cTn id="10" presetID="9" presetClass="entr" presetSubtype="0" fill="hold" grpId="0" nodeType="clickEffect">
+                                  <p:stCondLst>
+                                    <p:cond delay="0"/>
+                                  </p:stCondLst>
+                                  <p:childTnLst>
+                                    <p:set>
+                                      <p:cBhvr>
+                                        <p:cTn id="11" dur="1" fill="hold">
+                                          <p:stCondLst>
+                                            <p:cond delay="0"/>
+                                          </p:stCondLst>
+                                        </p:cTn>
+                                        <p:tgtEl>
+                                          <p:spTgt spid="19"/>
+                                        </p:tgtEl>
+                                        <p:attrNameLst>
+                                          <p:attrName>style.visibility</p:attrName>
+                                        </p:attrNameLst>
+                                      </p:cBhvr>
+                                      <p:to>
+                                        <p:strVal val="visible"/>
+                                      </p:to>
+                                    </p:set>
+                                    <p:animEffect transition="in" filter="dissolve">
+                                      <p:cBhvr>
+                                        <p:cTn id="12" dur="500"/>
+                                        <p:tgtEl>
+                                          <p:spTgt spid="19"/>
+                                        </p:tgtEl>
+                                      </p:cBhvr>
+                                    </p:animEffect>
+                                  </p:childTnLst>
+                                </p:cTn>
+                              </p:par>
+                            </p:childTnLst>
+                          </p:cTn>
+                        </p:par>
+                      </p:childTnLst>
+                    </p:cTn>
+                  </p:par>
+                  <p:par>
+                    <p:cTn id="13" fill="hold">
+                      <p:stCondLst>
+                        <p:cond delay="indefinite"/>
+                      </p:stCondLst>
+                      <p:childTnLst>
+                        <p:par>
+                          <p:cTn id="14" fill="hold">
+                            <p:stCondLst>
+                              <p:cond delay="0"/>
+                            </p:stCondLst>
+                            <p:childTnLst>
+                              <p:par>
+                                <p:cTn id="15" presetID="22" presetClass="entr" presetSubtype="8" fill="hold" nodeType="clickEffect">
+                                  <p:stCondLst>
+                                    <p:cond delay="0"/>
+                                  </p:stCondLst>
+                                  <p:childTnLst>
+                                    <p:set>
+                                      <p:cBhvr>
+                                        <p:cTn id="16" dur="1" fill="hold">
+                                          <p:stCondLst>
+                                            <p:cond delay="0"/>
+                                          </p:stCondLst>
+                                        </p:cTn>
+                                        <p:tgtEl>
+                                          <p:spTgt spid="407556"/>
+                                        </p:tgtEl>
+                                        <p:attrNameLst>
+                                          <p:attrName>style.visibility</p:attrName>
+                                        </p:attrNameLst>
+                                      </p:cBhvr>
+                                      <p:to>
+                                        <p:strVal val="visible"/>
+                                      </p:to>
+                                    </p:set>
+                                    <p:animEffect transition="in" filter="wipe(left)">
+                                      <p:cBhvr>
+                                        <p:cTn id="17" dur="2000"/>
+                                        <p:tgtEl>
+                                          <p:spTgt spid="407556"/>
+                                        </p:tgtEl>
+                                      </p:cBhvr>
+                                    </p:animEffect>
+                                  </p:childTnLst>
+                                </p:cTn>
+                              </p:par>
+                            </p:childTnLst>
+                          </p:cTn>
+                        </p:par>
+                      </p:childTnLst>
+                    </p:cTn>
+                  </p:par>
+                </p:childTnLst>
+              </p:cTn>
+              <p:prevCondLst>
+                <p:cond evt="onPrev" delay="0">
+                  <p:tgtEl>
+                    <p:sldTgt/>
+                  </p:tgtEl>
+                </p:cond>
+              </p:prevCondLst>
+              <p:nextCondLst>
+                <p:cond evt="onNext" delay="0">
+                  <p:tgtEl>
+                    <p:sldTgt/>
+                  </p:tgtEl>
+                </p:cond>
+              </p:nextCondLst>
+            </p:seq>
+          </p:childTnLst>
+        </p:cTn>
+      </p:par>
+    </p:tnLst>
+    <p:bldLst>
+      <p:bldP spid="19" grpId="0"/>
+    </p:bldLst>
+  </p:timing>
+</p:sld>
+</file>
+
+<file path=ppt/slides/slide4.xml><?xml version="1.0" encoding="utf-8"?>
+<p:sld xmlns:a="http://schemas.openxmlformats.org/drawingml/2006/main" xmlns:r="http://schemas.openxmlformats.org/officeDocument/2006/relationships" xmlns:p="http://schemas.openxmlformats.org/presentationml/2006/main">
+  <p:cSld>
+    <p:spTree>
+      <p:nvGrpSpPr>
+        <p:cNvPr id="1" name=""/>
+        <p:cNvGrpSpPr/>
+        <p:nvPr/>
+      </p:nvGrpSpPr>
+      <p:grpSpPr>
+        <a:xfrm>
+          <a:off x="0" y="0"/>
+          <a:ext cx="0" cy="0"/>
+          <a:chOff x="0" y="0"/>
+          <a:chExt cx="0" cy="0"/>
+        </a:xfrm>
+      </p:grpSpPr>
+      <p:sp>
+        <p:nvSpPr>
+          <p:cNvPr id="48130" name="Rectangle 2"/>
+          <p:cNvSpPr>
+            <a:spLocks noGrp="1" noChangeArrowheads="1"/>
+          </p:cNvSpPr>
+          <p:nvPr>
+            <p:ph type="title"/>
+          </p:nvPr>
+        </p:nvSpPr>
+        <p:spPr/>
+        <p:txBody>
+          <a:bodyPr/>
+          <a:lstStyle/>
+          <a:p>
+            <a:r>
+              <a:rPr lang="en-US" sz="3600" dirty="0"/>
+              <a:t>Math vs. English</a:t>
+            </a:r>
+          </a:p>
+        </p:txBody>
+      </p:sp>
+      <p:sp>
+        <p:nvSpPr>
+          <p:cNvPr id="48131" name="Rectangle 3"/>
+          <p:cNvSpPr>
+            <a:spLocks noGrp="1" noChangeArrowheads="1"/>
+          </p:cNvSpPr>
+          <p:nvPr>
+            <p:ph type="body" idx="1"/>
+          </p:nvPr>
+        </p:nvSpPr>
+        <p:spPr>
+          <a:xfrm>
+            <a:off x="542925" y="1365706"/>
+            <a:ext cx="8153400" cy="1504950"/>
+          </a:xfrm>
+        </p:spPr>
+        <p:txBody>
+          <a:bodyPr/>
+          <a:lstStyle/>
+          <a:p>
+            <a:r>
+              <a:rPr lang="en-US" sz="4000" dirty="0">
+                <a:solidFill>
+                  <a:srgbClr val="008000"/>
+                </a:solidFill>
+              </a:rPr>
+              <a:t>Poet</a:t>
+            </a:r>
+            <a:r>
+              <a:rPr lang="en-US" sz="4000" dirty="0"/>
+              <a:t>: “There is a </a:t>
+            </a:r>
+            <a:r>
+              <a:rPr lang="en-US" sz="4000" dirty="0" smtClean="0"/>
+              <a:t>season to every</a:t>
+            </a:r>
+            <a:endParaRPr lang="en-US" sz="4000" dirty="0"/>
+          </a:p>
+          <a:p>
+            <a:r>
+              <a:rPr lang="en-US" sz="4000" dirty="0"/>
+              <a:t>             purpose under heaven”</a:t>
+            </a:r>
+          </a:p>
+        </p:txBody>
+      </p:sp>
+      <p:graphicFrame>
+        <p:nvGraphicFramePr>
+          <p:cNvPr id="48140" name="Object 12"/>
+          <p:cNvGraphicFramePr>
+            <a:graphicFrameLocks noChangeAspect="1"/>
+          </p:cNvGraphicFramePr>
+          <p:nvPr>
+            <p:extLst>
+              <p:ext uri="{D42A27DB-BD31-4B8C-83A1-F6EECF244321}">
+                <p14:modId xmlns:p14="http://schemas.microsoft.com/office/powerpoint/2010/main" val="4158989102"/>
+              </p:ext>
+            </p:extLst>
+          </p:nvPr>
+        </p:nvGraphicFramePr>
+        <p:xfrm>
+          <a:off x="55563" y="3005138"/>
+          <a:ext cx="9034462" cy="865187"/>
+        </p:xfrm>
+        <a:graphic>
+          <a:graphicData uri="http://schemas.openxmlformats.org/presentationml/2006/ole">
+            <mc:AlternateContent xmlns:mc="http://schemas.openxmlformats.org/markup-compatibility/2006">
+              <mc:Choice xmlns:v="urn:schemas-microsoft-com:vml" Requires="v">
+                <p:oleObj spid="_x0000_s300035" name="Equation" r:id="rId4" imgW="2387600" imgH="228600" progId="Equation.3">
+                  <p:embed/>
+                </p:oleObj>
+              </mc:Choice>
+              <mc:Fallback>
+                <p:oleObj name="Equation" r:id="rId4" imgW="2387600" imgH="228600" progId="Equation.3">
+                  <p:embed/>
+                  <p:pic>
+                    <p:nvPicPr>
+                      <p:cNvPr id="0" name=""/>
                       <p:cNvPicPr>
                         <a:picLocks noChangeAspect="1" noChangeArrowheads="1"/>
                       </p:cNvPicPr>
                       <p:nvPr/>
                     </p:nvPicPr>
                     <p:blipFill>
-                      <a:blip r:embed="rId7"/>
+                      <a:blip r:embed="rId5"/>
                       <a:srcRect/>
                       <a:stretch>
                         <a:fillRect/>
@@ -3198,8 +6577,8 @@
                     </p:blipFill>
                     <p:spPr bwMode="auto">
                       <a:xfrm>
-                        <a:off x="319088" y="3427413"/>
-                        <a:ext cx="8507412" cy="855662"/>
+                        <a:off x="55563" y="3005138"/>
+                        <a:ext cx="9034462" cy="865187"/>
                       </a:xfrm>
                       <a:prstGeom prst="rect">
                         <a:avLst/>
@@ -3222,23 +6601,438 @@
           </a:graphicData>
         </a:graphic>
       </p:graphicFrame>
+      <p:sp>
+        <p:nvSpPr>
+          <p:cNvPr id="48142" name="Text Box 14"/>
+          <p:cNvSpPr txBox="1">
+            <a:spLocks noChangeArrowheads="1"/>
+          </p:cNvSpPr>
+          <p:nvPr/>
+        </p:nvSpPr>
+        <p:spPr bwMode="auto">
+          <a:xfrm>
+            <a:off x="640048" y="3577473"/>
+            <a:ext cx="7812054" cy="3046988"/>
+          </a:xfrm>
+          <a:prstGeom prst="rect">
+            <a:avLst/>
+          </a:prstGeom>
+          <a:noFill/>
+          <a:ln w="9525">
+            <a:noFill/>
+            <a:miter lim="800000"/>
+            <a:headEnd/>
+            <a:tailEnd/>
+          </a:ln>
+          <a:effectLst/>
+        </p:spPr>
+        <p:txBody>
+          <a:bodyPr wrap="none">
+            <a:spAutoFit/>
+          </a:bodyPr>
+          <a:lstStyle/>
+          <a:p>
+            <a:r>
+              <a:rPr lang="en-US" sz="4800" dirty="0" smtClean="0">
+                <a:latin typeface="Comic Sans MS" pitchFamily="66" charset="0"/>
+              </a:rPr>
+              <a:t>Some </a:t>
+            </a:r>
+            <a:r>
+              <a:rPr lang="en-US" sz="4800" dirty="0">
+                <a:latin typeface="Comic Sans MS" pitchFamily="66" charset="0"/>
+              </a:rPr>
+              <a:t>season, say </a:t>
+            </a:r>
+            <a:r>
+              <a:rPr lang="en-US" sz="4800" dirty="0" smtClean="0">
+                <a:latin typeface="Comic Sans MS" pitchFamily="66" charset="0"/>
+              </a:rPr>
+              <a:t>Summer, </a:t>
+            </a:r>
+          </a:p>
+          <a:p>
+            <a:r>
+              <a:rPr lang="en-US" sz="4800" dirty="0" smtClean="0">
+                <a:latin typeface="Comic Sans MS" pitchFamily="66" charset="0"/>
+              </a:rPr>
+              <a:t>is </a:t>
+            </a:r>
+            <a:r>
+              <a:rPr lang="en-US" sz="4800" dirty="0">
+                <a:latin typeface="Comic Sans MS" pitchFamily="66" charset="0"/>
+              </a:rPr>
+              <a:t>good </a:t>
+            </a:r>
+            <a:r>
+              <a:rPr lang="en-US" sz="4800" dirty="0" smtClean="0">
+                <a:latin typeface="Comic Sans MS" pitchFamily="66" charset="0"/>
+              </a:rPr>
+              <a:t>for all </a:t>
+            </a:r>
+            <a:r>
+              <a:rPr lang="en-US" sz="4800" dirty="0">
+                <a:latin typeface="Comic Sans MS" pitchFamily="66" charset="0"/>
+              </a:rPr>
+              <a:t>Purposes?</a:t>
+            </a:r>
+          </a:p>
+          <a:p>
+            <a:r>
+              <a:rPr lang="en-US" sz="4800" b="1" dirty="0">
+                <a:solidFill>
+                  <a:srgbClr val="D00614"/>
+                </a:solidFill>
+                <a:latin typeface="Comic Sans MS" pitchFamily="66" charset="0"/>
+              </a:rPr>
+              <a:t>NO</a:t>
+            </a:r>
+            <a:r>
+              <a:rPr lang="en-US" sz="4800" dirty="0">
+                <a:latin typeface="Comic Sans MS" pitchFamily="66" charset="0"/>
+              </a:rPr>
+              <a:t>, </a:t>
+            </a:r>
+            <a:r>
+              <a:rPr lang="en-US" sz="4800" dirty="0" smtClean="0">
+                <a:latin typeface="Comic Sans MS" pitchFamily="66" charset="0"/>
+              </a:rPr>
+              <a:t>Summer </a:t>
+            </a:r>
+            <a:r>
+              <a:rPr lang="en-US" sz="4800" dirty="0">
+                <a:latin typeface="Comic Sans MS" pitchFamily="66" charset="0"/>
+              </a:rPr>
+              <a:t>no good </a:t>
+            </a:r>
+            <a:endParaRPr lang="en-US" sz="4800" dirty="0" smtClean="0">
+              <a:latin typeface="Comic Sans MS" pitchFamily="66" charset="0"/>
+            </a:endParaRPr>
+          </a:p>
+          <a:p>
+            <a:r>
+              <a:rPr lang="en-US" sz="4800" dirty="0" smtClean="0">
+                <a:latin typeface="Comic Sans MS" pitchFamily="66" charset="0"/>
+              </a:rPr>
+              <a:t>for </a:t>
+            </a:r>
+            <a:r>
+              <a:rPr lang="en-US" sz="4800" dirty="0">
+                <a:latin typeface="Comic Sans MS" pitchFamily="66" charset="0"/>
+              </a:rPr>
+              <a:t>snow shoveling</a:t>
+            </a:r>
+          </a:p>
+        </p:txBody>
+      </p:sp>
     </p:spTree>
+    <p:extLst>
+      <p:ext uri="{BB962C8B-B14F-4D97-AF65-F5344CB8AC3E}">
+        <p14:creationId xmlns:p14="http://schemas.microsoft.com/office/powerpoint/2010/main" val="1186288441"/>
+      </p:ext>
+    </p:extLst>
   </p:cSld>
   <p:clrMapOvr>
     <a:masterClrMapping/>
   </p:clrMapOvr>
-  <p:transition xmlns:p14="http://schemas.microsoft.com/office/powerpoint/2010/main"/>
+  <p:transition xmlns:p14="http://schemas.microsoft.com/office/powerpoint/2010/main" spd="slow">
+    <p:fade thruBlk="1"/>
+  </p:transition>
   <p:timing>
     <p:tnLst>
       <p:par>
-        <p:cTn xmlns:p14="http://schemas.microsoft.com/office/powerpoint/2010/main" id="1" dur="indefinite" restart="never" nodeType="tmRoot"/>
+        <p:cTn xmlns:p14="http://schemas.microsoft.com/office/powerpoint/2010/main" id="1" dur="indefinite" restart="never" nodeType="tmRoot">
+          <p:childTnLst>
+            <p:seq concurrent="1" nextAc="seek">
+              <p:cTn id="2" dur="indefinite" nodeType="mainSeq">
+                <p:childTnLst>
+                  <p:par>
+                    <p:cTn id="3" fill="hold">
+                      <p:stCondLst>
+                        <p:cond delay="indefinite"/>
+                      </p:stCondLst>
+                      <p:childTnLst>
+                        <p:par>
+                          <p:cTn id="4" fill="hold">
+                            <p:stCondLst>
+                              <p:cond delay="0"/>
+                            </p:stCondLst>
+                            <p:childTnLst>
+                              <p:par>
+                                <p:cTn id="5" presetID="22" presetClass="entr" presetSubtype="8" fill="hold" nodeType="clickEffect">
+                                  <p:stCondLst>
+                                    <p:cond delay="0"/>
+                                  </p:stCondLst>
+                                  <p:childTnLst>
+                                    <p:set>
+                                      <p:cBhvr>
+                                        <p:cTn id="6" dur="1" fill="hold">
+                                          <p:stCondLst>
+                                            <p:cond delay="0"/>
+                                          </p:stCondLst>
+                                        </p:cTn>
+                                        <p:tgtEl>
+                                          <p:spTgt spid="48140"/>
+                                        </p:tgtEl>
+                                        <p:attrNameLst>
+                                          <p:attrName>style.visibility</p:attrName>
+                                        </p:attrNameLst>
+                                      </p:cBhvr>
+                                      <p:to>
+                                        <p:strVal val="visible"/>
+                                      </p:to>
+                                    </p:set>
+                                    <p:animEffect transition="in" filter="wipe(left)">
+                                      <p:cBhvr>
+                                        <p:cTn id="7" dur="500"/>
+                                        <p:tgtEl>
+                                          <p:spTgt spid="48140"/>
+                                        </p:tgtEl>
+                                      </p:cBhvr>
+                                    </p:animEffect>
+                                  </p:childTnLst>
+                                </p:cTn>
+                              </p:par>
+                            </p:childTnLst>
+                          </p:cTn>
+                        </p:par>
+                      </p:childTnLst>
+                    </p:cTn>
+                  </p:par>
+                  <p:par>
+                    <p:cTn id="8" fill="hold">
+                      <p:stCondLst>
+                        <p:cond delay="indefinite"/>
+                      </p:stCondLst>
+                      <p:childTnLst>
+                        <p:par>
+                          <p:cTn id="9" fill="hold">
+                            <p:stCondLst>
+                              <p:cond delay="0"/>
+                            </p:stCondLst>
+                            <p:childTnLst>
+                              <p:par>
+                                <p:cTn id="10" presetID="9" presetClass="entr" presetSubtype="0" fill="hold" nodeType="clickEffect">
+                                  <p:stCondLst>
+                                    <p:cond delay="0"/>
+                                  </p:stCondLst>
+                                  <p:childTnLst>
+                                    <p:set>
+                                      <p:cBhvr>
+                                        <p:cTn id="11" dur="1" fill="hold">
+                                          <p:stCondLst>
+                                            <p:cond delay="0"/>
+                                          </p:stCondLst>
+                                        </p:cTn>
+                                        <p:tgtEl>
+                                          <p:spTgt spid="48142">
+                                            <p:txEl>
+                                              <p:pRg st="0" end="0"/>
+                                            </p:txEl>
+                                          </p:spTgt>
+                                        </p:tgtEl>
+                                        <p:attrNameLst>
+                                          <p:attrName>style.visibility</p:attrName>
+                                        </p:attrNameLst>
+                                      </p:cBhvr>
+                                      <p:to>
+                                        <p:strVal val="visible"/>
+                                      </p:to>
+                                    </p:set>
+                                    <p:animEffect transition="in" filter="dissolve">
+                                      <p:cBhvr>
+                                        <p:cTn id="12" dur="500"/>
+                                        <p:tgtEl>
+                                          <p:spTgt spid="48142">
+                                            <p:txEl>
+                                              <p:pRg st="0" end="0"/>
+                                            </p:txEl>
+                                          </p:spTgt>
+                                        </p:tgtEl>
+                                      </p:cBhvr>
+                                    </p:animEffect>
+                                  </p:childTnLst>
+                                </p:cTn>
+                              </p:par>
+                              <p:par>
+                                <p:cTn id="13" presetID="9" presetClass="entr" presetSubtype="0" fill="hold" nodeType="withEffect">
+                                  <p:stCondLst>
+                                    <p:cond delay="0"/>
+                                  </p:stCondLst>
+                                  <p:childTnLst>
+                                    <p:set>
+                                      <p:cBhvr>
+                                        <p:cTn id="14" dur="1" fill="hold">
+                                          <p:stCondLst>
+                                            <p:cond delay="0"/>
+                                          </p:stCondLst>
+                                        </p:cTn>
+                                        <p:tgtEl>
+                                          <p:spTgt spid="48142">
+                                            <p:txEl>
+                                              <p:pRg st="1" end="1"/>
+                                            </p:txEl>
+                                          </p:spTgt>
+                                        </p:tgtEl>
+                                        <p:attrNameLst>
+                                          <p:attrName>style.visibility</p:attrName>
+                                        </p:attrNameLst>
+                                      </p:cBhvr>
+                                      <p:to>
+                                        <p:strVal val="visible"/>
+                                      </p:to>
+                                    </p:set>
+                                    <p:animEffect transition="in" filter="dissolve">
+                                      <p:cBhvr>
+                                        <p:cTn id="15" dur="500"/>
+                                        <p:tgtEl>
+                                          <p:spTgt spid="48142">
+                                            <p:txEl>
+                                              <p:pRg st="1" end="1"/>
+                                            </p:txEl>
+                                          </p:spTgt>
+                                        </p:tgtEl>
+                                      </p:cBhvr>
+                                    </p:animEffect>
+                                  </p:childTnLst>
+                                </p:cTn>
+                              </p:par>
+                            </p:childTnLst>
+                          </p:cTn>
+                        </p:par>
+                      </p:childTnLst>
+                    </p:cTn>
+                  </p:par>
+                  <p:par>
+                    <p:cTn id="16" fill="hold">
+                      <p:stCondLst>
+                        <p:cond delay="indefinite"/>
+                      </p:stCondLst>
+                      <p:childTnLst>
+                        <p:par>
+                          <p:cTn id="17" fill="hold">
+                            <p:stCondLst>
+                              <p:cond delay="0"/>
+                            </p:stCondLst>
+                            <p:childTnLst>
+                              <p:par>
+                                <p:cTn id="18" presetID="9" presetClass="entr" presetSubtype="0" fill="hold" nodeType="clickEffect">
+                                  <p:stCondLst>
+                                    <p:cond delay="0"/>
+                                  </p:stCondLst>
+                                  <p:childTnLst>
+                                    <p:set>
+                                      <p:cBhvr>
+                                        <p:cTn id="19" dur="1" fill="hold">
+                                          <p:stCondLst>
+                                            <p:cond delay="0"/>
+                                          </p:stCondLst>
+                                        </p:cTn>
+                                        <p:tgtEl>
+                                          <p:spTgt spid="48142">
+                                            <p:txEl>
+                                              <p:pRg st="2" end="2"/>
+                                            </p:txEl>
+                                          </p:spTgt>
+                                        </p:tgtEl>
+                                        <p:attrNameLst>
+                                          <p:attrName>style.visibility</p:attrName>
+                                        </p:attrNameLst>
+                                      </p:cBhvr>
+                                      <p:to>
+                                        <p:strVal val="visible"/>
+                                      </p:to>
+                                    </p:set>
+                                    <p:animEffect transition="in" filter="dissolve">
+                                      <p:cBhvr>
+                                        <p:cTn id="20" dur="500"/>
+                                        <p:tgtEl>
+                                          <p:spTgt spid="48142">
+                                            <p:txEl>
+                                              <p:pRg st="2" end="2"/>
+                                            </p:txEl>
+                                          </p:spTgt>
+                                        </p:tgtEl>
+                                      </p:cBhvr>
+                                    </p:animEffect>
+                                  </p:childTnLst>
+                                </p:cTn>
+                              </p:par>
+                              <p:par>
+                                <p:cTn id="21" presetID="9" presetClass="entr" presetSubtype="0" fill="hold" nodeType="withEffect">
+                                  <p:stCondLst>
+                                    <p:cond delay="0"/>
+                                  </p:stCondLst>
+                                  <p:childTnLst>
+                                    <p:set>
+                                      <p:cBhvr>
+                                        <p:cTn id="22" dur="1" fill="hold">
+                                          <p:stCondLst>
+                                            <p:cond delay="0"/>
+                                          </p:stCondLst>
+                                        </p:cTn>
+                                        <p:tgtEl>
+                                          <p:spTgt spid="48142">
+                                            <p:txEl>
+                                              <p:pRg st="3" end="3"/>
+                                            </p:txEl>
+                                          </p:spTgt>
+                                        </p:tgtEl>
+                                        <p:attrNameLst>
+                                          <p:attrName>style.visibility</p:attrName>
+                                        </p:attrNameLst>
+                                      </p:cBhvr>
+                                      <p:to>
+                                        <p:strVal val="visible"/>
+                                      </p:to>
+                                    </p:set>
+                                    <p:animEffect transition="in" filter="dissolve">
+                                      <p:cBhvr>
+                                        <p:cTn id="23" dur="500"/>
+                                        <p:tgtEl>
+                                          <p:spTgt spid="48142">
+                                            <p:txEl>
+                                              <p:pRg st="3" end="3"/>
+                                            </p:txEl>
+                                          </p:spTgt>
+                                        </p:tgtEl>
+                                      </p:cBhvr>
+                                    </p:animEffect>
+                                  </p:childTnLst>
+                                </p:cTn>
+                              </p:par>
+                            </p:childTnLst>
+                          </p:cTn>
+                        </p:par>
+                      </p:childTnLst>
+                    </p:cTn>
+                  </p:par>
+                </p:childTnLst>
+              </p:cTn>
+              <p:prevCondLst>
+                <p:cond evt="onPrev" delay="0">
+                  <p:tgtEl>
+                    <p:sldTgt/>
+                  </p:tgtEl>
+                </p:cond>
+              </p:prevCondLst>
+              <p:nextCondLst>
+                <p:cond evt="onNext" delay="0">
+                  <p:tgtEl>
+                    <p:sldTgt/>
+                  </p:tgtEl>
+                </p:cond>
+              </p:nextCondLst>
+            </p:seq>
+          </p:childTnLst>
+        </p:cTn>
       </p:par>
     </p:tnLst>
   </p:timing>
 </p:sld>
 </file>
 
-<file path=ppt/slides/slide3.xml><?xml version="1.0" encoding="utf-8"?>
+<file path=ppt/slides/slide5.xml><?xml version="1.0" encoding="utf-8"?>
 <p:sld xmlns:a="http://schemas.openxmlformats.org/drawingml/2006/main" xmlns:r="http://schemas.openxmlformats.org/officeDocument/2006/relationships" xmlns:p="http://schemas.openxmlformats.org/presentationml/2006/main">
   <p:cSld>
     <p:spTree>
@@ -3257,6 +7051,1111 @@
       </p:grpSpPr>
       <p:sp>
         <p:nvSpPr>
+          <p:cNvPr id="48130" name="Rectangle 2"/>
+          <p:cNvSpPr>
+            <a:spLocks noGrp="1" noChangeArrowheads="1"/>
+          </p:cNvSpPr>
+          <p:nvPr>
+            <p:ph type="title"/>
+          </p:nvPr>
+        </p:nvSpPr>
+        <p:spPr/>
+        <p:txBody>
+          <a:bodyPr/>
+          <a:lstStyle/>
+          <a:p>
+            <a:r>
+              <a:rPr lang="en-US" sz="3600" dirty="0"/>
+              <a:t>Math vs. English</a:t>
+            </a:r>
+          </a:p>
+        </p:txBody>
+      </p:sp>
+      <p:sp>
+        <p:nvSpPr>
+          <p:cNvPr id="48131" name="Rectangle 3"/>
+          <p:cNvSpPr>
+            <a:spLocks noGrp="1" noChangeArrowheads="1"/>
+          </p:cNvSpPr>
+          <p:nvPr>
+            <p:ph type="body" idx="1"/>
+          </p:nvPr>
+        </p:nvSpPr>
+        <p:spPr>
+          <a:xfrm>
+            <a:off x="542925" y="1365706"/>
+            <a:ext cx="8153400" cy="1504950"/>
+          </a:xfrm>
+        </p:spPr>
+        <p:txBody>
+          <a:bodyPr/>
+          <a:lstStyle/>
+          <a:p>
+            <a:r>
+              <a:rPr lang="en-US" sz="4000" dirty="0">
+                <a:solidFill>
+                  <a:srgbClr val="008000"/>
+                </a:solidFill>
+              </a:rPr>
+              <a:t>Poet</a:t>
+            </a:r>
+            <a:r>
+              <a:rPr lang="en-US" sz="4000" dirty="0"/>
+              <a:t>: “There is a </a:t>
+            </a:r>
+            <a:r>
+              <a:rPr lang="en-US" sz="4000" dirty="0" smtClean="0"/>
+              <a:t>season to every</a:t>
+            </a:r>
+            <a:endParaRPr lang="en-US" sz="4000" dirty="0"/>
+          </a:p>
+          <a:p>
+            <a:r>
+              <a:rPr lang="en-US" sz="4000" dirty="0"/>
+              <a:t>             purpose under heaven”</a:t>
+            </a:r>
+          </a:p>
+        </p:txBody>
+      </p:sp>
+      <p:graphicFrame>
+        <p:nvGraphicFramePr>
+          <p:cNvPr id="48140" name="Object 12"/>
+          <p:cNvGraphicFramePr>
+            <a:graphicFrameLocks noChangeAspect="1"/>
+          </p:cNvGraphicFramePr>
+          <p:nvPr>
+            <p:extLst>
+              <p:ext uri="{D42A27DB-BD31-4B8C-83A1-F6EECF244321}">
+                <p14:modId xmlns:p14="http://schemas.microsoft.com/office/powerpoint/2010/main" val="3978546013"/>
+              </p:ext>
+            </p:extLst>
+          </p:nvPr>
+        </p:nvGraphicFramePr>
+        <p:xfrm>
+          <a:off x="55563" y="3005138"/>
+          <a:ext cx="9034462" cy="865187"/>
+        </p:xfrm>
+        <a:graphic>
+          <a:graphicData uri="http://schemas.openxmlformats.org/presentationml/2006/ole">
+            <mc:AlternateContent xmlns:mc="http://schemas.openxmlformats.org/markup-compatibility/2006">
+              <mc:Choice xmlns:v="urn:schemas-microsoft-com:vml" Requires="v">
+                <p:oleObj spid="_x0000_s301063" name="Equation" r:id="rId4" imgW="2387600" imgH="228600" progId="Equation.DSMT4">
+                  <p:embed/>
+                </p:oleObj>
+              </mc:Choice>
+              <mc:Fallback>
+                <p:oleObj name="Equation" r:id="rId4" imgW="2387600" imgH="228600" progId="Equation.DSMT4">
+                  <p:embed/>
+                  <p:pic>
+                    <p:nvPicPr>
+                      <p:cNvPr id="0" name=""/>
+                      <p:cNvPicPr>
+                        <a:picLocks noChangeAspect="1" noChangeArrowheads="1"/>
+                      </p:cNvPicPr>
+                      <p:nvPr/>
+                    </p:nvPicPr>
+                    <p:blipFill>
+                      <a:blip r:embed="rId5"/>
+                      <a:srcRect/>
+                      <a:stretch>
+                        <a:fillRect/>
+                      </a:stretch>
+                    </p:blipFill>
+                    <p:spPr bwMode="auto">
+                      <a:xfrm>
+                        <a:off x="55563" y="3005138"/>
+                        <a:ext cx="9034462" cy="865187"/>
+                      </a:xfrm>
+                      <a:prstGeom prst="rect">
+                        <a:avLst/>
+                      </a:prstGeom>
+                      <a:noFill/>
+                      <a:extLst>
+                        <a:ext uri="{909E8E84-426E-40dd-AFC4-6F175D3DCCD1}">
+                          <a14:hiddenFill xmlns:a14="http://schemas.microsoft.com/office/drawing/2010/main">
+                            <a:solidFill>
+                              <a:srgbClr val="FFFFFF"/>
+                            </a:solidFill>
+                          </a14:hiddenFill>
+                        </a:ext>
+                      </a:extLst>
+                    </p:spPr>
+                  </p:pic>
+                </p:oleObj>
+              </mc:Fallback>
+            </mc:AlternateContent>
+          </a:graphicData>
+        </a:graphic>
+      </p:graphicFrame>
+      <p:grpSp>
+        <p:nvGrpSpPr>
+          <p:cNvPr id="6" name="Group 5"/>
+          <p:cNvGrpSpPr/>
+          <p:nvPr/>
+        </p:nvGrpSpPr>
+        <p:grpSpPr>
+          <a:xfrm>
+            <a:off x="342900" y="2916238"/>
+            <a:ext cx="6018213" cy="1639887"/>
+            <a:chOff x="342900" y="2925763"/>
+            <a:chExt cx="6018213" cy="1639887"/>
+          </a:xfrm>
+        </p:grpSpPr>
+        <p:graphicFrame>
+          <p:nvGraphicFramePr>
+            <p:cNvPr id="7" name="Object 15"/>
+            <p:cNvGraphicFramePr>
+              <a:graphicFrameLocks noChangeAspect="1"/>
+            </p:cNvGraphicFramePr>
+            <p:nvPr>
+              <p:extLst>
+                <p:ext uri="{D42A27DB-BD31-4B8C-83A1-F6EECF244321}">
+                  <p14:modId xmlns:p14="http://schemas.microsoft.com/office/powerpoint/2010/main" val="2513790582"/>
+                </p:ext>
+              </p:extLst>
+            </p:nvPr>
+          </p:nvGraphicFramePr>
+          <p:xfrm>
+            <a:off x="342900" y="2925763"/>
+            <a:ext cx="2957513" cy="1431925"/>
+          </p:xfrm>
+          <a:graphic>
+            <a:graphicData uri="http://schemas.openxmlformats.org/presentationml/2006/ole">
+              <mc:AlternateContent xmlns:mc="http://schemas.openxmlformats.org/markup-compatibility/2006">
+                <mc:Choice xmlns:v="urn:schemas-microsoft-com:vml" Requires="v">
+                  <p:oleObj spid="_x0000_s301064" name="Equation" r:id="rId6" imgW="812800" imgH="393700" progId="Equation.DSMT4">
+                    <p:embed/>
+                  </p:oleObj>
+                </mc:Choice>
+                <mc:Fallback>
+                  <p:oleObj name="Equation" r:id="rId6" imgW="812800" imgH="393700" progId="Equation.DSMT4">
+                    <p:embed/>
+                    <p:pic>
+                      <p:nvPicPr>
+                        <p:cNvPr id="0" name=""/>
+                        <p:cNvPicPr>
+                          <a:picLocks noChangeAspect="1" noChangeArrowheads="1"/>
+                        </p:cNvPicPr>
+                        <p:nvPr/>
+                      </p:nvPicPr>
+                      <p:blipFill>
+                        <a:blip r:embed="rId7"/>
+                        <a:srcRect/>
+                        <a:stretch>
+                          <a:fillRect/>
+                        </a:stretch>
+                      </p:blipFill>
+                      <p:spPr bwMode="auto">
+                        <a:xfrm>
+                          <a:off x="342900" y="2925763"/>
+                          <a:ext cx="2957513" cy="1431925"/>
+                        </a:xfrm>
+                        <a:prstGeom prst="rect">
+                          <a:avLst/>
+                        </a:prstGeom>
+                        <a:noFill/>
+                        <a:extLst>
+                          <a:ext uri="{909E8E84-426E-40dd-AFC4-6F175D3DCCD1}">
+                            <a14:hiddenFill xmlns:a14="http://schemas.microsoft.com/office/drawing/2010/main">
+                              <a:solidFill>
+                                <a:srgbClr val="FFFFFF"/>
+                              </a:solidFill>
+                            </a14:hiddenFill>
+                          </a:ext>
+                        </a:extLst>
+                      </p:spPr>
+                    </p:pic>
+                  </p:oleObj>
+                </mc:Fallback>
+              </mc:AlternateContent>
+            </a:graphicData>
+          </a:graphic>
+        </p:graphicFrame>
+        <p:graphicFrame>
+          <p:nvGraphicFramePr>
+            <p:cNvPr id="8" name="Object 16"/>
+            <p:cNvGraphicFramePr>
+              <a:graphicFrameLocks noChangeAspect="1"/>
+            </p:cNvGraphicFramePr>
+            <p:nvPr>
+              <p:extLst>
+                <p:ext uri="{D42A27DB-BD31-4B8C-83A1-F6EECF244321}">
+                  <p14:modId xmlns:p14="http://schemas.microsoft.com/office/powerpoint/2010/main" val="2350275634"/>
+                </p:ext>
+              </p:extLst>
+            </p:nvPr>
+          </p:nvGraphicFramePr>
+          <p:xfrm>
+            <a:off x="3403600" y="2925763"/>
+            <a:ext cx="2957513" cy="1431925"/>
+          </p:xfrm>
+          <a:graphic>
+            <a:graphicData uri="http://schemas.openxmlformats.org/presentationml/2006/ole">
+              <mc:AlternateContent xmlns:mc="http://schemas.openxmlformats.org/markup-compatibility/2006">
+                <mc:Choice xmlns:v="urn:schemas-microsoft-com:vml" Requires="v">
+                  <p:oleObj spid="_x0000_s301065" name="Equation" r:id="rId8" imgW="812800" imgH="393700" progId="Equation.3">
+                    <p:embed/>
+                  </p:oleObj>
+                </mc:Choice>
+                <mc:Fallback>
+                  <p:oleObj name="Equation" r:id="rId8" imgW="812800" imgH="393700" progId="Equation.3">
+                    <p:embed/>
+                    <p:pic>
+                      <p:nvPicPr>
+                        <p:cNvPr id="0" name=""/>
+                        <p:cNvPicPr>
+                          <a:picLocks noChangeAspect="1" noChangeArrowheads="1"/>
+                        </p:cNvPicPr>
+                        <p:nvPr/>
+                      </p:nvPicPr>
+                      <p:blipFill>
+                        <a:blip r:embed="rId9"/>
+                        <a:srcRect/>
+                        <a:stretch>
+                          <a:fillRect/>
+                        </a:stretch>
+                      </p:blipFill>
+                      <p:spPr bwMode="auto">
+                        <a:xfrm>
+                          <a:off x="3403600" y="2925763"/>
+                          <a:ext cx="2957513" cy="1431925"/>
+                        </a:xfrm>
+                        <a:prstGeom prst="rect">
+                          <a:avLst/>
+                        </a:prstGeom>
+                        <a:noFill/>
+                        <a:extLst>
+                          <a:ext uri="{909E8E84-426E-40dd-AFC4-6F175D3DCCD1}">
+                            <a14:hiddenFill xmlns:a14="http://schemas.microsoft.com/office/drawing/2010/main">
+                              <a:solidFill>
+                                <a:srgbClr val="FFFFFF"/>
+                              </a:solidFill>
+                            </a14:hiddenFill>
+                          </a:ext>
+                        </a:extLst>
+                      </p:spPr>
+                    </p:pic>
+                  </p:oleObj>
+                </mc:Fallback>
+              </mc:AlternateContent>
+            </a:graphicData>
+          </a:graphic>
+        </p:graphicFrame>
+        <p:sp>
+          <p:nvSpPr>
+            <p:cNvPr id="9" name="Freeform 21"/>
+            <p:cNvSpPr>
+              <a:spLocks/>
+            </p:cNvSpPr>
+            <p:nvPr/>
+          </p:nvSpPr>
+          <p:spPr bwMode="auto">
+            <a:xfrm>
+              <a:off x="1816100" y="3873500"/>
+              <a:ext cx="3086100" cy="692150"/>
+            </a:xfrm>
+            <a:custGeom>
+              <a:avLst/>
+              <a:gdLst/>
+              <a:ahLst/>
+              <a:cxnLst>
+                <a:cxn ang="0">
+                  <a:pos x="0" y="0"/>
+                </a:cxn>
+                <a:cxn ang="0">
+                  <a:pos x="480" y="368"/>
+                </a:cxn>
+                <a:cxn ang="0">
+                  <a:pos x="1000" y="408"/>
+                </a:cxn>
+                <a:cxn ang="0">
+                  <a:pos x="1448" y="368"/>
+                </a:cxn>
+                <a:cxn ang="0">
+                  <a:pos x="1944" y="0"/>
+                </a:cxn>
+              </a:cxnLst>
+              <a:rect l="0" t="0" r="r" b="b"/>
+              <a:pathLst>
+                <a:path w="1944" h="436">
+                  <a:moveTo>
+                    <a:pt x="0" y="0"/>
+                  </a:moveTo>
+                  <a:cubicBezTo>
+                    <a:pt x="156" y="150"/>
+                    <a:pt x="313" y="300"/>
+                    <a:pt x="480" y="368"/>
+                  </a:cubicBezTo>
+                  <a:cubicBezTo>
+                    <a:pt x="647" y="436"/>
+                    <a:pt x="839" y="408"/>
+                    <a:pt x="1000" y="408"/>
+                  </a:cubicBezTo>
+                  <a:cubicBezTo>
+                    <a:pt x="1161" y="408"/>
+                    <a:pt x="1291" y="436"/>
+                    <a:pt x="1448" y="368"/>
+                  </a:cubicBezTo>
+                  <a:cubicBezTo>
+                    <a:pt x="1605" y="300"/>
+                    <a:pt x="1861" y="64"/>
+                    <a:pt x="1944" y="0"/>
+                  </a:cubicBezTo>
+                </a:path>
+              </a:pathLst>
+            </a:custGeom>
+            <a:noFill/>
+            <a:ln w="34925">
+              <a:solidFill>
+                <a:srgbClr val="008000"/>
+              </a:solidFill>
+              <a:round/>
+              <a:headEnd type="stealth" w="lg" len="lg"/>
+              <a:tailEnd type="stealth" w="lg" len="lg"/>
+            </a:ln>
+            <a:effectLst/>
+          </p:spPr>
+          <p:txBody>
+            <a:bodyPr/>
+            <a:lstStyle/>
+            <a:p>
+              <a:endParaRPr lang="en-US"/>
+            </a:p>
+          </p:txBody>
+        </p:sp>
+      </p:grpSp>
+      <p:sp>
+        <p:nvSpPr>
+          <p:cNvPr id="10" name="Text Box 22"/>
+          <p:cNvSpPr txBox="1">
+            <a:spLocks noChangeArrowheads="1"/>
+          </p:cNvSpPr>
+          <p:nvPr/>
+        </p:nvSpPr>
+        <p:spPr bwMode="auto">
+          <a:xfrm>
+            <a:off x="339725" y="4699000"/>
+            <a:ext cx="8218917" cy="707886"/>
+          </a:xfrm>
+          <a:prstGeom prst="rect">
+            <a:avLst/>
+          </a:prstGeom>
+          <a:noFill/>
+          <a:ln w="9525">
+            <a:noFill/>
+            <a:miter lim="800000"/>
+            <a:headEnd/>
+            <a:tailEnd/>
+          </a:ln>
+          <a:effectLst/>
+        </p:spPr>
+        <p:txBody>
+          <a:bodyPr wrap="none">
+            <a:spAutoFit/>
+          </a:bodyPr>
+          <a:lstStyle/>
+          <a:p>
+            <a:r>
+              <a:rPr lang="en-US" sz="4000" dirty="0">
+                <a:solidFill>
+                  <a:srgbClr val="008000"/>
+                </a:solidFill>
+                <a:latin typeface="Comic Sans MS" pitchFamily="66" charset="0"/>
+              </a:rPr>
+              <a:t>Poet’s meaning flips the </a:t>
+            </a:r>
+            <a:r>
+              <a:rPr lang="en-US" sz="4000" dirty="0" err="1">
+                <a:solidFill>
+                  <a:srgbClr val="008000"/>
+                </a:solidFill>
+                <a:latin typeface="Comic Sans MS" pitchFamily="66" charset="0"/>
+              </a:rPr>
+              <a:t>quantiers</a:t>
+            </a:r>
+            <a:endParaRPr lang="en-US" sz="4000" dirty="0">
+              <a:solidFill>
+                <a:srgbClr val="008000"/>
+              </a:solidFill>
+              <a:latin typeface="Comic Sans MS" pitchFamily="66" charset="0"/>
+            </a:endParaRPr>
+          </a:p>
+        </p:txBody>
+      </p:sp>
+    </p:spTree>
+    <p:extLst>
+      <p:ext uri="{BB962C8B-B14F-4D97-AF65-F5344CB8AC3E}">
+        <p14:creationId xmlns:p14="http://schemas.microsoft.com/office/powerpoint/2010/main" val="2684052307"/>
+      </p:ext>
+    </p:extLst>
+  </p:cSld>
+  <p:clrMapOvr>
+    <a:masterClrMapping/>
+  </p:clrMapOvr>
+  <mc:AlternateContent xmlns:mc="http://schemas.openxmlformats.org/markup-compatibility/2006" xmlns:p14="http://schemas.microsoft.com/office/powerpoint/2010/main">
+    <mc:Choice Requires="p14">
+      <p:transition spd="med" p14:dur="700" advClick="0" advTm="0">
+        <p:fade/>
+      </p:transition>
+    </mc:Choice>
+    <mc:Fallback xmlns="">
+      <p:transition xmlns:p14="http://schemas.microsoft.com/office/powerpoint/2010/main" spd="med" advClick="0" advTm="0">
+        <p:fade/>
+      </p:transition>
+    </mc:Fallback>
+  </mc:AlternateContent>
+  <p:timing>
+    <p:tnLst>
+      <p:par>
+        <p:cTn xmlns:p14="http://schemas.microsoft.com/office/powerpoint/2010/main" id="1" dur="indefinite" restart="never" nodeType="tmRoot">
+          <p:childTnLst>
+            <p:seq concurrent="1" nextAc="seek">
+              <p:cTn id="2" dur="indefinite" nodeType="mainSeq">
+                <p:childTnLst>
+                  <p:par>
+                    <p:cTn id="3" fill="hold">
+                      <p:stCondLst>
+                        <p:cond delay="indefinite"/>
+                      </p:stCondLst>
+                      <p:childTnLst>
+                        <p:par>
+                          <p:cTn id="4" fill="hold">
+                            <p:stCondLst>
+                              <p:cond delay="0"/>
+                            </p:stCondLst>
+                            <p:childTnLst>
+                              <p:par>
+                                <p:cTn id="5" presetID="19" presetClass="entr" presetSubtype="10" fill="hold" nodeType="clickEffect">
+                                  <p:stCondLst>
+                                    <p:cond delay="0"/>
+                                  </p:stCondLst>
+                                  <p:childTnLst>
+                                    <p:set>
+                                      <p:cBhvr>
+                                        <p:cTn id="6" dur="1" fill="hold">
+                                          <p:stCondLst>
+                                            <p:cond delay="0"/>
+                                          </p:stCondLst>
+                                        </p:cTn>
+                                        <p:tgtEl>
+                                          <p:spTgt spid="6"/>
+                                        </p:tgtEl>
+                                        <p:attrNameLst>
+                                          <p:attrName>style.visibility</p:attrName>
+                                        </p:attrNameLst>
+                                      </p:cBhvr>
+                                      <p:to>
+                                        <p:strVal val="visible"/>
+                                      </p:to>
+                                    </p:set>
+                                    <p:anim calcmode="lin" valueType="num">
+                                      <p:cBhvr>
+                                        <p:cTn id="7" dur="5000" fill="hold"/>
+                                        <p:tgtEl>
+                                          <p:spTgt spid="6"/>
+                                        </p:tgtEl>
+                                        <p:attrNameLst>
+                                          <p:attrName>ppt_w</p:attrName>
+                                        </p:attrNameLst>
+                                      </p:cBhvr>
+                                      <p:tavLst>
+                                        <p:tav tm="0" fmla="#ppt_w*sin(2.5*pi*$)">
+                                          <p:val>
+                                            <p:fltVal val="0"/>
+                                          </p:val>
+                                        </p:tav>
+                                        <p:tav tm="100000">
+                                          <p:val>
+                                            <p:fltVal val="1"/>
+                                          </p:val>
+                                        </p:tav>
+                                      </p:tavLst>
+                                    </p:anim>
+                                    <p:anim calcmode="lin" valueType="num">
+                                      <p:cBhvr>
+                                        <p:cTn id="8" dur="5000" fill="hold"/>
+                                        <p:tgtEl>
+                                          <p:spTgt spid="6"/>
+                                        </p:tgtEl>
+                                        <p:attrNameLst>
+                                          <p:attrName>ppt_h</p:attrName>
+                                        </p:attrNameLst>
+                                      </p:cBhvr>
+                                      <p:tavLst>
+                                        <p:tav tm="0">
+                                          <p:val>
+                                            <p:strVal val="#ppt_h"/>
+                                          </p:val>
+                                        </p:tav>
+                                        <p:tav tm="100000">
+                                          <p:val>
+                                            <p:strVal val="#ppt_h"/>
+                                          </p:val>
+                                        </p:tav>
+                                      </p:tavLst>
+                                    </p:anim>
+                                  </p:childTnLst>
+                                </p:cTn>
+                              </p:par>
+                            </p:childTnLst>
+                          </p:cTn>
+                        </p:par>
+                      </p:childTnLst>
+                    </p:cTn>
+                  </p:par>
+                </p:childTnLst>
+              </p:cTn>
+              <p:prevCondLst>
+                <p:cond evt="onPrev" delay="0">
+                  <p:tgtEl>
+                    <p:sldTgt/>
+                  </p:tgtEl>
+                </p:cond>
+              </p:prevCondLst>
+              <p:nextCondLst>
+                <p:cond evt="onNext" delay="0">
+                  <p:tgtEl>
+                    <p:sldTgt/>
+                  </p:tgtEl>
+                </p:cond>
+              </p:nextCondLst>
+            </p:seq>
+          </p:childTnLst>
+        </p:cTn>
+      </p:par>
+    </p:tnLst>
+  </p:timing>
+</p:sld>
+</file>
+
+<file path=ppt/slides/slide6.xml><?xml version="1.0" encoding="utf-8"?>
+<p:sld xmlns:a="http://schemas.openxmlformats.org/drawingml/2006/main" xmlns:r="http://schemas.openxmlformats.org/officeDocument/2006/relationships" xmlns:p="http://schemas.openxmlformats.org/presentationml/2006/main">
+  <p:cSld>
+    <p:spTree>
+      <p:nvGrpSpPr>
+        <p:cNvPr id="1" name=""/>
+        <p:cNvGrpSpPr/>
+        <p:nvPr/>
+      </p:nvGrpSpPr>
+      <p:grpSpPr>
+        <a:xfrm>
+          <a:off x="0" y="0"/>
+          <a:ext cx="0" cy="0"/>
+          <a:chOff x="0" y="0"/>
+          <a:chExt cx="0" cy="0"/>
+        </a:xfrm>
+      </p:grpSpPr>
+      <p:sp>
+        <p:nvSpPr>
+          <p:cNvPr id="48130" name="Rectangle 2"/>
+          <p:cNvSpPr>
+            <a:spLocks noGrp="1" noChangeArrowheads="1"/>
+          </p:cNvSpPr>
+          <p:nvPr>
+            <p:ph type="title"/>
+          </p:nvPr>
+        </p:nvSpPr>
+        <p:spPr/>
+        <p:txBody>
+          <a:bodyPr/>
+          <a:lstStyle/>
+          <a:p>
+            <a:r>
+              <a:rPr lang="en-US" sz="3600" dirty="0"/>
+              <a:t>Math vs. English</a:t>
+            </a:r>
+          </a:p>
+        </p:txBody>
+      </p:sp>
+      <p:sp>
+        <p:nvSpPr>
+          <p:cNvPr id="48131" name="Rectangle 3"/>
+          <p:cNvSpPr>
+            <a:spLocks noGrp="1" noChangeArrowheads="1"/>
+          </p:cNvSpPr>
+          <p:nvPr>
+            <p:ph type="body" idx="1"/>
+          </p:nvPr>
+        </p:nvSpPr>
+        <p:spPr>
+          <a:xfrm>
+            <a:off x="542925" y="1365706"/>
+            <a:ext cx="8153400" cy="1504950"/>
+          </a:xfrm>
+        </p:spPr>
+        <p:txBody>
+          <a:bodyPr/>
+          <a:lstStyle/>
+          <a:p>
+            <a:r>
+              <a:rPr lang="en-US" sz="4000" dirty="0">
+                <a:solidFill>
+                  <a:srgbClr val="008000"/>
+                </a:solidFill>
+              </a:rPr>
+              <a:t>Poet</a:t>
+            </a:r>
+            <a:r>
+              <a:rPr lang="en-US" sz="4000" dirty="0"/>
+              <a:t>: “There is a </a:t>
+            </a:r>
+            <a:r>
+              <a:rPr lang="en-US" sz="4000" dirty="0" smtClean="0"/>
+              <a:t>season to every</a:t>
+            </a:r>
+            <a:endParaRPr lang="en-US" sz="4000" dirty="0"/>
+          </a:p>
+          <a:p>
+            <a:r>
+              <a:rPr lang="en-US" sz="4000" dirty="0"/>
+              <a:t>             purpose under heaven”</a:t>
+            </a:r>
+          </a:p>
+        </p:txBody>
+      </p:sp>
+      <p:graphicFrame>
+        <p:nvGraphicFramePr>
+          <p:cNvPr id="48140" name="Object 12"/>
+          <p:cNvGraphicFramePr>
+            <a:graphicFrameLocks noChangeAspect="1"/>
+          </p:cNvGraphicFramePr>
+          <p:nvPr>
+            <p:extLst>
+              <p:ext uri="{D42A27DB-BD31-4B8C-83A1-F6EECF244321}">
+                <p14:modId xmlns:p14="http://schemas.microsoft.com/office/powerpoint/2010/main" val="3177863259"/>
+              </p:ext>
+            </p:extLst>
+          </p:nvPr>
+        </p:nvGraphicFramePr>
+        <p:xfrm>
+          <a:off x="7938" y="3005138"/>
+          <a:ext cx="9131300" cy="865187"/>
+        </p:xfrm>
+        <a:graphic>
+          <a:graphicData uri="http://schemas.openxmlformats.org/presentationml/2006/ole">
+            <mc:AlternateContent xmlns:mc="http://schemas.openxmlformats.org/markup-compatibility/2006">
+              <mc:Choice xmlns:v="urn:schemas-microsoft-com:vml" Requires="v">
+                <p:oleObj spid="_x0000_s302083" name="Equation" r:id="rId4" imgW="2413000" imgH="228600" progId="Equation.3">
+                  <p:embed/>
+                </p:oleObj>
+              </mc:Choice>
+              <mc:Fallback>
+                <p:oleObj name="Equation" r:id="rId4" imgW="2413000" imgH="228600" progId="Equation.3">
+                  <p:embed/>
+                  <p:pic>
+                    <p:nvPicPr>
+                      <p:cNvPr id="0" name=""/>
+                      <p:cNvPicPr>
+                        <a:picLocks noChangeAspect="1" noChangeArrowheads="1"/>
+                      </p:cNvPicPr>
+                      <p:nvPr/>
+                    </p:nvPicPr>
+                    <p:blipFill>
+                      <a:blip r:embed="rId5"/>
+                      <a:srcRect/>
+                      <a:stretch>
+                        <a:fillRect/>
+                      </a:stretch>
+                    </p:blipFill>
+                    <p:spPr bwMode="auto">
+                      <a:xfrm>
+                        <a:off x="7938" y="3005138"/>
+                        <a:ext cx="9131300" cy="865187"/>
+                      </a:xfrm>
+                      <a:prstGeom prst="rect">
+                        <a:avLst/>
+                      </a:prstGeom>
+                      <a:noFill/>
+                      <a:extLst>
+                        <a:ext uri="{909E8E84-426E-40dd-AFC4-6F175D3DCCD1}">
+                          <a14:hiddenFill xmlns:a14="http://schemas.microsoft.com/office/drawing/2010/main">
+                            <a:solidFill>
+                              <a:srgbClr val="FFFFFF"/>
+                            </a:solidFill>
+                          </a14:hiddenFill>
+                        </a:ext>
+                      </a:extLst>
+                    </p:spPr>
+                  </p:pic>
+                </p:oleObj>
+              </mc:Fallback>
+            </mc:AlternateContent>
+          </a:graphicData>
+        </a:graphic>
+      </p:graphicFrame>
+      <p:sp>
+        <p:nvSpPr>
+          <p:cNvPr id="10" name="Text Box 22"/>
+          <p:cNvSpPr txBox="1">
+            <a:spLocks noChangeArrowheads="1"/>
+          </p:cNvSpPr>
+          <p:nvPr/>
+        </p:nvSpPr>
+        <p:spPr bwMode="auto">
+          <a:xfrm>
+            <a:off x="339725" y="4699000"/>
+            <a:ext cx="8218917" cy="707886"/>
+          </a:xfrm>
+          <a:prstGeom prst="rect">
+            <a:avLst/>
+          </a:prstGeom>
+          <a:noFill/>
+          <a:ln w="9525">
+            <a:noFill/>
+            <a:miter lim="800000"/>
+            <a:headEnd/>
+            <a:tailEnd/>
+          </a:ln>
+          <a:effectLst/>
+        </p:spPr>
+        <p:txBody>
+          <a:bodyPr wrap="none">
+            <a:spAutoFit/>
+          </a:bodyPr>
+          <a:lstStyle/>
+          <a:p>
+            <a:r>
+              <a:rPr lang="en-US" sz="4000" dirty="0">
+                <a:solidFill>
+                  <a:srgbClr val="008000"/>
+                </a:solidFill>
+                <a:latin typeface="Comic Sans MS" pitchFamily="66" charset="0"/>
+              </a:rPr>
+              <a:t>Poet’s meaning flips the </a:t>
+            </a:r>
+            <a:r>
+              <a:rPr lang="en-US" sz="4000" dirty="0" err="1">
+                <a:solidFill>
+                  <a:srgbClr val="008000"/>
+                </a:solidFill>
+                <a:latin typeface="Comic Sans MS" pitchFamily="66" charset="0"/>
+              </a:rPr>
+              <a:t>quantiers</a:t>
+            </a:r>
+            <a:endParaRPr lang="en-US" sz="4000" dirty="0">
+              <a:solidFill>
+                <a:srgbClr val="008000"/>
+              </a:solidFill>
+              <a:latin typeface="Comic Sans MS" pitchFamily="66" charset="0"/>
+            </a:endParaRPr>
+          </a:p>
+        </p:txBody>
+      </p:sp>
+    </p:spTree>
+    <p:extLst>
+      <p:ext uri="{BB962C8B-B14F-4D97-AF65-F5344CB8AC3E}">
+        <p14:creationId xmlns:p14="http://schemas.microsoft.com/office/powerpoint/2010/main" val="1501793419"/>
+      </p:ext>
+    </p:extLst>
+  </p:cSld>
+  <p:clrMapOvr>
+    <a:masterClrMapping/>
+  </p:clrMapOvr>
+  <mc:AlternateContent xmlns:mc="http://schemas.openxmlformats.org/markup-compatibility/2006" xmlns:p14="http://schemas.microsoft.com/office/powerpoint/2010/main">
+    <mc:Choice Requires="p14">
+      <p:transition spd="med" p14:dur="700" advClick="0" advTm="2000">
+        <p:fade/>
+      </p:transition>
+    </mc:Choice>
+    <mc:Fallback xmlns="">
+      <p:transition xmlns:p14="http://schemas.microsoft.com/office/powerpoint/2010/main" spd="med" advClick="0" advTm="2000">
+        <p:fade/>
+      </p:transition>
+    </mc:Fallback>
+  </mc:AlternateContent>
+  <p:timing>
+    <p:tnLst>
+      <p:par>
+        <p:cTn xmlns:p14="http://schemas.microsoft.com/office/powerpoint/2010/main" id="1" dur="indefinite" restart="never" nodeType="tmRoot"/>
+      </p:par>
+    </p:tnLst>
+  </p:timing>
+</p:sld>
+</file>
+
+<file path=ppt/slides/slide7.xml><?xml version="1.0" encoding="utf-8"?>
+<p:sld xmlns:a="http://schemas.openxmlformats.org/drawingml/2006/main" xmlns:r="http://schemas.openxmlformats.org/officeDocument/2006/relationships" xmlns:p="http://schemas.openxmlformats.org/presentationml/2006/main">
+  <p:cSld>
+    <p:spTree>
+      <p:nvGrpSpPr>
+        <p:cNvPr id="1" name=""/>
+        <p:cNvGrpSpPr/>
+        <p:nvPr/>
+      </p:nvGrpSpPr>
+      <p:grpSpPr>
+        <a:xfrm>
+          <a:off x="0" y="0"/>
+          <a:ext cx="0" cy="0"/>
+          <a:chOff x="0" y="0"/>
+          <a:chExt cx="0" cy="0"/>
+        </a:xfrm>
+      </p:grpSpPr>
+      <p:sp>
+        <p:nvSpPr>
+          <p:cNvPr id="48130" name="Rectangle 2"/>
+          <p:cNvSpPr>
+            <a:spLocks noGrp="1" noChangeArrowheads="1"/>
+          </p:cNvSpPr>
+          <p:nvPr>
+            <p:ph type="title"/>
+          </p:nvPr>
+        </p:nvSpPr>
+        <p:spPr/>
+        <p:txBody>
+          <a:bodyPr/>
+          <a:lstStyle/>
+          <a:p>
+            <a:r>
+              <a:rPr lang="en-US" sz="3600" dirty="0"/>
+              <a:t>Math vs. English</a:t>
+            </a:r>
+          </a:p>
+        </p:txBody>
+      </p:sp>
+      <p:sp>
+        <p:nvSpPr>
+          <p:cNvPr id="48131" name="Rectangle 3"/>
+          <p:cNvSpPr>
+            <a:spLocks noGrp="1" noChangeArrowheads="1"/>
+          </p:cNvSpPr>
+          <p:nvPr>
+            <p:ph type="body" idx="1"/>
+          </p:nvPr>
+        </p:nvSpPr>
+        <p:spPr>
+          <a:xfrm>
+            <a:off x="542925" y="1365706"/>
+            <a:ext cx="8153400" cy="1504950"/>
+          </a:xfrm>
+        </p:spPr>
+        <p:txBody>
+          <a:bodyPr/>
+          <a:lstStyle/>
+          <a:p>
+            <a:r>
+              <a:rPr lang="en-US" sz="4000" dirty="0">
+                <a:solidFill>
+                  <a:srgbClr val="008000"/>
+                </a:solidFill>
+              </a:rPr>
+              <a:t>Poet</a:t>
+            </a:r>
+            <a:r>
+              <a:rPr lang="en-US" sz="4000" dirty="0"/>
+              <a:t>: “There is a </a:t>
+            </a:r>
+            <a:r>
+              <a:rPr lang="en-US" sz="4000" dirty="0" smtClean="0"/>
+              <a:t>season to every</a:t>
+            </a:r>
+            <a:endParaRPr lang="en-US" sz="4000" dirty="0"/>
+          </a:p>
+          <a:p>
+            <a:r>
+              <a:rPr lang="en-US" sz="4000" dirty="0"/>
+              <a:t>             purpose under heaven”</a:t>
+            </a:r>
+          </a:p>
+        </p:txBody>
+      </p:sp>
+      <p:graphicFrame>
+        <p:nvGraphicFramePr>
+          <p:cNvPr id="48140" name="Object 12"/>
+          <p:cNvGraphicFramePr>
+            <a:graphicFrameLocks noChangeAspect="1"/>
+          </p:cNvGraphicFramePr>
+          <p:nvPr>
+            <p:extLst>
+              <p:ext uri="{D42A27DB-BD31-4B8C-83A1-F6EECF244321}">
+                <p14:modId xmlns:p14="http://schemas.microsoft.com/office/powerpoint/2010/main" val="2814365400"/>
+              </p:ext>
+            </p:extLst>
+          </p:nvPr>
+        </p:nvGraphicFramePr>
+        <p:xfrm>
+          <a:off x="7938" y="3005138"/>
+          <a:ext cx="9131300" cy="865187"/>
+        </p:xfrm>
+        <a:graphic>
+          <a:graphicData uri="http://schemas.openxmlformats.org/presentationml/2006/ole">
+            <mc:AlternateContent xmlns:mc="http://schemas.openxmlformats.org/markup-compatibility/2006">
+              <mc:Choice xmlns:v="urn:schemas-microsoft-com:vml" Requires="v">
+                <p:oleObj spid="_x0000_s303107" name="Equation" r:id="rId4" imgW="2413000" imgH="228600" progId="Equation.3">
+                  <p:embed/>
+                </p:oleObj>
+              </mc:Choice>
+              <mc:Fallback>
+                <p:oleObj name="Equation" r:id="rId4" imgW="2413000" imgH="228600" progId="Equation.3">
+                  <p:embed/>
+                  <p:pic>
+                    <p:nvPicPr>
+                      <p:cNvPr id="0" name=""/>
+                      <p:cNvPicPr>
+                        <a:picLocks noChangeAspect="1" noChangeArrowheads="1"/>
+                      </p:cNvPicPr>
+                      <p:nvPr/>
+                    </p:nvPicPr>
+                    <p:blipFill>
+                      <a:blip r:embed="rId5"/>
+                      <a:srcRect/>
+                      <a:stretch>
+                        <a:fillRect/>
+                      </a:stretch>
+                    </p:blipFill>
+                    <p:spPr bwMode="auto">
+                      <a:xfrm>
+                        <a:off x="7938" y="3005138"/>
+                        <a:ext cx="9131300" cy="865187"/>
+                      </a:xfrm>
+                      <a:prstGeom prst="rect">
+                        <a:avLst/>
+                      </a:prstGeom>
+                      <a:noFill/>
+                      <a:extLst>
+                        <a:ext uri="{909E8E84-426E-40dd-AFC4-6F175D3DCCD1}">
+                          <a14:hiddenFill xmlns:a14="http://schemas.microsoft.com/office/drawing/2010/main">
+                            <a:solidFill>
+                              <a:srgbClr val="FFFFFF"/>
+                            </a:solidFill>
+                          </a14:hiddenFill>
+                        </a:ext>
+                      </a:extLst>
+                    </p:spPr>
+                  </p:pic>
+                </p:oleObj>
+              </mc:Fallback>
+            </mc:AlternateContent>
+          </a:graphicData>
+        </a:graphic>
+      </p:graphicFrame>
+      <p:sp>
+        <p:nvSpPr>
+          <p:cNvPr id="11" name="Rectangle 11"/>
+          <p:cNvSpPr>
+            <a:spLocks noChangeArrowheads="1"/>
+          </p:cNvSpPr>
+          <p:nvPr/>
+        </p:nvSpPr>
+        <p:spPr bwMode="auto">
+          <a:xfrm>
+            <a:off x="277302" y="3852619"/>
+            <a:ext cx="8501997" cy="1938992"/>
+          </a:xfrm>
+          <a:prstGeom prst="rect">
+            <a:avLst/>
+          </a:prstGeom>
+          <a:noFill/>
+          <a:ln w="9525">
+            <a:noFill/>
+            <a:miter lim="800000"/>
+            <a:headEnd/>
+            <a:tailEnd/>
+          </a:ln>
+          <a:effectLst/>
+        </p:spPr>
+        <p:txBody>
+          <a:bodyPr wrap="none">
+            <a:spAutoFit/>
+          </a:bodyPr>
+          <a:lstStyle/>
+          <a:p>
+            <a:r>
+              <a:rPr lang="en-US" sz="4000" dirty="0">
+                <a:latin typeface="Comic Sans MS" pitchFamily="66" charset="0"/>
+              </a:rPr>
+              <a:t>for snow shoveling, Winter is good</a:t>
+            </a:r>
+          </a:p>
+          <a:p>
+            <a:r>
+              <a:rPr lang="en-US" sz="4000" dirty="0">
+                <a:latin typeface="Comic Sans MS" pitchFamily="66" charset="0"/>
+              </a:rPr>
+              <a:t>for planting,            </a:t>
+            </a:r>
+            <a:r>
+              <a:rPr lang="en-US" sz="4000" dirty="0" smtClean="0">
+                <a:latin typeface="Comic Sans MS" pitchFamily="66" charset="0"/>
+              </a:rPr>
+              <a:t>Spring  </a:t>
+            </a:r>
+            <a:r>
+              <a:rPr lang="en-US" sz="4000" dirty="0">
+                <a:latin typeface="Comic Sans MS" pitchFamily="66" charset="0"/>
+              </a:rPr>
+              <a:t>is good</a:t>
+            </a:r>
+          </a:p>
+          <a:p>
+            <a:r>
+              <a:rPr lang="en-US" sz="4000" dirty="0">
+                <a:latin typeface="Comic Sans MS" pitchFamily="66" charset="0"/>
+              </a:rPr>
+              <a:t>for leaf </a:t>
+            </a:r>
+            <a:r>
+              <a:rPr lang="en-US" sz="4000" dirty="0" smtClean="0">
+                <a:latin typeface="Comic Sans MS" pitchFamily="66" charset="0"/>
+              </a:rPr>
+              <a:t>watching,    Fall      is good</a:t>
+            </a:r>
+            <a:endParaRPr lang="en-US" sz="4000" dirty="0">
+              <a:latin typeface="Comic Sans MS" pitchFamily="66" charset="0"/>
+            </a:endParaRPr>
+          </a:p>
+        </p:txBody>
+      </p:sp>
+    </p:spTree>
+    <p:extLst>
+      <p:ext uri="{BB962C8B-B14F-4D97-AF65-F5344CB8AC3E}">
+        <p14:creationId xmlns:p14="http://schemas.microsoft.com/office/powerpoint/2010/main" val="1020426304"/>
+      </p:ext>
+    </p:extLst>
+  </p:cSld>
+  <p:clrMapOvr>
+    <a:masterClrMapping/>
+  </p:clrMapOvr>
+  <mc:AlternateContent xmlns:mc="http://schemas.openxmlformats.org/markup-compatibility/2006" xmlns:p14="http://schemas.microsoft.com/office/powerpoint/2010/main">
+    <mc:Choice Requires="p14">
+      <p:transition spd="med" p14:dur="700">
+        <p:fade/>
+      </p:transition>
+    </mc:Choice>
+    <mc:Fallback xmlns="">
+      <p:transition xmlns:p14="http://schemas.microsoft.com/office/powerpoint/2010/main" spd="med">
+        <p:fade/>
+      </p:transition>
+    </mc:Fallback>
+  </mc:AlternateContent>
+  <p:timing>
+    <p:tnLst>
+      <p:par>
+        <p:cTn xmlns:p14="http://schemas.microsoft.com/office/powerpoint/2010/main" id="1" dur="indefinite" restart="never" nodeType="tmRoot"/>
+      </p:par>
+    </p:tnLst>
+  </p:timing>
+</p:sld>
+</file>
+
+<file path=ppt/slides/slide8.xml><?xml version="1.0" encoding="utf-8"?>
+<p:sld xmlns:a="http://schemas.openxmlformats.org/drawingml/2006/main" xmlns:r="http://schemas.openxmlformats.org/officeDocument/2006/relationships" xmlns:p="http://schemas.openxmlformats.org/presentationml/2006/main">
+  <p:cSld>
+    <p:spTree>
+      <p:nvGrpSpPr>
+        <p:cNvPr id="1" name=""/>
+        <p:cNvGrpSpPr/>
+        <p:nvPr/>
+      </p:nvGrpSpPr>
+      <p:grpSpPr>
+        <a:xfrm>
+          <a:off x="0" y="0"/>
+          <a:ext cx="0" cy="0"/>
+          <a:chOff x="0" y="0"/>
+          <a:chExt cx="0" cy="0"/>
+        </a:xfrm>
+      </p:grpSpPr>
+      <p:sp>
+        <p:nvSpPr>
           <p:cNvPr id="118786" name="Rectangle 2"/>
           <p:cNvSpPr>
             <a:spLocks noGrp="1" noChangeArrowheads="1"/>
@@ -3378,13 +8277,13 @@
   <p:clrMapOvr>
     <a:masterClrMapping/>
   </p:clrMapOvr>
-  <mc:AlternateContent xmlns:mc="http://schemas.openxmlformats.org/markup-compatibility/2006" xmlns:p14="http://schemas.microsoft.com/office/powerpoint/2010/main">
-    <mc:Choice Requires="p14">
-      <p:transition spd="slow" p14:dur="1200">
+  <mc:AlternateContent xmlns:mc="http://schemas.openxmlformats.org/markup-compatibility/2006">
+    <mc:Choice xmlns:p14="http://schemas.microsoft.com/office/powerpoint/2010/main" Requires="p14">
+      <p:transition spd="slow" p14:dur="1300">
         <p:fade thruBlk="1"/>
       </p:transition>
     </mc:Choice>
-    <mc:Fallback xmlns="">
+    <mc:Fallback>
       <p:transition xmlns:p14="http://schemas.microsoft.com/office/powerpoint/2010/main" spd="slow">
         <p:fade thruBlk="1"/>
       </p:transition>
@@ -3571,7 +8470,7 @@
 </p:sld>
 </file>
 
-<file path=ppt/slides/slide4.xml><?xml version="1.0" encoding="utf-8"?>
+<file path=ppt/slides/slide9.xml><?xml version="1.0" encoding="utf-8"?>
 <p:sld xmlns:a="http://schemas.openxmlformats.org/drawingml/2006/main" xmlns:r="http://schemas.openxmlformats.org/officeDocument/2006/relationships" xmlns:p="http://schemas.openxmlformats.org/presentationml/2006/main">
   <p:cSld>
     <p:spTree>
@@ -4073,1212 +8972,6 @@
 </p:sld>
 </file>
 
-<file path=ppt/slides/slide5.xml><?xml version="1.0" encoding="utf-8"?>
-<p:sld xmlns:a="http://schemas.openxmlformats.org/drawingml/2006/main" xmlns:r="http://schemas.openxmlformats.org/officeDocument/2006/relationships" xmlns:p="http://schemas.openxmlformats.org/presentationml/2006/main" show="0">
-  <p:cSld>
-    <p:spTree>
-      <p:nvGrpSpPr>
-        <p:cNvPr id="1" name=""/>
-        <p:cNvGrpSpPr/>
-        <p:nvPr/>
-      </p:nvGrpSpPr>
-      <p:grpSpPr>
-        <a:xfrm>
-          <a:off x="0" y="0"/>
-          <a:ext cx="0" cy="0"/>
-          <a:chOff x="0" y="0"/>
-          <a:chExt cx="0" cy="0"/>
-        </a:xfrm>
-      </p:grpSpPr>
-      <p:sp>
-        <p:nvSpPr>
-          <p:cNvPr id="120834" name="Rectangle 2"/>
-          <p:cNvSpPr>
-            <a:spLocks noGrp="1" noChangeArrowheads="1"/>
-          </p:cNvSpPr>
-          <p:nvPr>
-            <p:ph type="title"/>
-          </p:nvPr>
-        </p:nvSpPr>
-        <p:spPr/>
-        <p:txBody>
-          <a:bodyPr/>
-          <a:lstStyle/>
-          <a:p>
-            <a:r>
-              <a:rPr lang="en-US" sz="3600" dirty="0">
-                <a:solidFill>
-                  <a:schemeClr val="tx1"/>
-                </a:solidFill>
-              </a:rPr>
-              <a:t>Axioms &amp; Inference Rules</a:t>
-            </a:r>
-          </a:p>
-        </p:txBody>
-      </p:sp>
-      <p:sp>
-        <p:nvSpPr>
-          <p:cNvPr id="120835" name="Rectangle 3"/>
-          <p:cNvSpPr>
-            <a:spLocks noGrp="1" noChangeArrowheads="1"/>
-          </p:cNvSpPr>
-          <p:nvPr>
-            <p:ph type="body" idx="1"/>
-          </p:nvPr>
-        </p:nvSpPr>
-        <p:spPr>
-          <a:xfrm>
-            <a:off x="665389" y="2297906"/>
-            <a:ext cx="7813222" cy="2259013"/>
-          </a:xfrm>
-        </p:spPr>
-        <p:txBody>
-          <a:bodyPr/>
-          <a:lstStyle/>
-          <a:p>
-            <a:pPr>
-              <a:lnSpc>
-                <a:spcPct val="90000"/>
-              </a:lnSpc>
-              <a:spcBef>
-                <a:spcPct val="0"/>
-              </a:spcBef>
-            </a:pPr>
-            <a:r>
-              <a:rPr lang="en-US" sz="4400" dirty="0" smtClean="0"/>
-              <a:t>Rules are just </a:t>
-            </a:r>
-            <a:r>
-              <a:rPr lang="en-US" sz="4400" dirty="0"/>
-              <a:t>UG and modus </a:t>
-            </a:r>
-            <a:endParaRPr lang="en-US" sz="4400" dirty="0" smtClean="0"/>
-          </a:p>
-          <a:p>
-            <a:pPr>
-              <a:lnSpc>
-                <a:spcPct val="90000"/>
-              </a:lnSpc>
-              <a:spcBef>
-                <a:spcPct val="0"/>
-              </a:spcBef>
-            </a:pPr>
-            <a:r>
-              <a:rPr lang="en-US" sz="4400" dirty="0" smtClean="0"/>
-              <a:t>ponens.  Most of the valid </a:t>
-            </a:r>
-          </a:p>
-          <a:p>
-            <a:pPr>
-              <a:lnSpc>
-                <a:spcPct val="90000"/>
-              </a:lnSpc>
-              <a:spcBef>
-                <a:spcPct val="0"/>
-              </a:spcBef>
-            </a:pPr>
-            <a:r>
-              <a:rPr lang="en-US" sz="4400" dirty="0" smtClean="0"/>
-              <a:t>axioms shown already.</a:t>
-            </a:r>
-            <a:endParaRPr lang="en-US" sz="4400" dirty="0"/>
-          </a:p>
-        </p:txBody>
-      </p:sp>
-    </p:spTree>
-  </p:cSld>
-  <p:clrMapOvr>
-    <a:masterClrMapping/>
-  </p:clrMapOvr>
-  <p:transition xmlns:p14="http://schemas.microsoft.com/office/powerpoint/2010/main"/>
-  <p:timing>
-    <p:tnLst>
-      <p:par>
-        <p:cTn xmlns:p14="http://schemas.microsoft.com/office/powerpoint/2010/main" id="1" dur="indefinite" restart="never" nodeType="tmRoot"/>
-      </p:par>
-    </p:tnLst>
-  </p:timing>
-</p:sld>
-</file>
-
-<file path=ppt/slides/slide6.xml><?xml version="1.0" encoding="utf-8"?>
-<p:sld xmlns:a="http://schemas.openxmlformats.org/drawingml/2006/main" xmlns:r="http://schemas.openxmlformats.org/officeDocument/2006/relationships" xmlns:p="http://schemas.openxmlformats.org/presentationml/2006/main">
-  <p:cSld>
-    <p:spTree>
-      <p:nvGrpSpPr>
-        <p:cNvPr id="1" name=""/>
-        <p:cNvGrpSpPr/>
-        <p:nvPr/>
-      </p:nvGrpSpPr>
-      <p:grpSpPr>
-        <a:xfrm>
-          <a:off x="0" y="0"/>
-          <a:ext cx="0" cy="0"/>
-          <a:chOff x="0" y="0"/>
-          <a:chExt cx="0" cy="0"/>
-        </a:xfrm>
-      </p:grpSpPr>
-      <p:sp>
-        <p:nvSpPr>
-          <p:cNvPr id="121858" name="Rectangle 2"/>
-          <p:cNvSpPr>
-            <a:spLocks noGrp="1" noChangeArrowheads="1"/>
-          </p:cNvSpPr>
-          <p:nvPr>
-            <p:ph type="title"/>
-          </p:nvPr>
-        </p:nvSpPr>
-        <p:spPr/>
-        <p:txBody>
-          <a:bodyPr/>
-          <a:lstStyle/>
-          <a:p>
-            <a:r>
-              <a:rPr lang="en-US" sz="3600" dirty="0" smtClean="0"/>
-              <a:t>Validity is </a:t>
-            </a:r>
-            <a:r>
-              <a:rPr lang="en-US" sz="3600" dirty="0" err="1" smtClean="0">
-                <a:solidFill>
-                  <a:srgbClr val="FF0000"/>
-                </a:solidFill>
-              </a:rPr>
-              <a:t>undecidable</a:t>
-            </a:r>
-            <a:endParaRPr lang="en-US" sz="3600" dirty="0">
-              <a:solidFill>
-                <a:srgbClr val="FF0000"/>
-              </a:solidFill>
-            </a:endParaRPr>
-          </a:p>
-        </p:txBody>
-      </p:sp>
-      <p:sp>
-        <p:nvSpPr>
-          <p:cNvPr id="121859" name="Rectangle 3"/>
-          <p:cNvSpPr>
-            <a:spLocks noGrp="1" noChangeArrowheads="1"/>
-          </p:cNvSpPr>
-          <p:nvPr>
-            <p:ph type="body" idx="1"/>
-          </p:nvPr>
-        </p:nvSpPr>
-        <p:spPr>
-          <a:xfrm>
-            <a:off x="500743" y="1496659"/>
-            <a:ext cx="8142514" cy="3870551"/>
-          </a:xfrm>
-        </p:spPr>
-        <p:txBody>
-          <a:bodyPr/>
-          <a:lstStyle/>
-          <a:p>
-            <a:r>
-              <a:rPr lang="en-US" sz="4000" dirty="0" err="1"/>
-              <a:t>Thm</a:t>
-            </a:r>
-            <a:r>
-              <a:rPr lang="en-US" sz="4000" dirty="0"/>
-              <a:t> 2, </a:t>
-            </a:r>
-            <a:r>
-              <a:rPr lang="en-US" sz="4000" dirty="0">
-                <a:solidFill>
-                  <a:srgbClr val="CC0000"/>
-                </a:solidFill>
-              </a:rPr>
-              <a:t>Bad News:</a:t>
-            </a:r>
-            <a:r>
-              <a:rPr lang="en-US" sz="4000" dirty="0"/>
-              <a:t> there is no </a:t>
-            </a:r>
-          </a:p>
-          <a:p>
-            <a:r>
-              <a:rPr lang="en-US" sz="4000" dirty="0"/>
-              <a:t>procedure </a:t>
-            </a:r>
-            <a:r>
-              <a:rPr lang="en-US" sz="4000" dirty="0" smtClean="0"/>
-              <a:t>to determine whether </a:t>
-            </a:r>
-            <a:endParaRPr lang="en-US" sz="4000" dirty="0"/>
-          </a:p>
-          <a:p>
-            <a:r>
-              <a:rPr lang="en-US" sz="4000" dirty="0" smtClean="0"/>
-              <a:t>a quantified  formula is </a:t>
-            </a:r>
-            <a:r>
-              <a:rPr lang="en-US" sz="4000" dirty="0"/>
-              <a:t>valid</a:t>
-            </a:r>
-          </a:p>
-          <a:p>
-            <a:r>
-              <a:rPr lang="en-US" sz="4000" dirty="0"/>
-              <a:t>(in contrast to propositional </a:t>
-            </a:r>
-          </a:p>
-          <a:p>
-            <a:r>
-              <a:rPr lang="en-US" sz="4000" dirty="0"/>
-              <a:t>formulas).</a:t>
-            </a:r>
-          </a:p>
-        </p:txBody>
-      </p:sp>
-    </p:spTree>
-  </p:cSld>
-  <p:clrMapOvr>
-    <a:masterClrMapping/>
-  </p:clrMapOvr>
-  <p:transition xmlns:p14="http://schemas.microsoft.com/office/powerpoint/2010/main" spd="slow">
-    <p:fade/>
-  </p:transition>
-  <p:timing>
-    <p:tnLst>
-      <p:par>
-        <p:cTn xmlns:p14="http://schemas.microsoft.com/office/powerpoint/2010/main" id="1" dur="indefinite" restart="never" nodeType="tmRoot">
-          <p:childTnLst>
-            <p:seq concurrent="1" nextAc="seek">
-              <p:cTn id="2" dur="indefinite" nodeType="mainSeq">
-                <p:childTnLst>
-                  <p:par>
-                    <p:cTn id="3" fill="hold">
-                      <p:stCondLst>
-                        <p:cond delay="indefinite"/>
-                      </p:stCondLst>
-                      <p:childTnLst>
-                        <p:par>
-                          <p:cTn id="4" fill="hold">
-                            <p:stCondLst>
-                              <p:cond delay="0"/>
-                            </p:stCondLst>
-                            <p:childTnLst>
-                              <p:par>
-                                <p:cTn id="5" presetID="15" presetClass="entr" presetSubtype="0" fill="hold" grpId="0" nodeType="clickEffect">
-                                  <p:stCondLst>
-                                    <p:cond delay="0"/>
-                                  </p:stCondLst>
-                                  <p:childTnLst>
-                                    <p:set>
-                                      <p:cBhvr>
-                                        <p:cTn id="6" dur="1" fill="hold">
-                                          <p:stCondLst>
-                                            <p:cond delay="0"/>
-                                          </p:stCondLst>
-                                        </p:cTn>
-                                        <p:tgtEl>
-                                          <p:spTgt spid="121858"/>
-                                        </p:tgtEl>
-                                        <p:attrNameLst>
-                                          <p:attrName>style.visibility</p:attrName>
-                                        </p:attrNameLst>
-                                      </p:cBhvr>
-                                      <p:to>
-                                        <p:strVal val="visible"/>
-                                      </p:to>
-                                    </p:set>
-                                    <p:anim calcmode="lin" valueType="num">
-                                      <p:cBhvr>
-                                        <p:cTn id="7" dur="1000" fill="hold"/>
-                                        <p:tgtEl>
-                                          <p:spTgt spid="121858"/>
-                                        </p:tgtEl>
-                                        <p:attrNameLst>
-                                          <p:attrName>ppt_w</p:attrName>
-                                        </p:attrNameLst>
-                                      </p:cBhvr>
-                                      <p:tavLst>
-                                        <p:tav tm="0">
-                                          <p:val>
-                                            <p:fltVal val="0"/>
-                                          </p:val>
-                                        </p:tav>
-                                        <p:tav tm="100000">
-                                          <p:val>
-                                            <p:strVal val="#ppt_w"/>
-                                          </p:val>
-                                        </p:tav>
-                                      </p:tavLst>
-                                    </p:anim>
-                                    <p:anim calcmode="lin" valueType="num">
-                                      <p:cBhvr>
-                                        <p:cTn id="8" dur="1000" fill="hold"/>
-                                        <p:tgtEl>
-                                          <p:spTgt spid="121858"/>
-                                        </p:tgtEl>
-                                        <p:attrNameLst>
-                                          <p:attrName>ppt_h</p:attrName>
-                                        </p:attrNameLst>
-                                      </p:cBhvr>
-                                      <p:tavLst>
-                                        <p:tav tm="0">
-                                          <p:val>
-                                            <p:fltVal val="0"/>
-                                          </p:val>
-                                        </p:tav>
-                                        <p:tav tm="100000">
-                                          <p:val>
-                                            <p:strVal val="#ppt_h"/>
-                                          </p:val>
-                                        </p:tav>
-                                      </p:tavLst>
-                                    </p:anim>
-                                    <p:anim calcmode="lin" valueType="num">
-                                      <p:cBhvr>
-                                        <p:cTn id="9" dur="1000" fill="hold"/>
-                                        <p:tgtEl>
-                                          <p:spTgt spid="121858"/>
-                                        </p:tgtEl>
-                                        <p:attrNameLst>
-                                          <p:attrName>ppt_x</p:attrName>
-                                        </p:attrNameLst>
-                                      </p:cBhvr>
-                                      <p:tavLst>
-                                        <p:tav tm="0" fmla="#ppt_x+(cos(-2*pi*(1-$))*-#ppt_x-sin(-2*pi*(1-$))*(1-#ppt_y))*(1-$)">
-                                          <p:val>
-                                            <p:fltVal val="0"/>
-                                          </p:val>
-                                        </p:tav>
-                                        <p:tav tm="100000">
-                                          <p:val>
-                                            <p:fltVal val="1"/>
-                                          </p:val>
-                                        </p:tav>
-                                      </p:tavLst>
-                                    </p:anim>
-                                    <p:anim calcmode="lin" valueType="num">
-                                      <p:cBhvr>
-                                        <p:cTn id="10" dur="1000" fill="hold"/>
-                                        <p:tgtEl>
-                                          <p:spTgt spid="121858"/>
-                                        </p:tgtEl>
-                                        <p:attrNameLst>
-                                          <p:attrName>ppt_y</p:attrName>
-                                        </p:attrNameLst>
-                                      </p:cBhvr>
-                                      <p:tavLst>
-                                        <p:tav tm="0" fmla="#ppt_y+(sin(-2*pi*(1-$))*-#ppt_x+cos(-2*pi*(1-$))*(1-#ppt_y))*(1-$)">
-                                          <p:val>
-                                            <p:fltVal val="0"/>
-                                          </p:val>
-                                        </p:tav>
-                                        <p:tav tm="100000">
-                                          <p:val>
-                                            <p:fltVal val="1"/>
-                                          </p:val>
-                                        </p:tav>
-                                      </p:tavLst>
-                                    </p:anim>
-                                  </p:childTnLst>
-                                </p:cTn>
-                              </p:par>
-                            </p:childTnLst>
-                          </p:cTn>
-                        </p:par>
-                      </p:childTnLst>
-                    </p:cTn>
-                  </p:par>
-                  <p:par>
-                    <p:cTn id="11" fill="hold">
-                      <p:stCondLst>
-                        <p:cond delay="indefinite"/>
-                      </p:stCondLst>
-                      <p:childTnLst>
-                        <p:par>
-                          <p:cTn id="12" fill="hold">
-                            <p:stCondLst>
-                              <p:cond delay="0"/>
-                            </p:stCondLst>
-                            <p:childTnLst>
-                              <p:par>
-                                <p:cTn id="13" presetID="1" presetClass="entr" presetSubtype="0" fill="hold" nodeType="clickEffect">
-                                  <p:stCondLst>
-                                    <p:cond delay="0"/>
-                                  </p:stCondLst>
-                                  <p:childTnLst>
-                                    <p:set>
-                                      <p:cBhvr>
-                                        <p:cTn id="14" dur="1" fill="hold">
-                                          <p:stCondLst>
-                                            <p:cond delay="0"/>
-                                          </p:stCondLst>
-                                        </p:cTn>
-                                        <p:tgtEl>
-                                          <p:spTgt spid="121859">
-                                            <p:txEl>
-                                              <p:pRg st="3" end="3"/>
-                                            </p:txEl>
-                                          </p:spTgt>
-                                        </p:tgtEl>
-                                        <p:attrNameLst>
-                                          <p:attrName>style.visibility</p:attrName>
-                                        </p:attrNameLst>
-                                      </p:cBhvr>
-                                      <p:to>
-                                        <p:strVal val="visible"/>
-                                      </p:to>
-                                    </p:set>
-                                  </p:childTnLst>
-                                </p:cTn>
-                              </p:par>
-                              <p:par>
-                                <p:cTn id="15" presetID="1" presetClass="entr" presetSubtype="0" fill="hold" nodeType="withEffect">
-                                  <p:stCondLst>
-                                    <p:cond delay="0"/>
-                                  </p:stCondLst>
-                                  <p:childTnLst>
-                                    <p:set>
-                                      <p:cBhvr>
-                                        <p:cTn id="16" dur="1" fill="hold">
-                                          <p:stCondLst>
-                                            <p:cond delay="0"/>
-                                          </p:stCondLst>
-                                        </p:cTn>
-                                        <p:tgtEl>
-                                          <p:spTgt spid="121859">
-                                            <p:txEl>
-                                              <p:pRg st="4" end="4"/>
-                                            </p:txEl>
-                                          </p:spTgt>
-                                        </p:tgtEl>
-                                        <p:attrNameLst>
-                                          <p:attrName>style.visibility</p:attrName>
-                                        </p:attrNameLst>
-                                      </p:cBhvr>
-                                      <p:to>
-                                        <p:strVal val="visible"/>
-                                      </p:to>
-                                    </p:set>
-                                  </p:childTnLst>
-                                </p:cTn>
-                              </p:par>
-                            </p:childTnLst>
-                          </p:cTn>
-                        </p:par>
-                      </p:childTnLst>
-                    </p:cTn>
-                  </p:par>
-                </p:childTnLst>
-              </p:cTn>
-              <p:prevCondLst>
-                <p:cond evt="onPrev" delay="0">
-                  <p:tgtEl>
-                    <p:sldTgt/>
-                  </p:tgtEl>
-                </p:cond>
-              </p:prevCondLst>
-              <p:nextCondLst>
-                <p:cond evt="onNext" delay="0">
-                  <p:tgtEl>
-                    <p:sldTgt/>
-                  </p:tgtEl>
-                </p:cond>
-              </p:nextCondLst>
-            </p:seq>
-          </p:childTnLst>
-        </p:cTn>
-      </p:par>
-    </p:tnLst>
-    <p:bldLst>
-      <p:bldP spid="121858" grpId="0"/>
-    </p:bldLst>
-  </p:timing>
-</p:sld>
-</file>
-
-<file path=ppt/slides/slide7.xml><?xml version="1.0" encoding="utf-8"?>
-<p:sld xmlns:a="http://schemas.openxmlformats.org/drawingml/2006/main" xmlns:r="http://schemas.openxmlformats.org/officeDocument/2006/relationships" xmlns:p="http://schemas.openxmlformats.org/presentationml/2006/main" show="0">
-  <p:cSld>
-    <p:spTree>
-      <p:nvGrpSpPr>
-        <p:cNvPr id="1" name=""/>
-        <p:cNvGrpSpPr/>
-        <p:nvPr/>
-      </p:nvGrpSpPr>
-      <p:grpSpPr>
-        <a:xfrm>
-          <a:off x="0" y="0"/>
-          <a:ext cx="0" cy="0"/>
-          <a:chOff x="0" y="0"/>
-          <a:chExt cx="0" cy="0"/>
-        </a:xfrm>
-      </p:grpSpPr>
-      <p:sp>
-        <p:nvSpPr>
-          <p:cNvPr id="122882" name="Rectangle 2"/>
-          <p:cNvSpPr>
-            <a:spLocks noGrp="1" noChangeArrowheads="1"/>
-          </p:cNvSpPr>
-          <p:nvPr>
-            <p:ph type="title"/>
-          </p:nvPr>
-        </p:nvSpPr>
-        <p:spPr>
-          <a:xfrm>
-            <a:off x="739775" y="228600"/>
-            <a:ext cx="7989888" cy="1577975"/>
-          </a:xfrm>
-        </p:spPr>
-        <p:txBody>
-          <a:bodyPr/>
-          <a:lstStyle/>
-          <a:p>
-            <a:r>
-              <a:rPr lang="en-US" sz="2800" dirty="0">
-                <a:solidFill>
-                  <a:schemeClr val="tx1"/>
-                </a:solidFill>
-              </a:rPr>
-              <a:t>G</a:t>
-            </a:r>
-            <a:r>
-              <a:rPr lang="en-US" sz="2800" dirty="0">
-                <a:solidFill>
-                  <a:schemeClr val="tx1"/>
-                </a:solidFill>
-                <a:cs typeface="Times New Roman" pitchFamily="18" charset="0"/>
-              </a:rPr>
-              <a:t>ö</a:t>
-            </a:r>
-            <a:r>
-              <a:rPr lang="en-US" sz="2800" dirty="0">
-                <a:solidFill>
-                  <a:schemeClr val="tx1"/>
-                </a:solidFill>
-              </a:rPr>
-              <a:t>del's </a:t>
-            </a:r>
-            <a:r>
-              <a:rPr lang="en-US" sz="2800" dirty="0">
-                <a:solidFill>
-                  <a:srgbClr val="9751CB"/>
-                </a:solidFill>
-              </a:rPr>
-              <a:t>In</a:t>
-            </a:r>
-            <a:r>
-              <a:rPr lang="en-US" sz="2800" dirty="0">
-                <a:solidFill>
-                  <a:schemeClr val="tx1"/>
-                </a:solidFill>
-              </a:rPr>
-              <a:t>completeness Theorem</a:t>
-            </a:r>
-            <a:br>
-              <a:rPr lang="en-US" sz="2800" dirty="0">
-                <a:solidFill>
-                  <a:schemeClr val="tx1"/>
-                </a:solidFill>
-              </a:rPr>
-            </a:br>
-            <a:r>
-              <a:rPr lang="en-US" sz="2800" dirty="0">
-                <a:solidFill>
-                  <a:schemeClr val="tx1"/>
-                </a:solidFill>
-              </a:rPr>
-              <a:t>for Arithmetic</a:t>
-            </a:r>
-          </a:p>
-        </p:txBody>
-      </p:sp>
-      <p:sp>
-        <p:nvSpPr>
-          <p:cNvPr id="122883" name="Rectangle 3"/>
-          <p:cNvSpPr>
-            <a:spLocks noGrp="1" noChangeArrowheads="1"/>
-          </p:cNvSpPr>
-          <p:nvPr>
-            <p:ph type="body" idx="1"/>
-          </p:nvPr>
-        </p:nvSpPr>
-        <p:spPr>
-          <a:xfrm>
-            <a:off x="250825" y="1574800"/>
-            <a:ext cx="8685213" cy="4941888"/>
-          </a:xfrm>
-        </p:spPr>
-        <p:txBody>
-          <a:bodyPr/>
-          <a:lstStyle/>
-          <a:p>
-            <a:pPr>
-              <a:lnSpc>
-                <a:spcPct val="90000"/>
-              </a:lnSpc>
-            </a:pPr>
-            <a:r>
-              <a:rPr lang="en-US" sz="4000" dirty="0" err="1"/>
-              <a:t>Thm</a:t>
-            </a:r>
-            <a:r>
-              <a:rPr lang="en-US" sz="4000" dirty="0"/>
-              <a:t> 3, </a:t>
-            </a:r>
-            <a:r>
-              <a:rPr lang="en-US" sz="4000" dirty="0">
-                <a:solidFill>
-                  <a:srgbClr val="CC0000"/>
-                </a:solidFill>
-              </a:rPr>
-              <a:t>Worse News</a:t>
-            </a:r>
-            <a:r>
-              <a:rPr lang="en-US" sz="4000" dirty="0"/>
-              <a:t>:</a:t>
-            </a:r>
-          </a:p>
-          <a:p>
-            <a:pPr>
-              <a:lnSpc>
-                <a:spcPct val="70000"/>
-              </a:lnSpc>
-            </a:pPr>
-            <a:r>
-              <a:rPr lang="en-US" sz="4000" dirty="0"/>
-              <a:t>if we stick to domain, </a:t>
-            </a:r>
-            <a:r>
-              <a:rPr lang="en-US" sz="4000" b="1" dirty="0">
-                <a:solidFill>
-                  <a:srgbClr val="000066"/>
-                </a:solidFill>
-                <a:sym typeface="Euclid Math Two" pitchFamily="18" charset="2"/>
-              </a:rPr>
-              <a:t></a:t>
-            </a:r>
-            <a:r>
-              <a:rPr lang="en-US" sz="4000" dirty="0">
-                <a:sym typeface="Euclid Math Two" pitchFamily="18" charset="2"/>
-              </a:rPr>
-              <a:t>, with</a:t>
-            </a:r>
-          </a:p>
-          <a:p>
-            <a:pPr>
-              <a:lnSpc>
-                <a:spcPct val="80000"/>
-              </a:lnSpc>
-            </a:pPr>
-            <a:r>
-              <a:rPr lang="en-US" sz="4000" dirty="0">
-                <a:sym typeface="Euclid Math Two" pitchFamily="18" charset="2"/>
-              </a:rPr>
-              <a:t>predicates    </a:t>
-            </a:r>
-            <a:r>
-              <a:rPr lang="en-US" sz="4000" dirty="0">
-                <a:solidFill>
-                  <a:srgbClr val="0000FF"/>
-                </a:solidFill>
-                <a:sym typeface="Euclid Math Two" pitchFamily="18" charset="2"/>
-              </a:rPr>
-              <a:t>x +  y = z</a:t>
-            </a:r>
-            <a:r>
-              <a:rPr lang="en-US" sz="4000" dirty="0" smtClean="0">
-                <a:solidFill>
-                  <a:srgbClr val="000066"/>
-                </a:solidFill>
-                <a:sym typeface="Euclid Math Two" pitchFamily="18" charset="2"/>
-              </a:rPr>
-              <a:t>,</a:t>
-            </a:r>
-          </a:p>
-          <a:p>
-            <a:pPr>
-              <a:lnSpc>
-                <a:spcPct val="80000"/>
-              </a:lnSpc>
-            </a:pPr>
-            <a:r>
-              <a:rPr lang="en-US" sz="4000" dirty="0" smtClean="0">
-                <a:solidFill>
-                  <a:srgbClr val="0000FF"/>
-                </a:solidFill>
-                <a:sym typeface="Euclid Math Two" pitchFamily="18" charset="2"/>
-              </a:rPr>
-              <a:t>				   </a:t>
-            </a:r>
-            <a:r>
-              <a:rPr lang="en-US" sz="4000" dirty="0" err="1" smtClean="0">
-                <a:solidFill>
-                  <a:srgbClr val="0000FF"/>
-                </a:solidFill>
-                <a:sym typeface="Euclid Math Two" pitchFamily="18" charset="2"/>
-              </a:rPr>
-              <a:t>x</a:t>
-            </a:r>
-            <a:r>
-              <a:rPr lang="en-US" sz="4000" dirty="0" smtClean="0">
-                <a:solidFill>
-                  <a:srgbClr val="0000FF"/>
-                </a:solidFill>
-                <a:sym typeface="Euclid Math Two" pitchFamily="18" charset="2"/>
-              </a:rPr>
-              <a:t> </a:t>
-            </a:r>
-            <a:r>
-              <a:rPr lang="en-US" sz="4000" dirty="0" smtClean="0">
-                <a:solidFill>
-                  <a:srgbClr val="0000FF"/>
-                </a:solidFill>
-                <a:latin typeface="Euclid Symbol" charset="2"/>
-                <a:sym typeface="Euclid Math Two" pitchFamily="18" charset="2"/>
-              </a:rPr>
-              <a:t>× </a:t>
-            </a:r>
-            <a:r>
-              <a:rPr lang="en-US" sz="4000" dirty="0" err="1" smtClean="0">
-                <a:solidFill>
-                  <a:srgbClr val="0000FF"/>
-                </a:solidFill>
-                <a:sym typeface="Euclid Math Two" pitchFamily="18" charset="2"/>
-              </a:rPr>
-              <a:t>y</a:t>
-            </a:r>
-            <a:r>
-              <a:rPr lang="en-US" sz="4000" dirty="0" smtClean="0">
-                <a:solidFill>
-                  <a:srgbClr val="0000FF"/>
-                </a:solidFill>
-                <a:sym typeface="Euclid Math Two" pitchFamily="18" charset="2"/>
-              </a:rPr>
-              <a:t> = </a:t>
-            </a:r>
-            <a:r>
-              <a:rPr lang="en-US" sz="4000" dirty="0">
-                <a:solidFill>
-                  <a:srgbClr val="0000FF"/>
-                </a:solidFill>
-                <a:sym typeface="Euclid Math Two" pitchFamily="18" charset="2"/>
-              </a:rPr>
-              <a:t>z</a:t>
-            </a:r>
-            <a:r>
-              <a:rPr lang="en-US" sz="4000" dirty="0">
-                <a:sym typeface="Euclid Math Two" pitchFamily="18" charset="2"/>
-              </a:rPr>
-              <a:t>,</a:t>
-            </a:r>
-          </a:p>
-          <a:p>
-            <a:pPr>
-              <a:lnSpc>
-                <a:spcPct val="90000"/>
-              </a:lnSpc>
-            </a:pPr>
-            <a:r>
-              <a:rPr lang="en-US" sz="4000" dirty="0">
-                <a:sym typeface="Euclid Math Two" pitchFamily="18" charset="2"/>
-              </a:rPr>
-              <a:t>then </a:t>
-            </a:r>
-            <a:r>
-              <a:rPr lang="en-US" sz="4000" dirty="0">
-                <a:solidFill>
-                  <a:srgbClr val="F80000"/>
-                </a:solidFill>
-                <a:sym typeface="Euclid Math Two" pitchFamily="18" charset="2"/>
-              </a:rPr>
-              <a:t>no </a:t>
-            </a:r>
-            <a:r>
-              <a:rPr lang="en-US" sz="4000" dirty="0">
-                <a:sym typeface="Euclid Math Two" pitchFamily="18" charset="2"/>
-              </a:rPr>
-              <a:t>proof system can</a:t>
-            </a:r>
-          </a:p>
-          <a:p>
-            <a:pPr>
-              <a:lnSpc>
-                <a:spcPct val="90000"/>
-              </a:lnSpc>
-            </a:pPr>
-            <a:r>
-              <a:rPr lang="en-US" sz="4000" dirty="0">
-                <a:sym typeface="Euclid Math Two" pitchFamily="18" charset="2"/>
-              </a:rPr>
-              <a:t>prove all the true assertions!</a:t>
-            </a:r>
-          </a:p>
-        </p:txBody>
-      </p:sp>
-    </p:spTree>
-  </p:cSld>
-  <p:clrMapOvr>
-    <a:masterClrMapping/>
-  </p:clrMapOvr>
-  <p:transition xmlns:p14="http://schemas.microsoft.com/office/powerpoint/2010/main"/>
-  <p:timing>
-    <p:tnLst>
-      <p:par>
-        <p:cTn xmlns:p14="http://schemas.microsoft.com/office/powerpoint/2010/main" id="1" dur="indefinite" restart="never" nodeType="tmRoot">
-          <p:childTnLst>
-            <p:seq concurrent="1" nextAc="seek">
-              <p:cTn id="2" dur="indefinite" nodeType="mainSeq">
-                <p:childTnLst>
-                  <p:par>
-                    <p:cTn id="3" fill="hold">
-                      <p:stCondLst>
-                        <p:cond delay="indefinite"/>
-                      </p:stCondLst>
-                      <p:childTnLst>
-                        <p:par>
-                          <p:cTn id="4" fill="hold">
-                            <p:stCondLst>
-                              <p:cond delay="0"/>
-                            </p:stCondLst>
-                            <p:childTnLst>
-                              <p:par>
-                                <p:cTn id="5" presetID="1" presetClass="entr" presetSubtype="0" fill="hold" nodeType="clickEffect">
-                                  <p:stCondLst>
-                                    <p:cond delay="0"/>
-                                  </p:stCondLst>
-                                  <p:childTnLst>
-                                    <p:set>
-                                      <p:cBhvr>
-                                        <p:cTn id="6" dur="1" fill="hold">
-                                          <p:stCondLst>
-                                            <p:cond delay="0"/>
-                                          </p:stCondLst>
-                                        </p:cTn>
-                                        <p:tgtEl>
-                                          <p:spTgt spid="122883">
-                                            <p:txEl>
-                                              <p:pRg st="4" end="4"/>
-                                            </p:txEl>
-                                          </p:spTgt>
-                                        </p:tgtEl>
-                                        <p:attrNameLst>
-                                          <p:attrName>style.visibility</p:attrName>
-                                        </p:attrNameLst>
-                                      </p:cBhvr>
-                                      <p:to>
-                                        <p:strVal val="visible"/>
-                                      </p:to>
-                                    </p:set>
-                                  </p:childTnLst>
-                                </p:cTn>
-                              </p:par>
-                              <p:par>
-                                <p:cTn id="7" presetID="1" presetClass="entr" presetSubtype="0" fill="hold" nodeType="withEffect">
-                                  <p:stCondLst>
-                                    <p:cond delay="0"/>
-                                  </p:stCondLst>
-                                  <p:childTnLst>
-                                    <p:set>
-                                      <p:cBhvr>
-                                        <p:cTn id="8" dur="1" fill="hold">
-                                          <p:stCondLst>
-                                            <p:cond delay="0"/>
-                                          </p:stCondLst>
-                                        </p:cTn>
-                                        <p:tgtEl>
-                                          <p:spTgt spid="122883">
-                                            <p:txEl>
-                                              <p:pRg st="5" end="5"/>
-                                            </p:txEl>
-                                          </p:spTgt>
-                                        </p:tgtEl>
-                                        <p:attrNameLst>
-                                          <p:attrName>style.visibility</p:attrName>
-                                        </p:attrNameLst>
-                                      </p:cBhvr>
-                                      <p:to>
-                                        <p:strVal val="visible"/>
-                                      </p:to>
-                                    </p:set>
-                                  </p:childTnLst>
-                                </p:cTn>
-                              </p:par>
-                            </p:childTnLst>
-                          </p:cTn>
-                        </p:par>
-                      </p:childTnLst>
-                    </p:cTn>
-                  </p:par>
-                </p:childTnLst>
-              </p:cTn>
-              <p:prevCondLst>
-                <p:cond evt="onPrev" delay="0">
-                  <p:tgtEl>
-                    <p:sldTgt/>
-                  </p:tgtEl>
-                </p:cond>
-              </p:prevCondLst>
-              <p:nextCondLst>
-                <p:cond evt="onNext" delay="0">
-                  <p:tgtEl>
-                    <p:sldTgt/>
-                  </p:tgtEl>
-                </p:cond>
-              </p:nextCondLst>
-            </p:seq>
-          </p:childTnLst>
-        </p:cTn>
-      </p:par>
-    </p:tnLst>
-  </p:timing>
-</p:sld>
-</file>
-
-<file path=ppt/slides/slide8.xml><?xml version="1.0" encoding="utf-8"?>
-<p:sld xmlns:a="http://schemas.openxmlformats.org/drawingml/2006/main" xmlns:r="http://schemas.openxmlformats.org/officeDocument/2006/relationships" xmlns:p="http://schemas.openxmlformats.org/presentationml/2006/main">
-  <p:cSld>
-    <p:spTree>
-      <p:nvGrpSpPr>
-        <p:cNvPr id="1" name=""/>
-        <p:cNvGrpSpPr/>
-        <p:nvPr/>
-      </p:nvGrpSpPr>
-      <p:grpSpPr>
-        <a:xfrm>
-          <a:off x="0" y="0"/>
-          <a:ext cx="0" cy="0"/>
-          <a:chOff x="0" y="0"/>
-          <a:chExt cx="0" cy="0"/>
-        </a:xfrm>
-      </p:grpSpPr>
-      <p:sp>
-        <p:nvSpPr>
-          <p:cNvPr id="123906" name="Rectangle 2"/>
-          <p:cNvSpPr>
-            <a:spLocks noGrp="1" noChangeArrowheads="1"/>
-          </p:cNvSpPr>
-          <p:nvPr>
-            <p:ph type="title"/>
-          </p:nvPr>
-        </p:nvSpPr>
-        <p:spPr/>
-        <p:txBody>
-          <a:bodyPr/>
-          <a:lstStyle/>
-          <a:p>
-            <a:r>
-              <a:rPr lang="en-US" sz="4000" dirty="0" smtClean="0"/>
-              <a:t>Profound Meta-Theorems</a:t>
-            </a:r>
-            <a:endParaRPr lang="en-US" sz="4000" dirty="0"/>
-          </a:p>
-        </p:txBody>
-      </p:sp>
-      <p:sp>
-        <p:nvSpPr>
-          <p:cNvPr id="123907" name="Rectangle 3"/>
-          <p:cNvSpPr>
-            <a:spLocks noGrp="1" noChangeArrowheads="1"/>
-          </p:cNvSpPr>
-          <p:nvPr>
-            <p:ph type="body" idx="1"/>
-          </p:nvPr>
-        </p:nvSpPr>
-        <p:spPr>
-          <a:xfrm>
-            <a:off x="223419" y="1681430"/>
-            <a:ext cx="8819161" cy="3598025"/>
-          </a:xfrm>
-        </p:spPr>
-        <p:txBody>
-          <a:bodyPr/>
-          <a:lstStyle/>
-          <a:p>
-            <a:r>
-              <a:rPr lang="en-US" sz="4000" dirty="0"/>
-              <a:t>We won't </a:t>
-            </a:r>
-            <a:r>
-              <a:rPr lang="en-US" sz="4000" dirty="0" smtClean="0"/>
-              <a:t>examine </a:t>
-            </a:r>
-            <a:r>
-              <a:rPr lang="en-US" sz="4000" dirty="0"/>
-              <a:t>these </a:t>
-            </a:r>
-            <a:r>
-              <a:rPr lang="en-US" sz="4000" dirty="0" smtClean="0"/>
-              <a:t>Theorems further.  Their </a:t>
-            </a:r>
-            <a:r>
-              <a:rPr lang="en-US" sz="4000" dirty="0"/>
-              <a:t>proofs usually require half </a:t>
-            </a:r>
-            <a:r>
-              <a:rPr lang="en-US" sz="4000" dirty="0" smtClean="0"/>
-              <a:t>a </a:t>
-            </a:r>
-            <a:r>
-              <a:rPr lang="en-US" sz="4000" dirty="0"/>
-              <a:t>term in an intro logic course </a:t>
-            </a:r>
-            <a:r>
-              <a:rPr lang="en-US" sz="4000" dirty="0" smtClean="0"/>
-              <a:t>after </a:t>
-            </a:r>
-            <a:r>
-              <a:rPr lang="en-US" sz="4000" dirty="0"/>
-              <a:t>6.042</a:t>
-            </a:r>
-            <a:r>
-              <a:rPr lang="en-US" sz="4000" dirty="0" smtClean="0"/>
-              <a:t>.  But they are interesting to think about.</a:t>
-            </a:r>
-            <a:endParaRPr lang="en-US" sz="2800" dirty="0"/>
-          </a:p>
-        </p:txBody>
-      </p:sp>
-    </p:spTree>
-  </p:cSld>
-  <p:clrMapOvr>
-    <a:masterClrMapping/>
-  </p:clrMapOvr>
-  <mc:AlternateContent xmlns:mc="http://schemas.openxmlformats.org/markup-compatibility/2006" xmlns:p14="http://schemas.microsoft.com/office/powerpoint/2010/main">
-    <mc:Choice Requires="p14">
-      <p:transition spd="med" p14:dur="700">
-        <p:fade/>
-      </p:transition>
-    </mc:Choice>
-    <mc:Fallback xmlns="">
-      <p:transition xmlns:p14="http://schemas.microsoft.com/office/powerpoint/2010/main" spd="med">
-        <p:fade/>
-      </p:transition>
-    </mc:Fallback>
-  </mc:AlternateContent>
-  <p:timing>
-    <p:tnLst>
-      <p:par>
-        <p:cTn xmlns:p14="http://schemas.microsoft.com/office/powerpoint/2010/main" id="1" dur="indefinite" restart="never" nodeType="tmRoot"/>
-      </p:par>
-    </p:tnLst>
-  </p:timing>
-</p:sld>
-</file>
-
-<file path=ppt/slides/slide9.xml><?xml version="1.0" encoding="utf-8"?>
-<p:sld xmlns:a="http://schemas.openxmlformats.org/drawingml/2006/main" xmlns:r="http://schemas.openxmlformats.org/officeDocument/2006/relationships" xmlns:p="http://schemas.openxmlformats.org/presentationml/2006/main">
-  <p:cSld>
-    <p:spTree>
-      <p:nvGrpSpPr>
-        <p:cNvPr id="1" name=""/>
-        <p:cNvGrpSpPr/>
-        <p:nvPr/>
-      </p:nvGrpSpPr>
-      <p:grpSpPr>
-        <a:xfrm>
-          <a:off x="0" y="0"/>
-          <a:ext cx="0" cy="0"/>
-          <a:chOff x="0" y="0"/>
-          <a:chExt cx="0" cy="0"/>
-        </a:xfrm>
-      </p:grpSpPr>
-      <p:sp>
-        <p:nvSpPr>
-          <p:cNvPr id="34819" name="Rectangle 2"/>
-          <p:cNvSpPr>
-            <a:spLocks noGrp="1" noChangeArrowheads="1"/>
-          </p:cNvSpPr>
-          <p:nvPr>
-            <p:ph type="title"/>
-          </p:nvPr>
-        </p:nvSpPr>
-        <p:spPr/>
-        <p:txBody>
-          <a:bodyPr/>
-          <a:lstStyle/>
-          <a:p>
-            <a:r>
-              <a:rPr lang="en-US" sz="4800" dirty="0" smtClean="0"/>
-              <a:t>Team Problems</a:t>
-            </a:r>
-          </a:p>
-        </p:txBody>
-      </p:sp>
-      <p:sp>
-        <p:nvSpPr>
-          <p:cNvPr id="34820" name="Rectangle 3"/>
-          <p:cNvSpPr>
-            <a:spLocks noGrp="1" noChangeArrowheads="1"/>
-          </p:cNvSpPr>
-          <p:nvPr>
-            <p:ph type="body" idx="1"/>
-          </p:nvPr>
-        </p:nvSpPr>
-        <p:spPr>
-          <a:xfrm>
-            <a:off x="502510" y="1479035"/>
-            <a:ext cx="8130746" cy="3900272"/>
-          </a:xfrm>
-        </p:spPr>
-        <p:txBody>
-          <a:bodyPr/>
-          <a:lstStyle/>
-          <a:p>
-            <a:pPr algn="ctr">
-              <a:spcBef>
-                <a:spcPts val="1200"/>
-              </a:spcBef>
-              <a:buFontTx/>
-              <a:buNone/>
-            </a:pPr>
-            <a:r>
-              <a:rPr lang="en-US" sz="11500" dirty="0" smtClean="0"/>
-              <a:t>Problems</a:t>
-            </a:r>
-          </a:p>
-          <a:p>
-            <a:pPr algn="ctr">
-              <a:spcBef>
-                <a:spcPts val="1200"/>
-              </a:spcBef>
-              <a:buFontTx/>
-              <a:buNone/>
-            </a:pPr>
-            <a:r>
-              <a:rPr lang="en-US" sz="11500" smtClean="0">
-                <a:sym typeface="Euclid Symbol"/>
-              </a:rPr>
-              <a:t>1</a:t>
-            </a:r>
-            <a:r>
-              <a:rPr lang="en-US" sz="11500" smtClean="0">
-                <a:latin typeface="Comic Sans MS"/>
-                <a:ea typeface="ＭＳ ゴシック"/>
-                <a:cs typeface="Comic Sans MS"/>
-                <a:sym typeface="Euclid Symbol"/>
-              </a:rPr>
-              <a:t>−</a:t>
-            </a:r>
-            <a:r>
-              <a:rPr lang="en-US" sz="11500" dirty="0">
-                <a:sym typeface="Euclid Symbol"/>
-              </a:rPr>
-              <a:t>4</a:t>
-            </a:r>
-            <a:endParaRPr lang="en-US" sz="12700" dirty="0" smtClean="0"/>
-          </a:p>
-        </p:txBody>
-      </p:sp>
-    </p:spTree>
-  </p:cSld>
-  <p:clrMapOvr>
-    <a:masterClrMapping/>
-  </p:clrMapOvr>
-  <p:transition xmlns:p14="http://schemas.microsoft.com/office/powerpoint/2010/main"/>
-  <p:timing>
-    <p:tnLst>
-      <p:par>
-        <p:cTn xmlns:p14="http://schemas.microsoft.com/office/powerpoint/2010/main" id="1" dur="indefinite" restart="never" nodeType="tmRoot"/>
-      </p:par>
-    </p:tnLst>
-  </p:timing>
-</p:sld>
-</file>
-
 <file path=ppt/tags/tag1.xml><?xml version="1.0" encoding="utf-8"?>
 <p:tagLst xmlns:a="http://schemas.openxmlformats.org/drawingml/2006/main" xmlns:r="http://schemas.openxmlformats.org/officeDocument/2006/relationships" xmlns:p="http://schemas.openxmlformats.org/presentationml/2006/main">
   <p:tag name="USEAMSFONTS" val="True"/>
@@ -5301,12 +8994,6 @@
   <p:tag name="EMBEDFONTS" val="0"/>
   <p:tag name="TEXPOINTINIT" val="\newcommand{paren}{1}{(#1)}&#10;\newcommand{ang}{1}{\langle#1\rangle}&#10;\newcommand{suchthat}{0}{\mid}&#10;\newcommand{eqdef}{0}{\font{Euclid}{\bf{::=}}}&#10;\newcommand{bar}{1}{\overline{#1}}&#10;\newcommand{and}{0}{\wedge}&#10;\newcommand{conj}{0}{\And}&#10;\newcommand{smand}{0}{\And}&#10;\newcommand{AND}{0}{\bigwedge}&#10;\newcommand{Land}{0}{\AND}&#10;\newcommand{lgand}{0}{\AND}&#10;\newcommand{Or}{0}{\vee}&#10;\newcommand{disj}{0}{\Or}&#10;\newcommand{smor}{0}{\Or}&#10;\newcommand{OR}{0}{\bigvee}&#10;\newcommand{Lor}{0}{\OR}&#10;\newcommand{lgor}{0}{\OR}&#10;\newcommand{implies}{0}{\longrightarrow}&#10;\newcommand{iff}{0}{\longleftrightarrow}&#10;\newcommand{bicond}{0}{\longleftrightarrow}&#10;\newcommand{equivalent}{0}{\Longleftrightarrow}&#10;\newcommand{set}{1}{\lbrace{#1}\rbrace}&#10;\newcommand{card}{1}{\abs{#1}}&#10;\newcommand{union}{0}{\cup}&#10;\newcommand{lgunion}{0}{\bigcup}&#10;\newcommand{intersect}{0}{\cap}&#10;\newcommand{lgintersect}{0}{\bigcap}&#10;\newcommand{cross}{0}{\times}&#10;\newcommand{compose}{0}{\circ}&#10;\newcommand{composition}{0}{\circ}&#10;\newcommand{power}{0}{\cP}&#10;\newcommand{range}{1}{\font{times new roman}{range}(#1)}&#10;\newcommand{domain}{1}{\font{times new roman}{domain}(#1)}&#10;\newcommand{emptystring}{0}{\lambda}&#10;\newcommand{naturals}{0}{\bbn}}&#10;\newcommand{integers}{0}{\bbz}&#10;\newcommand{rationals}{0}{\bbq}&#10;\newcommand{reals}{0}{\bbr}&#10;\newcommand{complexes}{0}{\bbc}&#10;\newcommand{abs}{1}{\mid#1\mid}&#10;\newcommand{floor}{1}{\lfloor#1\rfloor}&#10;\newcommand{ceil}{1}{\lceil#1\rceil}&#10;%\newcommand{divides}{0}{\mathbin{|}}&#10;\newcommand{divides}{0}{\mid}&#10;\newcommand{sspace}{0}{\cS}&#10;\newcommand{pr}{1}{\font{times new roman}{Pr}\lbrace#1\rbrace}&#10;\newcommand{prob}{1}{\pr{#1}}&#10;\newcommand{prsub}{2}{\font{times new roman}{Pr}_{#2}\lbrace{#1}\rbrace}&#10;\newcommand{prcond}{2}{\font{times new roman}{Pr}\lbrace{#1}\,\mid\,#2\rbrace}&#10;\newcommand{Ex}{0}{\font{times new roman}{E}}&#10;\newcommand{Var}{0}{\font{times new roman}{Var}}&#10;\newcommand{Cov}{0}{\font{times new roman}{Cov}}&#10;\newcommand{expect}{1}{\Ex[#1]}&#10;\newcommand{expectsq}{1}{{\Ex}^2[#1]}&#10;\newcommand{expcond}{2}{\expect{#1\mid#2}}&#10;\newcommand{variance}{1}{\Var[#1]}&#10;\newcommand{varsq}{1}{{\Var}^2[#1]}&#10;\newcommand{covar}{1}{\Cov[#1]}&#10;\newcommand{covariance}{2}{\Cov[#1,#2}}"/>
   <p:tag name="ACCESSLIST" val="\newcommand{paren}{1}{(#1)}&#10;\newcommand{ang}{1}{\langle#1\rangle}&#10;\newcommand{suchthat}{0}{\mid}&#10;\newcommand{eqdef}{0}{\font{Euclid}{\bf{::=}}}&#10;\newcommand{bar}{1}{\overline{#1}}&#10;\newcommand{and}{0}{\wedge}&#10;\newcommand{conj}{0}{\And}&#10;\newcommand{smand}{0}{\And}&#10;\newcommand{AND}{0}{\bigwedge}&#10;\newcommand{Land}{0}{\AND}&#10;\newcommand{lgand}{0}{\AND}&#10;\newcommand{Or}{0}{\vee}&#10;\newcommand{disj}{0}{\Or}&#10;\newcommand{smor}{0}{\Or}&#10;\newcommand{OR}{0}{\bigvee}&#10;\newcommand{Lor}{0}{\OR}&#10;\newcommand{lgor}{0}{\OR}&#10;\newcommand{implies}{0}{\longrightarrow}&#10;\newcommand{iff}{0}{\longleftrightarrow}&#10;\newcommand{bicond}{0}{\longleftrightarrow}&#10;\newcommand{equivalent}{0}{\Longleftrightarrow}&#10;\newcommand{set}{1}{\lbrace{#1}\rbrace}&#10;\newcommand{card}{1}{\abs{#1}}&#10;\newcommand{union}{0}{\cup}&#10;\newcommand{lgunion}{0}{\bigcup}&#10;\newcommand{intersect}{0}{\cap}&#10;\newcommand{lgintersect}{0}{\bigcap}&#10;\newcommand{cross}{0}{\times}&#10;\newcommand{compose}{0}{\circ}&#10;\newcommand{composition}{0}{\circ}&#10;\newcommand{power}{0}{\cP}&#10;\newcommand{range}{1}{\font{times new roman}{range}(#1)}&#10;\newcommand{domain}{1}{\font{times new roman}{domain}(#1)}&#10;\newcommand{emptystring}{0}{\lambda}&#10;\newcommand{naturals}{0}{\bbn}}&#10;\newcommand{integers}{0}{\bbz}&#10;\newcommand{rationals}{0}{\bbq}&#10;\newcommand{reals}{0}{\bbr}&#10;\newcommand{complexes}{0}{\bbc}&#10;\newcommand{abs}{1}{\mid#1\mid}&#10;\newcommand{floor}{1}{\lfloor#1\rfloor}&#10;\newcommand{ceil}{1}{\lceil#1\rceil}&#10;%\newcommand{divides}{0}{\mathbin{|}}&#10;\newcommand{divides}{0}{\mid}&#10;\newcommand{sspace}{0}{\cS}&#10;\newcommand{pr}{1}{\font{times new roman}{Pr}\lbrace#1\rbrace}&#10;\newcommand{prob}{1}{\pr{#1}}&#10;\newcommand{prsub}{2}{\font{times new roman}{Pr}_{#2}\lbrace{#1}\rbrace}&#10;\newcommand{prcond}{2}{\font{times new roman}{Pr}\lbrace{#1}\,\mid\,#2\rbrace}&#10;\newcommand{Ex}{0}{\font{times new roman}{E}}&#10;\newcommand{Var}{0}{\font{times new roman}{Var}}&#10;\newcommand{Cov}{0}{\font{times new roman}{Cov}}&#10;\newcommand{expect}{1}{\Ex[#1]}&#10;\newcommand{expectsq}{1}{{\Ex}^2[#1]}&#10;\newcommand{expcond}{2}{\expect{#1\mid#2}}&#10;\newcommand{variance}{1}{\Var[#1]}&#10;\newcommand{varsq}{1}{{\Var}^2[#1]}&#10;\newcommand{covar}{1}{\Cov[#1]}&#10;\newcommand{covariance}{2}{\Cov[#1,#2}}"/>
-</p:tagLst>
-</file>
-
-<file path=ppt/tags/tag2.xml><?xml version="1.0" encoding="utf-8"?>
-<p:tagLst xmlns:a="http://schemas.openxmlformats.org/drawingml/2006/main" xmlns:r="http://schemas.openxmlformats.org/officeDocument/2006/relationships" xmlns:p="http://schemas.openxmlformats.org/presentationml/2006/main">
-  <p:tag name="HIDDENFONTSHAPE" val="true"/>
 </p:tagLst>
 </file>
 
